--- a/ProjectPosterPresentation.pptx
+++ b/ProjectPosterPresentation.pptx
@@ -3,20 +3,22 @@
 <p:presentation xmlns:a="http://schemas.openxmlformats.org/drawingml/2006/main" xmlns:r="http://schemas.openxmlformats.org/officeDocument/2006/relationships" xmlns:p="http://schemas.openxmlformats.org/presentationml/2006/main" saveSubsetFonts="1">
   <p:sldMasterIdLst>
     <p:sldMasterId id="2147484005" r:id="rId1"/>
+    <p:sldMasterId id="2147483708" r:id="rId2"/>
   </p:sldMasterIdLst>
   <p:notesMasterIdLst>
-    <p:notesMasterId r:id="rId8"/>
+    <p:notesMasterId r:id="rId10"/>
   </p:notesMasterIdLst>
   <p:handoutMasterIdLst>
-    <p:handoutMasterId r:id="rId9"/>
+    <p:handoutMasterId r:id="rId11"/>
   </p:handoutMasterIdLst>
   <p:sldIdLst>
-    <p:sldId id="286" r:id="rId2"/>
-    <p:sldId id="404" r:id="rId3"/>
-    <p:sldId id="411" r:id="rId4"/>
-    <p:sldId id="412" r:id="rId5"/>
-    <p:sldId id="313" r:id="rId6"/>
-    <p:sldId id="426" r:id="rId7"/>
+    <p:sldId id="286" r:id="rId3"/>
+    <p:sldId id="427" r:id="rId4"/>
+    <p:sldId id="428" r:id="rId5"/>
+    <p:sldId id="429" r:id="rId6"/>
+    <p:sldId id="430" r:id="rId7"/>
+    <p:sldId id="431" r:id="rId8"/>
+    <p:sldId id="432" r:id="rId9"/>
   </p:sldIdLst>
   <p:sldSz cx="12192000" cy="6858000"/>
   <p:notesSz cx="6858000" cy="9144000"/>
@@ -121,11 +123,12 @@
         <p14:section name="Balance" id="{705054ED-DB56-FA4C-BB16-D35BDEFFF4C1}">
           <p14:sldIdLst>
             <p14:sldId id="286"/>
-            <p14:sldId id="404"/>
-            <p14:sldId id="411"/>
-            <p14:sldId id="412"/>
-            <p14:sldId id="313"/>
-            <p14:sldId id="426"/>
+            <p14:sldId id="427"/>
+            <p14:sldId id="428"/>
+            <p14:sldId id="429"/>
+            <p14:sldId id="430"/>
+            <p14:sldId id="431"/>
+            <p14:sldId id="432"/>
           </p14:sldIdLst>
         </p14:section>
       </p14:sectionLst>
@@ -233,7 +236,7 @@
           <a:p>
             <a:fld id="{A740EBAF-D955-C443-AB02-2BCBC7797572}" type="datetimeFigureOut">
               <a:rPr lang="en-US" smtClean="0"/>
-              <a:t>11/19/2020</a:t>
+              <a:t>1/8/2021</a:t>
             </a:fld>
             <a:endParaRPr lang="en-US"/>
           </a:p>
@@ -314,6 +317,188 @@
   </p:cSld>
   <p:clrMap bg1="lt1" tx1="dk1" bg2="lt2" tx2="dk2" accent1="accent1" accent2="accent2" accent3="accent3" accent4="accent4" accent5="accent5" accent6="accent6" hlink="hlink" folHlink="folHlink"/>
 </p:handoutMaster>
+</file>
+
+<file path=ppt/ink/ink1.xml><?xml version="1.0" encoding="utf-8"?>
+<inkml:ink xmlns:inkml="http://www.w3.org/2003/InkML">
+  <inkml:definitions>
+    <inkml:context xml:id="ctx0">
+      <inkml:inkSource xml:id="inkSrc0">
+        <inkml:traceFormat>
+          <inkml:channel name="X" type="integer" min="-2.14748E9" max="2.14748E9" units="cm"/>
+          <inkml:channel name="Y" type="integer" min="-2.14748E9" max="2.14748E9" units="cm"/>
+        </inkml:traceFormat>
+        <inkml:channelProperties>
+          <inkml:channelProperty channel="X" name="resolution" value="1000" units="1/cm"/>
+          <inkml:channelProperty channel="Y" name="resolution" value="1000" units="1/cm"/>
+        </inkml:channelProperties>
+      </inkml:inkSource>
+      <inkml:timestamp xml:id="ts0" timeString="2020-12-15T15:50:43.422"/>
+    </inkml:context>
+    <inkml:brush xml:id="br0">
+      <inkml:brushProperty name="width" value="0.05" units="cm"/>
+      <inkml:brushProperty name="height" value="0.05" units="cm"/>
+      <inkml:brushProperty name="ignorePressure" value="1"/>
+    </inkml:brush>
+  </inkml:definitions>
+  <inkml:trace contextRef="#ctx0" brushRef="#br0">1 3033,'8'0,"0"0,0-1,0 0,0-1,-1 0,1 0,0 0,-1-1,1 0,-1-1,0 0,0 0,0 0,-1-1,7-6,4-6,0-1,-1 0,21-33,-28 37,-3 7,0 1,0 0,1 0,0 0,0 0,0 1,1 1,-1-1,14-5,-9 5,-1-1,0-1,-1 1,12-10,57-52,-74 64,1 0,-1 1,1-1,0 1,-1 0,2 0,-1 1,0 0,8-2,6 1,34-2,-40 5,0-1,-1-1,1 0,-1 0,0-2,16-5,-8 1,1 1,34-7,-33 9,-1-1,30-11,-30 9,0 1,0 1,1 1,-1 1,41-2,83-16,-131 19,38-8,-28 5,37-4,-50 9,0-1,-1 0,1-1,0 0,-1-1,0-1,1 1,19-14,-19 12,1 0,-1 0,1 1,0 1,1 0,-1 0,16-1,10 1,46 2,-9 0,-57 0,1 0,-1-2,0-1,-1 0,1-1,31-16,101-63,-135 75,14-10,59-31,-88 50,122-62,-104 51,-1 0,0-2,-1 0,20-20,-30 28,0 0,1 0,0 1,0 0,0 1,15-6,-11 4,-1 1,0-1,11-8,-11 4,1-1,-1 0,-1-1,10-13,-13 15,0 0,1 0,0 1,1 1,0-1,0 1,1 1,12-8,8 0,-6 3,31-20,-48 27,0 0,-1 0,1-1,-1 0,0-1,0 1,-1-1,6-10,50-88,-56 93,1 0,-2 0,0-1,4-18,-5 19,0-1,1 1,0 0,11-22,14-22,-23 41,1 1,0 0,1 0,1 1,13-15,-2 6,-1 0,-1-2,-1 0,27-49,-36 55,0-1,-1 0,-1 0,-1 0,0-1,-1 0,-2 0,1-21,-5-58,-1 61,3-1,4-42,1 55,1 1,9-25,-7 27,-2 0,8-46,-9 11,-3-1,-8-82,4 135,0 0,0 0,0 0,-1 1,1-1,-1 1,-1-1,1 1,-1 0,0 0,0 1,0-1,-1 1,-5-4,-20-25,-8-14,28 33</inkml:trace>
+</inkml:ink>
+</file>
+
+<file path=ppt/ink/ink2.xml><?xml version="1.0" encoding="utf-8"?>
+<inkml:ink xmlns:inkml="http://www.w3.org/2003/InkML">
+  <inkml:definitions>
+    <inkml:context xml:id="ctx0">
+      <inkml:inkSource xml:id="inkSrc0">
+        <inkml:traceFormat>
+          <inkml:channel name="X" type="integer" min="-2.14748E9" max="2.14748E9" units="cm"/>
+          <inkml:channel name="Y" type="integer" min="-2.14748E9" max="2.14748E9" units="cm"/>
+        </inkml:traceFormat>
+        <inkml:channelProperties>
+          <inkml:channelProperty channel="X" name="resolution" value="1000" units="1/cm"/>
+          <inkml:channelProperty channel="Y" name="resolution" value="1000" units="1/cm"/>
+        </inkml:channelProperties>
+      </inkml:inkSource>
+      <inkml:timestamp xml:id="ts0" timeString="2020-12-15T15:50:48.012"/>
+    </inkml:context>
+    <inkml:brush xml:id="br0">
+      <inkml:brushProperty name="width" value="0.05" units="cm"/>
+      <inkml:brushProperty name="height" value="0.05" units="cm"/>
+      <inkml:brushProperty name="ignorePressure" value="1"/>
+    </inkml:brush>
+  </inkml:definitions>
+  <inkml:trace contextRef="#ctx0" brushRef="#br0">1 1</inkml:trace>
+</inkml:ink>
+</file>
+
+<file path=ppt/ink/ink3.xml><?xml version="1.0" encoding="utf-8"?>
+<inkml:ink xmlns:inkml="http://www.w3.org/2003/InkML">
+  <inkml:definitions>
+    <inkml:context xml:id="ctx0">
+      <inkml:inkSource xml:id="inkSrc0">
+        <inkml:traceFormat>
+          <inkml:channel name="X" type="integer" min="-2.14748E9" max="2.14748E9" units="cm"/>
+          <inkml:channel name="Y" type="integer" min="-2.14748E9" max="2.14748E9" units="cm"/>
+        </inkml:traceFormat>
+        <inkml:channelProperties>
+          <inkml:channelProperty channel="X" name="resolution" value="1000" units="1/cm"/>
+          <inkml:channelProperty channel="Y" name="resolution" value="1000" units="1/cm"/>
+        </inkml:channelProperties>
+      </inkml:inkSource>
+      <inkml:timestamp xml:id="ts0" timeString="2020-12-15T15:50:48.507"/>
+    </inkml:context>
+    <inkml:brush xml:id="br0">
+      <inkml:brushProperty name="width" value="0.05" units="cm"/>
+      <inkml:brushProperty name="height" value="0.05" units="cm"/>
+      <inkml:brushProperty name="ignorePressure" value="1"/>
+    </inkml:brush>
+  </inkml:definitions>
+  <inkml:trace contextRef="#ctx0" brushRef="#br0">0 0</inkml:trace>
+</inkml:ink>
+</file>
+
+<file path=ppt/ink/ink4.xml><?xml version="1.0" encoding="utf-8"?>
+<inkml:ink xmlns:inkml="http://www.w3.org/2003/InkML">
+  <inkml:definitions>
+    <inkml:context xml:id="ctx0">
+      <inkml:inkSource xml:id="inkSrc0">
+        <inkml:traceFormat>
+          <inkml:channel name="X" type="integer" min="-2.14748E9" max="2.14748E9" units="cm"/>
+          <inkml:channel name="Y" type="integer" min="-2.14748E9" max="2.14748E9" units="cm"/>
+        </inkml:traceFormat>
+        <inkml:channelProperties>
+          <inkml:channelProperty channel="X" name="resolution" value="1000" units="1/cm"/>
+          <inkml:channelProperty channel="Y" name="resolution" value="1000" units="1/cm"/>
+        </inkml:channelProperties>
+      </inkml:inkSource>
+      <inkml:timestamp xml:id="ts0" timeString="2020-12-15T15:50:49.165"/>
+    </inkml:context>
+    <inkml:brush xml:id="br0">
+      <inkml:brushProperty name="width" value="0.05" units="cm"/>
+      <inkml:brushProperty name="height" value="0.05" units="cm"/>
+      <inkml:brushProperty name="ignorePressure" value="1"/>
+    </inkml:brush>
+  </inkml:definitions>
+  <inkml:trace contextRef="#ctx0" brushRef="#br0">0 1</inkml:trace>
+</inkml:ink>
+</file>
+
+<file path=ppt/ink/ink5.xml><?xml version="1.0" encoding="utf-8"?>
+<inkml:ink xmlns:inkml="http://www.w3.org/2003/InkML">
+  <inkml:definitions>
+    <inkml:context xml:id="ctx0">
+      <inkml:inkSource xml:id="inkSrc0">
+        <inkml:traceFormat>
+          <inkml:channel name="X" type="integer" min="-2.14748E9" max="2.14748E9" units="cm"/>
+          <inkml:channel name="Y" type="integer" min="-2.14748E9" max="2.14748E9" units="cm"/>
+        </inkml:traceFormat>
+        <inkml:channelProperties>
+          <inkml:channelProperty channel="X" name="resolution" value="1000" units="1/cm"/>
+          <inkml:channelProperty channel="Y" name="resolution" value="1000" units="1/cm"/>
+        </inkml:channelProperties>
+      </inkml:inkSource>
+      <inkml:timestamp xml:id="ts0" timeString="2020-12-15T15:50:49.706"/>
+    </inkml:context>
+    <inkml:brush xml:id="br0">
+      <inkml:brushProperty name="width" value="0.05" units="cm"/>
+      <inkml:brushProperty name="height" value="0.05" units="cm"/>
+      <inkml:brushProperty name="ignorePressure" value="1"/>
+    </inkml:brush>
+  </inkml:definitions>
+  <inkml:trace contextRef="#ctx0" brushRef="#br0">0 0</inkml:trace>
+</inkml:ink>
+</file>
+
+<file path=ppt/ink/ink6.xml><?xml version="1.0" encoding="utf-8"?>
+<inkml:ink xmlns:inkml="http://www.w3.org/2003/InkML">
+  <inkml:definitions>
+    <inkml:context xml:id="ctx0">
+      <inkml:inkSource xml:id="inkSrc0">
+        <inkml:traceFormat>
+          <inkml:channel name="X" type="integer" min="-2.14748E9" max="2.14748E9" units="cm"/>
+          <inkml:channel name="Y" type="integer" min="-2.14748E9" max="2.14748E9" units="cm"/>
+        </inkml:traceFormat>
+        <inkml:channelProperties>
+          <inkml:channelProperty channel="X" name="resolution" value="1000" units="1/cm"/>
+          <inkml:channelProperty channel="Y" name="resolution" value="1000" units="1/cm"/>
+        </inkml:channelProperties>
+      </inkml:inkSource>
+      <inkml:timestamp xml:id="ts0" timeString="2020-12-15T15:50:50.204"/>
+    </inkml:context>
+    <inkml:brush xml:id="br0">
+      <inkml:brushProperty name="width" value="0.05" units="cm"/>
+      <inkml:brushProperty name="height" value="0.05" units="cm"/>
+      <inkml:brushProperty name="ignorePressure" value="1"/>
+    </inkml:brush>
+  </inkml:definitions>
+  <inkml:trace contextRef="#ctx0" brushRef="#br0">1 1</inkml:trace>
+</inkml:ink>
+</file>
+
+<file path=ppt/ink/ink7.xml><?xml version="1.0" encoding="utf-8"?>
+<inkml:ink xmlns:inkml="http://www.w3.org/2003/InkML">
+  <inkml:definitions>
+    <inkml:context xml:id="ctx0">
+      <inkml:inkSource xml:id="inkSrc0">
+        <inkml:traceFormat>
+          <inkml:channel name="X" type="integer" min="-2.14748E9" max="2.14748E9" units="cm"/>
+          <inkml:channel name="Y" type="integer" min="-2.14748E9" max="2.14748E9" units="cm"/>
+        </inkml:traceFormat>
+        <inkml:channelProperties>
+          <inkml:channelProperty channel="X" name="resolution" value="1000" units="1/cm"/>
+          <inkml:channelProperty channel="Y" name="resolution" value="1000" units="1/cm"/>
+        </inkml:channelProperties>
+      </inkml:inkSource>
+      <inkml:timestamp xml:id="ts0" timeString="2020-12-15T15:50:51.296"/>
+    </inkml:context>
+    <inkml:brush xml:id="br0">
+      <inkml:brushProperty name="width" value="0.05" units="cm"/>
+      <inkml:brushProperty name="height" value="0.05" units="cm"/>
+      <inkml:brushProperty name="ignorePressure" value="1"/>
+    </inkml:brush>
+  </inkml:definitions>
+  <inkml:trace contextRef="#ctx0" brushRef="#br0">0 1</inkml:trace>
+</inkml:ink>
 </file>
 
 <file path=ppt/notesMasters/notesMaster1.xml><?xml version="1.0" encoding="utf-8"?>
@@ -398,7 +583,7 @@
           <a:p>
             <a:fld id="{247A641A-FC50-3840-A830-42D90553FE8C}" type="datetimeFigureOut">
               <a:rPr lang="en-US" smtClean="0"/>
-              <a:t>11/19/2020</a:t>
+              <a:t>1/7/2021</a:t>
             </a:fld>
             <a:endParaRPr lang="en-US"/>
           </a:p>
@@ -665,6 +850,1531 @@
 </p:notesMaster>
 </file>
 
+<file path=ppt/notesSlides/notesSlide1.xml><?xml version="1.0" encoding="utf-8"?>
+<p:notes xmlns:a="http://schemas.openxmlformats.org/drawingml/2006/main" xmlns:r="http://schemas.openxmlformats.org/officeDocument/2006/relationships" xmlns:p="http://schemas.openxmlformats.org/presentationml/2006/main">
+  <p:cSld>
+    <p:spTree>
+      <p:nvGrpSpPr>
+        <p:cNvPr id="1" name=""/>
+        <p:cNvGrpSpPr/>
+        <p:nvPr/>
+      </p:nvGrpSpPr>
+      <p:grpSpPr>
+        <a:xfrm>
+          <a:off x="0" y="0"/>
+          <a:ext cx="0" cy="0"/>
+          <a:chOff x="0" y="0"/>
+          <a:chExt cx="0" cy="0"/>
+        </a:xfrm>
+      </p:grpSpPr>
+      <p:sp>
+        <p:nvSpPr>
+          <p:cNvPr id="2" name="Slide Image Placeholder 1"/>
+          <p:cNvSpPr>
+            <a:spLocks noGrp="1" noRot="1" noChangeAspect="1"/>
+          </p:cNvSpPr>
+          <p:nvPr>
+            <p:ph type="sldImg"/>
+          </p:nvPr>
+        </p:nvSpPr>
+        <p:spPr/>
+      </p:sp>
+      <p:sp>
+        <p:nvSpPr>
+          <p:cNvPr id="3" name="Notes Placeholder 2"/>
+          <p:cNvSpPr>
+            <a:spLocks noGrp="1"/>
+          </p:cNvSpPr>
+          <p:nvPr>
+            <p:ph type="body" idx="1"/>
+          </p:nvPr>
+        </p:nvSpPr>
+        <p:spPr/>
+        <p:txBody>
+          <a:bodyPr/>
+          <a:lstStyle/>
+          <a:p>
+            <a:pPr marL="0" marR="0" lvl="0" indent="0" algn="l" defTabSz="914400" rtl="0" eaLnBrk="1" fontAlgn="auto" latinLnBrk="0" hangingPunct="1">
+              <a:lnSpc>
+                <a:spcPct val="100000"/>
+              </a:lnSpc>
+              <a:spcBef>
+                <a:spcPts val="0"/>
+              </a:spcBef>
+              <a:spcAft>
+                <a:spcPts val="0"/>
+              </a:spcAft>
+              <a:buClrTx/>
+              <a:buSzTx/>
+              <a:buFontTx/>
+              <a:buNone/>
+              <a:tabLst/>
+              <a:defRPr/>
+            </a:pPr>
+            <a:r>
+              <a:rPr lang="en-GB" sz="1800" dirty="0">
+                <a:effectLst/>
+                <a:latin typeface="Calibri" panose="020F0502020204030204" pitchFamily="34" charset="0"/>
+                <a:ea typeface="Calibri" panose="020F0502020204030204" pitchFamily="34" charset="0"/>
+                <a:cs typeface="Arial" panose="020B0604020202020204" pitchFamily="34" charset="0"/>
+              </a:rPr>
+              <a:t>The project I will be presenting is “Using AI and Robotics to Entertain Cats”.</a:t>
+            </a:r>
+          </a:p>
+          <a:p>
+            <a:endParaRPr lang="en-GB" dirty="0"/>
+          </a:p>
+        </p:txBody>
+      </p:sp>
+      <p:sp>
+        <p:nvSpPr>
+          <p:cNvPr id="4" name="Slide Number Placeholder 3"/>
+          <p:cNvSpPr>
+            <a:spLocks noGrp="1"/>
+          </p:cNvSpPr>
+          <p:nvPr>
+            <p:ph type="sldNum" sz="quarter" idx="5"/>
+          </p:nvPr>
+        </p:nvSpPr>
+        <p:spPr/>
+        <p:txBody>
+          <a:bodyPr/>
+          <a:lstStyle/>
+          <a:p>
+            <a:fld id="{8C896355-3DDC-9949-861F-AD0908BFCC23}" type="slidenum">
+              <a:rPr lang="en-US" smtClean="0"/>
+              <a:t>1</a:t>
+            </a:fld>
+            <a:endParaRPr lang="en-US"/>
+          </a:p>
+        </p:txBody>
+      </p:sp>
+    </p:spTree>
+    <p:extLst>
+      <p:ext uri="{BB962C8B-B14F-4D97-AF65-F5344CB8AC3E}">
+        <p14:creationId xmlns:p14="http://schemas.microsoft.com/office/powerpoint/2010/main" val="1096533817"/>
+      </p:ext>
+    </p:extLst>
+  </p:cSld>
+  <p:clrMapOvr>
+    <a:masterClrMapping/>
+  </p:clrMapOvr>
+</p:notes>
+</file>
+
+<file path=ppt/notesSlides/notesSlide2.xml><?xml version="1.0" encoding="utf-8"?>
+<p:notes xmlns:a="http://schemas.openxmlformats.org/drawingml/2006/main" xmlns:r="http://schemas.openxmlformats.org/officeDocument/2006/relationships" xmlns:p="http://schemas.openxmlformats.org/presentationml/2006/main" showMasterSp="0" showMasterPhAnim="0">
+  <p:cSld>
+    <p:spTree>
+      <p:nvGrpSpPr>
+        <p:cNvPr id="1" name="Shape 50"/>
+        <p:cNvGrpSpPr/>
+        <p:nvPr/>
+      </p:nvGrpSpPr>
+      <p:grpSpPr>
+        <a:xfrm>
+          <a:off x="0" y="0"/>
+          <a:ext cx="0" cy="0"/>
+          <a:chOff x="0" y="0"/>
+          <a:chExt cx="0" cy="0"/>
+        </a:xfrm>
+      </p:grpSpPr>
+      <p:sp>
+        <p:nvSpPr>
+          <p:cNvPr id="51" name="Google Shape;51;p:notes"/>
+          <p:cNvSpPr>
+            <a:spLocks noGrp="1" noRot="1" noChangeAspect="1"/>
+          </p:cNvSpPr>
+          <p:nvPr>
+            <p:ph type="sldImg" idx="2"/>
+          </p:nvPr>
+        </p:nvSpPr>
+        <p:spPr>
+          <a:xfrm>
+            <a:off x="381000" y="685800"/>
+            <a:ext cx="6096000" cy="3429000"/>
+          </a:xfrm>
+          <a:custGeom>
+            <a:avLst/>
+            <a:gdLst/>
+            <a:ahLst/>
+            <a:cxnLst/>
+            <a:rect l="l" t="t" r="r" b="b"/>
+            <a:pathLst>
+              <a:path w="120000" h="120000" extrusionOk="0">
+                <a:moveTo>
+                  <a:pt x="0" y="0"/>
+                </a:moveTo>
+                <a:lnTo>
+                  <a:pt x="120000" y="0"/>
+                </a:lnTo>
+                <a:lnTo>
+                  <a:pt x="120000" y="120000"/>
+                </a:lnTo>
+                <a:lnTo>
+                  <a:pt x="0" y="120000"/>
+                </a:lnTo>
+                <a:close/>
+              </a:path>
+            </a:pathLst>
+          </a:custGeom>
+        </p:spPr>
+      </p:sp>
+      <p:sp>
+        <p:nvSpPr>
+          <p:cNvPr id="52" name="Google Shape;52;p:notes"/>
+          <p:cNvSpPr txBox="1">
+            <a:spLocks noGrp="1"/>
+          </p:cNvSpPr>
+          <p:nvPr>
+            <p:ph type="body" idx="1"/>
+          </p:nvPr>
+        </p:nvSpPr>
+        <p:spPr>
+          <a:xfrm>
+            <a:off x="685800" y="4343400"/>
+            <a:ext cx="5486400" cy="4114800"/>
+          </a:xfrm>
+          <a:prstGeom prst="rect">
+            <a:avLst/>
+          </a:prstGeom>
+        </p:spPr>
+        <p:txBody>
+          <a:bodyPr spcFirstLastPara="1" wrap="square" lIns="91425" tIns="91425" rIns="91425" bIns="91425" anchor="t" anchorCtr="0">
+            <a:noAutofit/>
+          </a:bodyPr>
+          <a:lstStyle/>
+          <a:p>
+            <a:pPr marL="457200">
+              <a:lnSpc>
+                <a:spcPct val="107000"/>
+              </a:lnSpc>
+            </a:pPr>
+            <a:r>
+              <a:rPr lang="en-GB" sz="1800" dirty="0">
+                <a:effectLst/>
+                <a:latin typeface="Calibri" panose="020F0502020204030204" pitchFamily="34" charset="0"/>
+                <a:ea typeface="Calibri" panose="020F0502020204030204" pitchFamily="34" charset="0"/>
+                <a:cs typeface="Arial" panose="020B0604020202020204" pitchFamily="34" charset="0"/>
+              </a:rPr>
+              <a:t>The project will take the form of an intelligent robotic toy designed using principles of robotics and AI. This will be a free moving product will aim to be cheap, but effective with good functionality and a durable structure. It will be based on “catch the mouse” style toys available on the market while expanding on what these are capable of as they are mostly static on the surface. The project will use image recognition to evade the cat interacting with the toy and avoid obstacles that are in the same space as it. The main hardware tool being used in the project is the Raspberry Pi Zero W computer board. All software necessary will be stored here and all other peripheral components with be connected to this. The Python programming language is being used for the software aspect of this project.</a:t>
+            </a:r>
+          </a:p>
+          <a:p>
+            <a:pPr marL="457200">
+              <a:lnSpc>
+                <a:spcPct val="107000"/>
+              </a:lnSpc>
+              <a:spcAft>
+                <a:spcPts val="800"/>
+              </a:spcAft>
+            </a:pPr>
+            <a:r>
+              <a:rPr lang="en-GB" sz="1800" b="1" u="none" strike="noStrike" dirty="0">
+                <a:effectLst/>
+                <a:latin typeface="Calibri" panose="020F0502020204030204" pitchFamily="34" charset="0"/>
+                <a:ea typeface="Calibri" panose="020F0502020204030204" pitchFamily="34" charset="0"/>
+                <a:cs typeface="Arial" panose="020B0604020202020204" pitchFamily="34" charset="0"/>
+              </a:rPr>
+              <a:t> </a:t>
+            </a:r>
+            <a:endParaRPr lang="en-GB" sz="1800" dirty="0">
+              <a:effectLst/>
+              <a:latin typeface="Calibri" panose="020F0502020204030204" pitchFamily="34" charset="0"/>
+              <a:ea typeface="Calibri" panose="020F0502020204030204" pitchFamily="34" charset="0"/>
+              <a:cs typeface="Arial" panose="020B0604020202020204" pitchFamily="34" charset="0"/>
+            </a:endParaRPr>
+          </a:p>
+          <a:p>
+            <a:pPr marL="0" lvl="0" indent="0" algn="l" rtl="0">
+              <a:spcBef>
+                <a:spcPts val="0"/>
+              </a:spcBef>
+              <a:spcAft>
+                <a:spcPts val="0"/>
+              </a:spcAft>
+              <a:buNone/>
+            </a:pPr>
+            <a:endParaRPr dirty="0"/>
+          </a:p>
+        </p:txBody>
+      </p:sp>
+    </p:spTree>
+  </p:cSld>
+  <p:clrMapOvr>
+    <a:masterClrMapping/>
+  </p:clrMapOvr>
+</p:notes>
+</file>
+
+<file path=ppt/notesSlides/notesSlide3.xml><?xml version="1.0" encoding="utf-8"?>
+<p:notes xmlns:a="http://schemas.openxmlformats.org/drawingml/2006/main" xmlns:r="http://schemas.openxmlformats.org/officeDocument/2006/relationships" xmlns:p="http://schemas.openxmlformats.org/presentationml/2006/main" showMasterSp="0" showMasterPhAnim="0">
+  <p:cSld>
+    <p:spTree>
+      <p:nvGrpSpPr>
+        <p:cNvPr id="1" name="Shape 50"/>
+        <p:cNvGrpSpPr/>
+        <p:nvPr/>
+      </p:nvGrpSpPr>
+      <p:grpSpPr>
+        <a:xfrm>
+          <a:off x="0" y="0"/>
+          <a:ext cx="0" cy="0"/>
+          <a:chOff x="0" y="0"/>
+          <a:chExt cx="0" cy="0"/>
+        </a:xfrm>
+      </p:grpSpPr>
+      <p:sp>
+        <p:nvSpPr>
+          <p:cNvPr id="51" name="Google Shape;51;p:notes"/>
+          <p:cNvSpPr>
+            <a:spLocks noGrp="1" noRot="1" noChangeAspect="1"/>
+          </p:cNvSpPr>
+          <p:nvPr>
+            <p:ph type="sldImg" idx="2"/>
+          </p:nvPr>
+        </p:nvSpPr>
+        <p:spPr>
+          <a:xfrm>
+            <a:off x="381000" y="685800"/>
+            <a:ext cx="6096000" cy="3429000"/>
+          </a:xfrm>
+          <a:custGeom>
+            <a:avLst/>
+            <a:gdLst/>
+            <a:ahLst/>
+            <a:cxnLst/>
+            <a:rect l="l" t="t" r="r" b="b"/>
+            <a:pathLst>
+              <a:path w="120000" h="120000" extrusionOk="0">
+                <a:moveTo>
+                  <a:pt x="0" y="0"/>
+                </a:moveTo>
+                <a:lnTo>
+                  <a:pt x="120000" y="0"/>
+                </a:lnTo>
+                <a:lnTo>
+                  <a:pt x="120000" y="120000"/>
+                </a:lnTo>
+                <a:lnTo>
+                  <a:pt x="0" y="120000"/>
+                </a:lnTo>
+                <a:close/>
+              </a:path>
+            </a:pathLst>
+          </a:custGeom>
+        </p:spPr>
+      </p:sp>
+      <p:sp>
+        <p:nvSpPr>
+          <p:cNvPr id="52" name="Google Shape;52;p:notes"/>
+          <p:cNvSpPr txBox="1">
+            <a:spLocks noGrp="1"/>
+          </p:cNvSpPr>
+          <p:nvPr>
+            <p:ph type="body" idx="1"/>
+          </p:nvPr>
+        </p:nvSpPr>
+        <p:spPr>
+          <a:xfrm>
+            <a:off x="685800" y="4343400"/>
+            <a:ext cx="5486400" cy="4114800"/>
+          </a:xfrm>
+          <a:prstGeom prst="rect">
+            <a:avLst/>
+          </a:prstGeom>
+        </p:spPr>
+        <p:txBody>
+          <a:bodyPr spcFirstLastPara="1" wrap="square" lIns="91425" tIns="91425" rIns="91425" bIns="91425" anchor="t" anchorCtr="0">
+            <a:noAutofit/>
+          </a:bodyPr>
+          <a:lstStyle/>
+          <a:p>
+            <a:pPr marL="742950" indent="-285750">
+              <a:lnSpc>
+                <a:spcPct val="107000"/>
+              </a:lnSpc>
+              <a:spcAft>
+                <a:spcPts val="800"/>
+              </a:spcAft>
+              <a:buFontTx/>
+              <a:buChar char="-"/>
+            </a:pPr>
+            <a:r>
+              <a:rPr lang="en-GB" sz="1800" dirty="0">
+                <a:effectLst/>
+                <a:latin typeface="Calibri" panose="020F0502020204030204" pitchFamily="34" charset="0"/>
+                <a:ea typeface="Calibri" panose="020F0502020204030204" pitchFamily="34" charset="0"/>
+                <a:cs typeface="Arial" panose="020B0604020202020204" pitchFamily="34" charset="0"/>
+              </a:rPr>
+              <a:t>aims split up into 3 distinct categories. </a:t>
+            </a:r>
+          </a:p>
+          <a:p>
+            <a:pPr marL="742950" indent="-285750">
+              <a:lnSpc>
+                <a:spcPct val="107000"/>
+              </a:lnSpc>
+              <a:spcAft>
+                <a:spcPts val="800"/>
+              </a:spcAft>
+              <a:buFontTx/>
+              <a:buChar char="-"/>
+            </a:pPr>
+            <a:r>
+              <a:rPr lang="en-GB" sz="1800" dirty="0">
+                <a:effectLst/>
+                <a:latin typeface="Calibri" panose="020F0502020204030204" pitchFamily="34" charset="0"/>
+                <a:ea typeface="Calibri" panose="020F0502020204030204" pitchFamily="34" charset="0"/>
+                <a:cs typeface="Arial" panose="020B0604020202020204" pitchFamily="34" charset="0"/>
+              </a:rPr>
+              <a:t>Major goals, which are essential for the completion of a working project. </a:t>
+            </a:r>
+          </a:p>
+          <a:p>
+            <a:pPr marL="742950" indent="-285750">
+              <a:lnSpc>
+                <a:spcPct val="107000"/>
+              </a:lnSpc>
+              <a:spcAft>
+                <a:spcPts val="800"/>
+              </a:spcAft>
+              <a:buFontTx/>
+              <a:buChar char="-"/>
+            </a:pPr>
+            <a:r>
+              <a:rPr lang="en-GB" sz="1800" dirty="0">
+                <a:effectLst/>
+                <a:latin typeface="Calibri" panose="020F0502020204030204" pitchFamily="34" charset="0"/>
+                <a:ea typeface="Calibri" panose="020F0502020204030204" pitchFamily="34" charset="0"/>
+                <a:cs typeface="Arial" panose="020B0604020202020204" pitchFamily="34" charset="0"/>
+              </a:rPr>
+              <a:t>Minor goals, which are not essential but highly desirable for the completion of a high quality project</a:t>
+            </a:r>
+          </a:p>
+          <a:p>
+            <a:pPr marL="742950" indent="-285750">
+              <a:lnSpc>
+                <a:spcPct val="107000"/>
+              </a:lnSpc>
+              <a:spcAft>
+                <a:spcPts val="800"/>
+              </a:spcAft>
+              <a:buFontTx/>
+              <a:buChar char="-"/>
+            </a:pPr>
+            <a:r>
+              <a:rPr lang="en-GB" sz="1800" dirty="0">
+                <a:effectLst/>
+                <a:latin typeface="Calibri" panose="020F0502020204030204" pitchFamily="34" charset="0"/>
+                <a:ea typeface="Calibri" panose="020F0502020204030204" pitchFamily="34" charset="0"/>
+                <a:cs typeface="Arial" panose="020B0604020202020204" pitchFamily="34" charset="0"/>
+              </a:rPr>
+              <a:t> stretch goal would take the project into more advanced technical areas.</a:t>
+            </a:r>
+          </a:p>
+          <a:p>
+            <a:pPr>
+              <a:lnSpc>
+                <a:spcPct val="107000"/>
+              </a:lnSpc>
+              <a:spcAft>
+                <a:spcPts val="800"/>
+              </a:spcAft>
+            </a:pPr>
+            <a:r>
+              <a:rPr lang="en-GB" sz="1800" b="1" u="none" strike="noStrike" dirty="0">
+                <a:effectLst/>
+                <a:latin typeface="Calibri" panose="020F0502020204030204" pitchFamily="34" charset="0"/>
+                <a:ea typeface="Calibri" panose="020F0502020204030204" pitchFamily="34" charset="0"/>
+                <a:cs typeface="Arial" panose="020B0604020202020204" pitchFamily="34" charset="0"/>
+              </a:rPr>
+              <a:t> </a:t>
+            </a:r>
+            <a:endParaRPr lang="en-GB" sz="1800" dirty="0">
+              <a:effectLst/>
+              <a:latin typeface="Calibri" panose="020F0502020204030204" pitchFamily="34" charset="0"/>
+              <a:ea typeface="Calibri" panose="020F0502020204030204" pitchFamily="34" charset="0"/>
+              <a:cs typeface="Arial" panose="020B0604020202020204" pitchFamily="34" charset="0"/>
+            </a:endParaRPr>
+          </a:p>
+          <a:p>
+            <a:pPr marL="742950" indent="-285750">
+              <a:lnSpc>
+                <a:spcPct val="107000"/>
+              </a:lnSpc>
+              <a:buFontTx/>
+              <a:buChar char="-"/>
+            </a:pPr>
+            <a:r>
+              <a:rPr lang="en-GB" sz="1800" dirty="0">
+                <a:effectLst/>
+                <a:latin typeface="Calibri" panose="020F0502020204030204" pitchFamily="34" charset="0"/>
+                <a:ea typeface="Calibri" panose="020F0502020204030204" pitchFamily="34" charset="0"/>
+                <a:cs typeface="Arial" panose="020B0604020202020204" pitchFamily="34" charset="0"/>
+              </a:rPr>
+              <a:t>first major goal is to have the robot performing basic movement on its own. </a:t>
+            </a:r>
+          </a:p>
+          <a:p>
+            <a:pPr marL="742950" indent="-285750">
+              <a:lnSpc>
+                <a:spcPct val="107000"/>
+              </a:lnSpc>
+              <a:buFontTx/>
+              <a:buChar char="-"/>
+            </a:pPr>
+            <a:r>
+              <a:rPr lang="en-GB" sz="1800" dirty="0">
+                <a:effectLst/>
+                <a:latin typeface="Calibri" panose="020F0502020204030204" pitchFamily="34" charset="0"/>
+                <a:ea typeface="Calibri" panose="020F0502020204030204" pitchFamily="34" charset="0"/>
+                <a:cs typeface="Arial" panose="020B0604020202020204" pitchFamily="34" charset="0"/>
+              </a:rPr>
+              <a:t>Another is to implement basic AI object recognition</a:t>
+            </a:r>
+          </a:p>
+          <a:p>
+            <a:pPr marL="742950" indent="-285750">
+              <a:lnSpc>
+                <a:spcPct val="107000"/>
+              </a:lnSpc>
+              <a:buFontTx/>
+              <a:buChar char="-"/>
+            </a:pPr>
+            <a:r>
+              <a:rPr lang="en-GB" sz="1800" dirty="0">
+                <a:effectLst/>
+                <a:latin typeface="Calibri" panose="020F0502020204030204" pitchFamily="34" charset="0"/>
+                <a:ea typeface="Calibri" panose="020F0502020204030204" pitchFamily="34" charset="0"/>
+                <a:cs typeface="Arial" panose="020B0604020202020204" pitchFamily="34" charset="0"/>
+              </a:rPr>
+              <a:t>The final major goal is to house all components as compactly as possible within the robot</a:t>
+            </a:r>
+          </a:p>
+          <a:p>
+            <a:pPr marL="742950" indent="-285750">
+              <a:lnSpc>
+                <a:spcPct val="107000"/>
+              </a:lnSpc>
+              <a:buFontTx/>
+              <a:buChar char="-"/>
+            </a:pPr>
+            <a:endParaRPr lang="en-GB" sz="1800" dirty="0">
+              <a:effectLst/>
+              <a:latin typeface="Calibri" panose="020F0502020204030204" pitchFamily="34" charset="0"/>
+              <a:ea typeface="Calibri" panose="020F0502020204030204" pitchFamily="34" charset="0"/>
+              <a:cs typeface="Arial" panose="020B0604020202020204" pitchFamily="34" charset="0"/>
+            </a:endParaRPr>
+          </a:p>
+          <a:p>
+            <a:pPr marL="742950" indent="-285750">
+              <a:lnSpc>
+                <a:spcPct val="107000"/>
+              </a:lnSpc>
+              <a:buFontTx/>
+              <a:buChar char="-"/>
+            </a:pPr>
+            <a:r>
+              <a:rPr lang="en-GB" sz="1800" dirty="0">
+                <a:effectLst/>
+                <a:latin typeface="Calibri" panose="020F0502020204030204" pitchFamily="34" charset="0"/>
+                <a:ea typeface="Calibri" panose="020F0502020204030204" pitchFamily="34" charset="0"/>
+                <a:cs typeface="Arial" panose="020B0604020202020204" pitchFamily="34" charset="0"/>
+              </a:rPr>
+              <a:t>The first minor goal is to implement more advanced object recognition algorithms to allow robot to adapt to its environment. </a:t>
+            </a:r>
+          </a:p>
+          <a:p>
+            <a:pPr marL="742950" indent="-285750">
+              <a:lnSpc>
+                <a:spcPct val="107000"/>
+              </a:lnSpc>
+              <a:buFontTx/>
+              <a:buChar char="-"/>
+            </a:pPr>
+            <a:r>
+              <a:rPr lang="en-GB" sz="1800" dirty="0">
+                <a:effectLst/>
+                <a:latin typeface="Calibri" panose="020F0502020204030204" pitchFamily="34" charset="0"/>
+                <a:ea typeface="Calibri" panose="020F0502020204030204" pitchFamily="34" charset="0"/>
+                <a:cs typeface="Arial" panose="020B0604020202020204" pitchFamily="34" charset="0"/>
+              </a:rPr>
+              <a:t>The other minor goal is to create an aesthetically pleasing robot to the cat.</a:t>
+            </a:r>
+          </a:p>
+          <a:p>
+            <a:pPr marL="457200">
+              <a:lnSpc>
+                <a:spcPct val="107000"/>
+              </a:lnSpc>
+              <a:spcAft>
+                <a:spcPts val="800"/>
+              </a:spcAft>
+            </a:pPr>
+            <a:r>
+              <a:rPr lang="en-GB" sz="1800" dirty="0">
+                <a:effectLst/>
+                <a:latin typeface="Calibri" panose="020F0502020204030204" pitchFamily="34" charset="0"/>
+                <a:ea typeface="Calibri" panose="020F0502020204030204" pitchFamily="34" charset="0"/>
+                <a:cs typeface="Arial" panose="020B0604020202020204" pitchFamily="34" charset="0"/>
+              </a:rPr>
+              <a:t> </a:t>
+            </a:r>
+          </a:p>
+          <a:p>
+            <a:pPr marL="457200">
+              <a:lnSpc>
+                <a:spcPct val="107000"/>
+              </a:lnSpc>
+              <a:spcAft>
+                <a:spcPts val="800"/>
+              </a:spcAft>
+            </a:pPr>
+            <a:r>
+              <a:rPr lang="en-GB" sz="1800" dirty="0">
+                <a:effectLst/>
+                <a:latin typeface="Calibri" panose="020F0502020204030204" pitchFamily="34" charset="0"/>
+                <a:ea typeface="Calibri" panose="020F0502020204030204" pitchFamily="34" charset="0"/>
+                <a:cs typeface="Arial" panose="020B0604020202020204" pitchFamily="34" charset="0"/>
+              </a:rPr>
+              <a:t>- stretch goal is to research and incorporate AI machine learning into the robot so that it can display more intelligent behaviour by learning patterns of movement from cats each time it interacts with them.</a:t>
+            </a:r>
+          </a:p>
+          <a:p>
+            <a:pPr marL="0" lvl="0" indent="0" algn="l" rtl="0">
+              <a:spcBef>
+                <a:spcPts val="0"/>
+              </a:spcBef>
+              <a:spcAft>
+                <a:spcPts val="0"/>
+              </a:spcAft>
+              <a:buNone/>
+            </a:pPr>
+            <a:endParaRPr dirty="0"/>
+          </a:p>
+        </p:txBody>
+      </p:sp>
+    </p:spTree>
+  </p:cSld>
+  <p:clrMapOvr>
+    <a:masterClrMapping/>
+  </p:clrMapOvr>
+</p:notes>
+</file>
+
+<file path=ppt/notesSlides/notesSlide4.xml><?xml version="1.0" encoding="utf-8"?>
+<p:notes xmlns:a="http://schemas.openxmlformats.org/drawingml/2006/main" xmlns:r="http://schemas.openxmlformats.org/officeDocument/2006/relationships" xmlns:p="http://schemas.openxmlformats.org/presentationml/2006/main" showMasterSp="0" showMasterPhAnim="0">
+  <p:cSld>
+    <p:spTree>
+      <p:nvGrpSpPr>
+        <p:cNvPr id="1" name="Shape 50"/>
+        <p:cNvGrpSpPr/>
+        <p:nvPr/>
+      </p:nvGrpSpPr>
+      <p:grpSpPr>
+        <a:xfrm>
+          <a:off x="0" y="0"/>
+          <a:ext cx="0" cy="0"/>
+          <a:chOff x="0" y="0"/>
+          <a:chExt cx="0" cy="0"/>
+        </a:xfrm>
+      </p:grpSpPr>
+      <p:sp>
+        <p:nvSpPr>
+          <p:cNvPr id="51" name="Google Shape;51;p:notes"/>
+          <p:cNvSpPr>
+            <a:spLocks noGrp="1" noRot="1" noChangeAspect="1"/>
+          </p:cNvSpPr>
+          <p:nvPr>
+            <p:ph type="sldImg" idx="2"/>
+          </p:nvPr>
+        </p:nvSpPr>
+        <p:spPr>
+          <a:xfrm>
+            <a:off x="381000" y="685800"/>
+            <a:ext cx="6096000" cy="3429000"/>
+          </a:xfrm>
+          <a:custGeom>
+            <a:avLst/>
+            <a:gdLst/>
+            <a:ahLst/>
+            <a:cxnLst/>
+            <a:rect l="l" t="t" r="r" b="b"/>
+            <a:pathLst>
+              <a:path w="120000" h="120000" extrusionOk="0">
+                <a:moveTo>
+                  <a:pt x="0" y="0"/>
+                </a:moveTo>
+                <a:lnTo>
+                  <a:pt x="120000" y="0"/>
+                </a:lnTo>
+                <a:lnTo>
+                  <a:pt x="120000" y="120000"/>
+                </a:lnTo>
+                <a:lnTo>
+                  <a:pt x="0" y="120000"/>
+                </a:lnTo>
+                <a:close/>
+              </a:path>
+            </a:pathLst>
+          </a:custGeom>
+        </p:spPr>
+      </p:sp>
+      <p:sp>
+        <p:nvSpPr>
+          <p:cNvPr id="52" name="Google Shape;52;p:notes"/>
+          <p:cNvSpPr txBox="1">
+            <a:spLocks noGrp="1"/>
+          </p:cNvSpPr>
+          <p:nvPr>
+            <p:ph type="body" idx="1"/>
+          </p:nvPr>
+        </p:nvSpPr>
+        <p:spPr>
+          <a:xfrm>
+            <a:off x="685800" y="4343400"/>
+            <a:ext cx="5486400" cy="4114800"/>
+          </a:xfrm>
+          <a:prstGeom prst="rect">
+            <a:avLst/>
+          </a:prstGeom>
+        </p:spPr>
+        <p:txBody>
+          <a:bodyPr spcFirstLastPara="1" wrap="square" lIns="91425" tIns="91425" rIns="91425" bIns="91425" anchor="t" anchorCtr="0">
+            <a:noAutofit/>
+          </a:bodyPr>
+          <a:lstStyle/>
+          <a:p>
+            <a:pPr marL="285750" marR="0" lvl="0" indent="-285750" algn="l" defTabSz="914400" rtl="0" eaLnBrk="1" fontAlgn="auto" latinLnBrk="0" hangingPunct="1">
+              <a:lnSpc>
+                <a:spcPct val="100000"/>
+              </a:lnSpc>
+              <a:spcBef>
+                <a:spcPts val="0"/>
+              </a:spcBef>
+              <a:spcAft>
+                <a:spcPts val="0"/>
+              </a:spcAft>
+              <a:buClrTx/>
+              <a:buSzTx/>
+              <a:buFontTx/>
+              <a:buChar char="-"/>
+              <a:tabLst/>
+              <a:defRPr/>
+            </a:pPr>
+            <a:r>
+              <a:rPr lang="en-GB" sz="1800" dirty="0">
+                <a:effectLst/>
+                <a:latin typeface="Calibri" panose="020F0502020204030204" pitchFamily="34" charset="0"/>
+                <a:ea typeface="Calibri" panose="020F0502020204030204" pitchFamily="34" charset="0"/>
+                <a:cs typeface="Arial" panose="020B0604020202020204" pitchFamily="34" charset="0"/>
+              </a:rPr>
+              <a:t>Diagram shows roughly how components are connected</a:t>
+            </a:r>
+          </a:p>
+          <a:p>
+            <a:pPr marL="285750" marR="0" lvl="0" indent="-285750" algn="l" defTabSz="914400" rtl="0" eaLnBrk="1" fontAlgn="auto" latinLnBrk="0" hangingPunct="1">
+              <a:lnSpc>
+                <a:spcPct val="100000"/>
+              </a:lnSpc>
+              <a:spcBef>
+                <a:spcPts val="0"/>
+              </a:spcBef>
+              <a:spcAft>
+                <a:spcPts val="0"/>
+              </a:spcAft>
+              <a:buClrTx/>
+              <a:buSzTx/>
+              <a:buFontTx/>
+              <a:buChar char="-"/>
+              <a:tabLst/>
+              <a:defRPr/>
+            </a:pPr>
+            <a:r>
+              <a:rPr lang="en-GB" sz="1800" dirty="0">
+                <a:effectLst/>
+                <a:latin typeface="Calibri" panose="020F0502020204030204" pitchFamily="34" charset="0"/>
+                <a:ea typeface="Calibri" panose="020F0502020204030204" pitchFamily="34" charset="0"/>
+                <a:cs typeface="Arial" panose="020B0604020202020204" pitchFamily="34" charset="0"/>
+              </a:rPr>
+              <a:t>most essential component is the Raspberry Pi. Almost everything else is connected to it. other major pieces of hardware are wired to it so they can receive their instructions</a:t>
+            </a:r>
+          </a:p>
+          <a:p>
+            <a:pPr marL="285750" marR="0" lvl="0" indent="-285750" algn="l" defTabSz="914400" rtl="0" eaLnBrk="1" fontAlgn="auto" latinLnBrk="0" hangingPunct="1">
+              <a:lnSpc>
+                <a:spcPct val="100000"/>
+              </a:lnSpc>
+              <a:spcBef>
+                <a:spcPts val="0"/>
+              </a:spcBef>
+              <a:spcAft>
+                <a:spcPts val="0"/>
+              </a:spcAft>
+              <a:buClrTx/>
+              <a:buSzTx/>
+              <a:buFontTx/>
+              <a:buChar char="-"/>
+              <a:tabLst/>
+              <a:defRPr/>
+            </a:pPr>
+            <a:r>
+              <a:rPr lang="en-GB" sz="1800" dirty="0">
+                <a:effectLst/>
+                <a:latin typeface="Calibri" panose="020F0502020204030204" pitchFamily="34" charset="0"/>
+                <a:ea typeface="Calibri" panose="020F0502020204030204" pitchFamily="34" charset="0"/>
+                <a:cs typeface="Arial" panose="020B0604020202020204" pitchFamily="34" charset="0"/>
+              </a:rPr>
+              <a:t>wheels and motors are wired to the H-Bridge before this is wired to Pi. allows the 2 motors to be controlled independently and have different signals sent to them if required. </a:t>
+            </a:r>
+          </a:p>
+          <a:p>
+            <a:pPr marL="285750" marR="0" lvl="0" indent="-285750" algn="l" defTabSz="914400" rtl="0" eaLnBrk="1" fontAlgn="auto" latinLnBrk="0" hangingPunct="1">
+              <a:lnSpc>
+                <a:spcPct val="100000"/>
+              </a:lnSpc>
+              <a:spcBef>
+                <a:spcPts val="0"/>
+              </a:spcBef>
+              <a:spcAft>
+                <a:spcPts val="0"/>
+              </a:spcAft>
+              <a:buClrTx/>
+              <a:buSzTx/>
+              <a:buFontTx/>
+              <a:buChar char="-"/>
+              <a:tabLst/>
+              <a:defRPr/>
+            </a:pPr>
+            <a:r>
+              <a:rPr lang="en-GB" sz="1800" dirty="0" err="1">
+                <a:effectLst/>
+                <a:latin typeface="Calibri" panose="020F0502020204030204" pitchFamily="34" charset="0"/>
+                <a:ea typeface="Calibri" panose="020F0502020204030204" pitchFamily="34" charset="0"/>
+                <a:cs typeface="Arial" panose="020B0604020202020204" pitchFamily="34" charset="0"/>
+              </a:rPr>
+              <a:t>GpioZero</a:t>
+            </a:r>
+            <a:r>
+              <a:rPr lang="en-GB" sz="1800" dirty="0">
+                <a:effectLst/>
+                <a:latin typeface="Calibri" panose="020F0502020204030204" pitchFamily="34" charset="0"/>
+                <a:ea typeface="Calibri" panose="020F0502020204030204" pitchFamily="34" charset="0"/>
+                <a:cs typeface="Arial" panose="020B0604020202020204" pitchFamily="34" charset="0"/>
+              </a:rPr>
+              <a:t> Python library is being utilised to allow signals instructing the motors and wheels on what to do next to be sent through specific GPIO pins to the motors via the H-Bridge.  </a:t>
+            </a:r>
+          </a:p>
+          <a:p>
+            <a:pPr marL="285750" marR="0" lvl="0" indent="-285750" algn="l" defTabSz="914400" rtl="0" eaLnBrk="1" fontAlgn="auto" latinLnBrk="0" hangingPunct="1">
+              <a:lnSpc>
+                <a:spcPct val="100000"/>
+              </a:lnSpc>
+              <a:spcBef>
+                <a:spcPts val="0"/>
+              </a:spcBef>
+              <a:spcAft>
+                <a:spcPts val="0"/>
+              </a:spcAft>
+              <a:buClrTx/>
+              <a:buSzTx/>
+              <a:buFontTx/>
+              <a:buChar char="-"/>
+              <a:tabLst/>
+              <a:defRPr/>
+            </a:pPr>
+            <a:r>
+              <a:rPr lang="en-GB" sz="1800" dirty="0">
+                <a:effectLst/>
+                <a:latin typeface="Calibri" panose="020F0502020204030204" pitchFamily="34" charset="0"/>
+                <a:ea typeface="Calibri" panose="020F0502020204030204" pitchFamily="34" charset="0"/>
+                <a:cs typeface="Arial" panose="020B0604020202020204" pitchFamily="34" charset="0"/>
+              </a:rPr>
+              <a:t>Between the wheels a ball castor will be placed to aid easy movement across more friction-causing surfaces. </a:t>
+            </a:r>
+          </a:p>
+          <a:p>
+            <a:pPr marL="285750" marR="0" lvl="0" indent="-285750" algn="l" defTabSz="914400" rtl="0" eaLnBrk="1" fontAlgn="auto" latinLnBrk="0" hangingPunct="1">
+              <a:lnSpc>
+                <a:spcPct val="100000"/>
+              </a:lnSpc>
+              <a:spcBef>
+                <a:spcPts val="0"/>
+              </a:spcBef>
+              <a:spcAft>
+                <a:spcPts val="0"/>
+              </a:spcAft>
+              <a:buClrTx/>
+              <a:buSzTx/>
+              <a:buFontTx/>
+              <a:buChar char="-"/>
+              <a:tabLst/>
+              <a:defRPr/>
+            </a:pPr>
+            <a:r>
+              <a:rPr lang="en-GB" sz="1800" dirty="0">
+                <a:effectLst/>
+                <a:latin typeface="Calibri" panose="020F0502020204030204" pitchFamily="34" charset="0"/>
+                <a:ea typeface="Calibri" panose="020F0502020204030204" pitchFamily="34" charset="0"/>
+                <a:cs typeface="Arial" panose="020B0604020202020204" pitchFamily="34" charset="0"/>
+              </a:rPr>
+              <a:t>The </a:t>
+            </a:r>
+            <a:r>
+              <a:rPr lang="en-GB" sz="1800" dirty="0" err="1">
+                <a:effectLst/>
+                <a:latin typeface="Calibri" panose="020F0502020204030204" pitchFamily="34" charset="0"/>
+                <a:ea typeface="Calibri" panose="020F0502020204030204" pitchFamily="34" charset="0"/>
+                <a:cs typeface="Arial" panose="020B0604020202020204" pitchFamily="34" charset="0"/>
+              </a:rPr>
+              <a:t>PiCamera</a:t>
+            </a:r>
+            <a:r>
+              <a:rPr lang="en-GB" sz="1800" dirty="0">
+                <a:effectLst/>
+                <a:latin typeface="Calibri" panose="020F0502020204030204" pitchFamily="34" charset="0"/>
+                <a:ea typeface="Calibri" panose="020F0502020204030204" pitchFamily="34" charset="0"/>
+                <a:cs typeface="Arial" panose="020B0604020202020204" pitchFamily="34" charset="0"/>
+              </a:rPr>
+              <a:t> is connected via flat cable, and an adapter </a:t>
+            </a:r>
+          </a:p>
+          <a:p>
+            <a:pPr marL="285750" marR="0" lvl="0" indent="-285750" algn="l" defTabSz="914400" rtl="0" eaLnBrk="1" fontAlgn="auto" latinLnBrk="0" hangingPunct="1">
+              <a:lnSpc>
+                <a:spcPct val="100000"/>
+              </a:lnSpc>
+              <a:spcBef>
+                <a:spcPts val="0"/>
+              </a:spcBef>
+              <a:spcAft>
+                <a:spcPts val="0"/>
+              </a:spcAft>
+              <a:buClrTx/>
+              <a:buSzTx/>
+              <a:buFontTx/>
+              <a:buChar char="-"/>
+              <a:tabLst/>
+              <a:defRPr/>
+            </a:pPr>
+            <a:r>
+              <a:rPr lang="en-GB" sz="1800" dirty="0" err="1">
+                <a:effectLst/>
+                <a:latin typeface="Calibri" panose="020F0502020204030204" pitchFamily="34" charset="0"/>
+                <a:ea typeface="Calibri" panose="020F0502020204030204" pitchFamily="34" charset="0"/>
+                <a:cs typeface="Arial" panose="020B0604020202020204" pitchFamily="34" charset="0"/>
+              </a:rPr>
+              <a:t>PiCamera</a:t>
+            </a:r>
+            <a:r>
+              <a:rPr lang="en-GB" sz="1800" dirty="0">
+                <a:effectLst/>
+                <a:latin typeface="Calibri" panose="020F0502020204030204" pitchFamily="34" charset="0"/>
+                <a:ea typeface="Calibri" panose="020F0502020204030204" pitchFamily="34" charset="0"/>
+                <a:cs typeface="Arial" panose="020B0604020202020204" pitchFamily="34" charset="0"/>
+              </a:rPr>
+              <a:t> Python library is being taken advantage of to capture visual input to be analysed to image recognition. </a:t>
+            </a:r>
+          </a:p>
+          <a:p>
+            <a:pPr marL="285750" marR="0" lvl="0" indent="-285750" algn="l" defTabSz="914400" rtl="0" eaLnBrk="1" fontAlgn="auto" latinLnBrk="0" hangingPunct="1">
+              <a:lnSpc>
+                <a:spcPct val="100000"/>
+              </a:lnSpc>
+              <a:spcBef>
+                <a:spcPts val="0"/>
+              </a:spcBef>
+              <a:spcAft>
+                <a:spcPts val="0"/>
+              </a:spcAft>
+              <a:buClrTx/>
+              <a:buSzTx/>
+              <a:buFontTx/>
+              <a:buChar char="-"/>
+              <a:tabLst/>
+              <a:defRPr/>
+            </a:pPr>
+            <a:r>
+              <a:rPr lang="en-GB" sz="1800" dirty="0">
+                <a:effectLst/>
+                <a:latin typeface="Calibri" panose="020F0502020204030204" pitchFamily="34" charset="0"/>
+                <a:ea typeface="Calibri" panose="020F0502020204030204" pitchFamily="34" charset="0"/>
+                <a:cs typeface="Arial" panose="020B0604020202020204" pitchFamily="34" charset="0"/>
+              </a:rPr>
+              <a:t>image recognition is aided by another library, called OpenCV real-time image detection. This has many pre-defined objects in its database that it can instantly classify given a stream of visual input. </a:t>
+            </a:r>
+          </a:p>
+          <a:p>
+            <a:pPr marL="285750" marR="0" lvl="0" indent="-285750" algn="l" defTabSz="914400" rtl="0" eaLnBrk="1" fontAlgn="auto" latinLnBrk="0" hangingPunct="1">
+              <a:lnSpc>
+                <a:spcPct val="100000"/>
+              </a:lnSpc>
+              <a:spcBef>
+                <a:spcPts val="0"/>
+              </a:spcBef>
+              <a:spcAft>
+                <a:spcPts val="0"/>
+              </a:spcAft>
+              <a:buClrTx/>
+              <a:buSzTx/>
+              <a:buFontTx/>
+              <a:buChar char="-"/>
+              <a:tabLst/>
+              <a:defRPr/>
+            </a:pPr>
+            <a:r>
+              <a:rPr lang="en-GB" sz="1800" dirty="0">
+                <a:effectLst/>
+                <a:latin typeface="Calibri" panose="020F0502020204030204" pitchFamily="34" charset="0"/>
+                <a:ea typeface="Calibri" panose="020F0502020204030204" pitchFamily="34" charset="0"/>
+                <a:cs typeface="Arial" panose="020B0604020202020204" pitchFamily="34" charset="0"/>
+              </a:rPr>
+              <a:t>What makes this so useful is that as well as classifying objects that it recognises, it gives them a “box”</a:t>
+            </a:r>
+            <a:endParaRPr dirty="0"/>
+          </a:p>
+        </p:txBody>
+      </p:sp>
+    </p:spTree>
+  </p:cSld>
+  <p:clrMapOvr>
+    <a:masterClrMapping/>
+  </p:clrMapOvr>
+</p:notes>
+</file>
+
+<file path=ppt/notesSlides/notesSlide5.xml><?xml version="1.0" encoding="utf-8"?>
+<p:notes xmlns:a="http://schemas.openxmlformats.org/drawingml/2006/main" xmlns:r="http://schemas.openxmlformats.org/officeDocument/2006/relationships" xmlns:p="http://schemas.openxmlformats.org/presentationml/2006/main" showMasterSp="0" showMasterPhAnim="0">
+  <p:cSld>
+    <p:spTree>
+      <p:nvGrpSpPr>
+        <p:cNvPr id="1" name="Shape 50"/>
+        <p:cNvGrpSpPr/>
+        <p:nvPr/>
+      </p:nvGrpSpPr>
+      <p:grpSpPr>
+        <a:xfrm>
+          <a:off x="0" y="0"/>
+          <a:ext cx="0" cy="0"/>
+          <a:chOff x="0" y="0"/>
+          <a:chExt cx="0" cy="0"/>
+        </a:xfrm>
+      </p:grpSpPr>
+      <p:sp>
+        <p:nvSpPr>
+          <p:cNvPr id="51" name="Google Shape;51;p:notes"/>
+          <p:cNvSpPr>
+            <a:spLocks noGrp="1" noRot="1" noChangeAspect="1"/>
+          </p:cNvSpPr>
+          <p:nvPr>
+            <p:ph type="sldImg" idx="2"/>
+          </p:nvPr>
+        </p:nvSpPr>
+        <p:spPr>
+          <a:xfrm>
+            <a:off x="381000" y="685800"/>
+            <a:ext cx="6096000" cy="3429000"/>
+          </a:xfrm>
+          <a:custGeom>
+            <a:avLst/>
+            <a:gdLst/>
+            <a:ahLst/>
+            <a:cxnLst/>
+            <a:rect l="l" t="t" r="r" b="b"/>
+            <a:pathLst>
+              <a:path w="120000" h="120000" extrusionOk="0">
+                <a:moveTo>
+                  <a:pt x="0" y="0"/>
+                </a:moveTo>
+                <a:lnTo>
+                  <a:pt x="120000" y="0"/>
+                </a:lnTo>
+                <a:lnTo>
+                  <a:pt x="120000" y="120000"/>
+                </a:lnTo>
+                <a:lnTo>
+                  <a:pt x="0" y="120000"/>
+                </a:lnTo>
+                <a:close/>
+              </a:path>
+            </a:pathLst>
+          </a:custGeom>
+        </p:spPr>
+      </p:sp>
+      <p:sp>
+        <p:nvSpPr>
+          <p:cNvPr id="52" name="Google Shape;52;p:notes"/>
+          <p:cNvSpPr txBox="1">
+            <a:spLocks noGrp="1"/>
+          </p:cNvSpPr>
+          <p:nvPr>
+            <p:ph type="body" idx="1"/>
+          </p:nvPr>
+        </p:nvSpPr>
+        <p:spPr>
+          <a:xfrm>
+            <a:off x="685800" y="4343400"/>
+            <a:ext cx="5486400" cy="4114800"/>
+          </a:xfrm>
+          <a:prstGeom prst="rect">
+            <a:avLst/>
+          </a:prstGeom>
+        </p:spPr>
+        <p:txBody>
+          <a:bodyPr spcFirstLastPara="1" wrap="square" lIns="91425" tIns="91425" rIns="91425" bIns="91425" anchor="t" anchorCtr="0">
+            <a:noAutofit/>
+          </a:bodyPr>
+          <a:lstStyle/>
+          <a:p>
+            <a:pPr marL="285750" indent="-285750">
+              <a:lnSpc>
+                <a:spcPct val="107000"/>
+              </a:lnSpc>
+              <a:spcAft>
+                <a:spcPts val="800"/>
+              </a:spcAft>
+              <a:buFontTx/>
+              <a:buChar char="-"/>
+              <a:tabLst>
+                <a:tab pos="1308100" algn="l"/>
+              </a:tabLst>
+            </a:pPr>
+            <a:r>
+              <a:rPr lang="en-GB" sz="1800" dirty="0">
+                <a:effectLst/>
+                <a:latin typeface="Calibri" panose="020F0502020204030204" pitchFamily="34" charset="0"/>
+                <a:ea typeface="Calibri" panose="020F0502020204030204" pitchFamily="34" charset="0"/>
+                <a:cs typeface="Arial" panose="020B0604020202020204" pitchFamily="34" charset="0"/>
+              </a:rPr>
+              <a:t>First step, source all of the components required and have everything together ready to start working on the project </a:t>
+            </a:r>
+          </a:p>
+          <a:p>
+            <a:pPr marL="285750" indent="-285750">
+              <a:lnSpc>
+                <a:spcPct val="107000"/>
+              </a:lnSpc>
+              <a:spcAft>
+                <a:spcPts val="800"/>
+              </a:spcAft>
+              <a:buFontTx/>
+              <a:buChar char="-"/>
+              <a:tabLst>
+                <a:tab pos="1308100" algn="l"/>
+              </a:tabLst>
+            </a:pPr>
+            <a:r>
+              <a:rPr lang="en-GB" sz="1800" dirty="0">
+                <a:effectLst/>
+                <a:latin typeface="Calibri" panose="020F0502020204030204" pitchFamily="34" charset="0"/>
+                <a:ea typeface="Calibri" panose="020F0502020204030204" pitchFamily="34" charset="0"/>
+                <a:cs typeface="Arial" panose="020B0604020202020204" pitchFamily="34" charset="0"/>
+              </a:rPr>
+              <a:t>next step was to configure the Raspberry Pi for Python 3, and to have all relevant modules installed onto it.</a:t>
+            </a:r>
+          </a:p>
+          <a:p>
+            <a:pPr marL="285750" indent="-285750">
+              <a:lnSpc>
+                <a:spcPct val="107000"/>
+              </a:lnSpc>
+              <a:spcAft>
+                <a:spcPts val="800"/>
+              </a:spcAft>
+              <a:buFontTx/>
+              <a:buChar char="-"/>
+              <a:tabLst>
+                <a:tab pos="1308100" algn="l"/>
+              </a:tabLst>
+            </a:pPr>
+            <a:r>
+              <a:rPr lang="en-GB" sz="1800" dirty="0">
+                <a:effectLst/>
+                <a:latin typeface="Calibri" panose="020F0502020204030204" pitchFamily="34" charset="0"/>
+                <a:ea typeface="Calibri" panose="020F0502020204030204" pitchFamily="34" charset="0"/>
+                <a:cs typeface="Arial" panose="020B0604020202020204" pitchFamily="34" charset="0"/>
+              </a:rPr>
+              <a:t>next stage was writing and performing tests for the 2 major peripherals</a:t>
+            </a:r>
+          </a:p>
+          <a:p>
+            <a:pPr marL="285750" indent="-285750">
+              <a:lnSpc>
+                <a:spcPct val="107000"/>
+              </a:lnSpc>
+              <a:spcAft>
+                <a:spcPts val="800"/>
+              </a:spcAft>
+              <a:buFontTx/>
+              <a:buChar char="-"/>
+              <a:tabLst>
+                <a:tab pos="1308100" algn="l"/>
+              </a:tabLst>
+            </a:pPr>
+            <a:r>
+              <a:rPr lang="en-GB" sz="1800" dirty="0">
+                <a:effectLst/>
+                <a:latin typeface="Calibri" panose="020F0502020204030204" pitchFamily="34" charset="0"/>
+                <a:ea typeface="Calibri" panose="020F0502020204030204" pitchFamily="34" charset="0"/>
+                <a:cs typeface="Arial" panose="020B0604020202020204" pitchFamily="34" charset="0"/>
+              </a:rPr>
+              <a:t>For the camera, a test function was written for both capturing still image, set length video, and looping stream video </a:t>
+            </a:r>
+          </a:p>
+          <a:p>
+            <a:pPr marL="285750" indent="-285750">
+              <a:lnSpc>
+                <a:spcPct val="107000"/>
+              </a:lnSpc>
+              <a:spcAft>
+                <a:spcPts val="800"/>
+              </a:spcAft>
+              <a:buFontTx/>
+              <a:buChar char="-"/>
+              <a:tabLst>
+                <a:tab pos="1308100" algn="l"/>
+              </a:tabLst>
+            </a:pPr>
+            <a:r>
+              <a:rPr lang="en-GB" sz="1800" dirty="0">
+                <a:effectLst/>
+                <a:latin typeface="Calibri" panose="020F0502020204030204" pitchFamily="34" charset="0"/>
+                <a:ea typeface="Calibri" panose="020F0502020204030204" pitchFamily="34" charset="0"/>
+                <a:cs typeface="Arial" panose="020B0604020202020204" pitchFamily="34" charset="0"/>
+              </a:rPr>
+              <a:t>most attention was paid to the looping stream video as this is what will be used in the project</a:t>
+            </a:r>
+          </a:p>
+          <a:p>
+            <a:pPr marL="285750" indent="-285750">
+              <a:lnSpc>
+                <a:spcPct val="107000"/>
+              </a:lnSpc>
+              <a:spcAft>
+                <a:spcPts val="800"/>
+              </a:spcAft>
+              <a:buFontTx/>
+              <a:buChar char="-"/>
+              <a:tabLst>
+                <a:tab pos="1308100" algn="l"/>
+              </a:tabLst>
+            </a:pPr>
+            <a:r>
+              <a:rPr lang="en-GB" sz="1800" dirty="0">
+                <a:effectLst/>
+                <a:latin typeface="Calibri" panose="020F0502020204030204" pitchFamily="34" charset="0"/>
+                <a:ea typeface="Calibri" panose="020F0502020204030204" pitchFamily="34" charset="0"/>
+                <a:cs typeface="Arial" panose="020B0604020202020204" pitchFamily="34" charset="0"/>
+              </a:rPr>
+              <a:t>For the motors varying tests of movement for the motors and wheels, motor action required for straight line movement, moving in a square pattern, and moving in a continuous circle. The aim was to test the ability of the motors individually before the project moves on to a more advanced stage.</a:t>
+            </a:r>
+          </a:p>
+          <a:p>
+            <a:pPr>
+              <a:lnSpc>
+                <a:spcPct val="107000"/>
+              </a:lnSpc>
+              <a:spcAft>
+                <a:spcPts val="800"/>
+              </a:spcAft>
+              <a:tabLst>
+                <a:tab pos="1308100" algn="l"/>
+              </a:tabLst>
+            </a:pPr>
+            <a:r>
+              <a:rPr lang="en-GB" sz="1800" dirty="0">
+                <a:effectLst/>
+                <a:latin typeface="Calibri" panose="020F0502020204030204" pitchFamily="34" charset="0"/>
+                <a:ea typeface="Calibri" panose="020F0502020204030204" pitchFamily="34" charset="0"/>
+                <a:cs typeface="Arial" panose="020B0604020202020204" pitchFamily="34" charset="0"/>
+              </a:rPr>
+              <a:t>- A lot of work was done on utilising the Open CV library. Currently, the Python framework takes the current state of image being captured by the camera, and looks through the OpenCV database for recognisable objects in frame. Once an object is recognised, it is stored in a temporary database for the remainder of this video stream loop. The objects detected and their location is then passed to the movement algorithm, which will use this information to determine what the most logical next movement step for the robot should be, and sends appropriate signals to the motors for this.</a:t>
+            </a:r>
+          </a:p>
+          <a:p>
+            <a:pPr marL="285750" indent="-285750">
+              <a:lnSpc>
+                <a:spcPct val="107000"/>
+              </a:lnSpc>
+              <a:spcAft>
+                <a:spcPts val="800"/>
+              </a:spcAft>
+              <a:buFontTx/>
+              <a:buChar char="-"/>
+              <a:tabLst>
+                <a:tab pos="1308100" algn="l"/>
+              </a:tabLst>
+            </a:pPr>
+            <a:r>
+              <a:rPr lang="en-GB" sz="1800" dirty="0">
+                <a:effectLst/>
+                <a:latin typeface="Calibri" panose="020F0502020204030204" pitchFamily="34" charset="0"/>
+                <a:ea typeface="Calibri" panose="020F0502020204030204" pitchFamily="34" charset="0"/>
+                <a:cs typeface="Arial" panose="020B0604020202020204" pitchFamily="34" charset="0"/>
+              </a:rPr>
+              <a:t>SD Card</a:t>
+            </a:r>
+          </a:p>
+          <a:p>
+            <a:pPr marL="285750" indent="-285750">
+              <a:lnSpc>
+                <a:spcPct val="107000"/>
+              </a:lnSpc>
+              <a:spcAft>
+                <a:spcPts val="800"/>
+              </a:spcAft>
+              <a:buFontTx/>
+              <a:buChar char="-"/>
+              <a:tabLst>
+                <a:tab pos="1308100" algn="l"/>
+              </a:tabLst>
+            </a:pPr>
+            <a:r>
+              <a:rPr lang="en-GB" sz="1800" dirty="0">
+                <a:effectLst/>
+                <a:latin typeface="Calibri" panose="020F0502020204030204" pitchFamily="34" charset="0"/>
+                <a:ea typeface="Calibri" panose="020F0502020204030204" pitchFamily="34" charset="0"/>
+                <a:cs typeface="Arial" panose="020B0604020202020204" pitchFamily="34" charset="0"/>
+              </a:rPr>
+              <a:t>happy with the progress made </a:t>
+            </a:r>
+            <a:endParaRPr dirty="0"/>
+          </a:p>
+        </p:txBody>
+      </p:sp>
+    </p:spTree>
+  </p:cSld>
+  <p:clrMapOvr>
+    <a:masterClrMapping/>
+  </p:clrMapOvr>
+</p:notes>
+</file>
+
+<file path=ppt/notesSlides/notesSlide6.xml><?xml version="1.0" encoding="utf-8"?>
+<p:notes xmlns:a="http://schemas.openxmlformats.org/drawingml/2006/main" xmlns:r="http://schemas.openxmlformats.org/officeDocument/2006/relationships" xmlns:p="http://schemas.openxmlformats.org/presentationml/2006/main" showMasterSp="0" showMasterPhAnim="0">
+  <p:cSld>
+    <p:spTree>
+      <p:nvGrpSpPr>
+        <p:cNvPr id="1" name="Shape 50"/>
+        <p:cNvGrpSpPr/>
+        <p:nvPr/>
+      </p:nvGrpSpPr>
+      <p:grpSpPr>
+        <a:xfrm>
+          <a:off x="0" y="0"/>
+          <a:ext cx="0" cy="0"/>
+          <a:chOff x="0" y="0"/>
+          <a:chExt cx="0" cy="0"/>
+        </a:xfrm>
+      </p:grpSpPr>
+      <p:sp>
+        <p:nvSpPr>
+          <p:cNvPr id="51" name="Google Shape;51;p:notes"/>
+          <p:cNvSpPr>
+            <a:spLocks noGrp="1" noRot="1" noChangeAspect="1"/>
+          </p:cNvSpPr>
+          <p:nvPr>
+            <p:ph type="sldImg" idx="2"/>
+          </p:nvPr>
+        </p:nvSpPr>
+        <p:spPr>
+          <a:xfrm>
+            <a:off x="381000" y="685800"/>
+            <a:ext cx="6096000" cy="3429000"/>
+          </a:xfrm>
+          <a:custGeom>
+            <a:avLst/>
+            <a:gdLst/>
+            <a:ahLst/>
+            <a:cxnLst/>
+            <a:rect l="l" t="t" r="r" b="b"/>
+            <a:pathLst>
+              <a:path w="120000" h="120000" extrusionOk="0">
+                <a:moveTo>
+                  <a:pt x="0" y="0"/>
+                </a:moveTo>
+                <a:lnTo>
+                  <a:pt x="120000" y="0"/>
+                </a:lnTo>
+                <a:lnTo>
+                  <a:pt x="120000" y="120000"/>
+                </a:lnTo>
+                <a:lnTo>
+                  <a:pt x="0" y="120000"/>
+                </a:lnTo>
+                <a:close/>
+              </a:path>
+            </a:pathLst>
+          </a:custGeom>
+        </p:spPr>
+      </p:sp>
+      <p:sp>
+        <p:nvSpPr>
+          <p:cNvPr id="52" name="Google Shape;52;p:notes"/>
+          <p:cNvSpPr txBox="1">
+            <a:spLocks noGrp="1"/>
+          </p:cNvSpPr>
+          <p:nvPr>
+            <p:ph type="body" idx="1"/>
+          </p:nvPr>
+        </p:nvSpPr>
+        <p:spPr>
+          <a:xfrm>
+            <a:off x="685800" y="4343400"/>
+            <a:ext cx="5486400" cy="4114800"/>
+          </a:xfrm>
+          <a:prstGeom prst="rect">
+            <a:avLst/>
+          </a:prstGeom>
+        </p:spPr>
+        <p:txBody>
+          <a:bodyPr spcFirstLastPara="1" wrap="square" lIns="91425" tIns="91425" rIns="91425" bIns="91425" anchor="t" anchorCtr="0">
+            <a:noAutofit/>
+          </a:bodyPr>
+          <a:lstStyle/>
+          <a:p>
+            <a:pPr>
+              <a:lnSpc>
+                <a:spcPct val="107000"/>
+              </a:lnSpc>
+              <a:spcAft>
+                <a:spcPts val="800"/>
+              </a:spcAft>
+            </a:pPr>
+            <a:r>
+              <a:rPr lang="en-GB" sz="1800" dirty="0">
+                <a:effectLst/>
+                <a:latin typeface="Calibri" panose="020F0502020204030204" pitchFamily="34" charset="0"/>
+                <a:ea typeface="Calibri" panose="020F0502020204030204" pitchFamily="34" charset="0"/>
+                <a:cs typeface="Arial" panose="020B0604020202020204" pitchFamily="34" charset="0"/>
+              </a:rPr>
+              <a:t>- split up the next steps of the project into 3 major goals of the project. </a:t>
+            </a:r>
+          </a:p>
+          <a:p>
+            <a:pPr marL="285750" indent="-285750">
+              <a:lnSpc>
+                <a:spcPct val="107000"/>
+              </a:lnSpc>
+              <a:spcAft>
+                <a:spcPts val="800"/>
+              </a:spcAft>
+              <a:buFontTx/>
+              <a:buChar char="-"/>
+            </a:pPr>
+            <a:r>
+              <a:rPr lang="en-GB" sz="1800" dirty="0">
+                <a:effectLst/>
+                <a:latin typeface="Calibri" panose="020F0502020204030204" pitchFamily="34" charset="0"/>
+                <a:ea typeface="Calibri" panose="020F0502020204030204" pitchFamily="34" charset="0"/>
+                <a:cs typeface="Arial" panose="020B0604020202020204" pitchFamily="34" charset="0"/>
+              </a:rPr>
+              <a:t>For implementing the movement of the robot, one of the very first things I intended on doing once university reopened was gaining access to the lab for soldering. </a:t>
+            </a:r>
+          </a:p>
+          <a:p>
+            <a:pPr marL="285750" indent="-285750">
+              <a:lnSpc>
+                <a:spcPct val="107000"/>
+              </a:lnSpc>
+              <a:spcAft>
+                <a:spcPts val="800"/>
+              </a:spcAft>
+              <a:buFontTx/>
+              <a:buChar char="-"/>
+            </a:pPr>
+            <a:r>
+              <a:rPr lang="en-GB" sz="1800" dirty="0">
+                <a:effectLst/>
+                <a:latin typeface="Calibri" panose="020F0502020204030204" pitchFamily="34" charset="0"/>
+                <a:ea typeface="Calibri" panose="020F0502020204030204" pitchFamily="34" charset="0"/>
+                <a:cs typeface="Arial" panose="020B0604020202020204" pitchFamily="34" charset="0"/>
+              </a:rPr>
+              <a:t>This no longer possible, managed to source equipment so progress should not be affected badly</a:t>
+            </a:r>
+          </a:p>
+          <a:p>
+            <a:pPr marL="285750" indent="-285750">
+              <a:lnSpc>
+                <a:spcPct val="107000"/>
+              </a:lnSpc>
+              <a:spcAft>
+                <a:spcPts val="800"/>
+              </a:spcAft>
+              <a:buFontTx/>
+              <a:buChar char="-"/>
+            </a:pPr>
+            <a:r>
+              <a:rPr lang="en-GB" sz="1800" dirty="0">
+                <a:effectLst/>
+                <a:latin typeface="Calibri" panose="020F0502020204030204" pitchFamily="34" charset="0"/>
+                <a:ea typeface="Calibri" panose="020F0502020204030204" pitchFamily="34" charset="0"/>
+                <a:cs typeface="Arial" panose="020B0604020202020204" pitchFamily="34" charset="0"/>
+              </a:rPr>
+              <a:t>current movement tests carried out can be put into action, and further ones carried out to include the code already in place.</a:t>
+            </a:r>
+          </a:p>
+          <a:p>
+            <a:pPr>
+              <a:lnSpc>
+                <a:spcPct val="107000"/>
+              </a:lnSpc>
+              <a:spcAft>
+                <a:spcPts val="800"/>
+              </a:spcAft>
+            </a:pPr>
+            <a:r>
+              <a:rPr lang="en-GB" sz="1800" dirty="0">
+                <a:effectLst/>
+                <a:latin typeface="Calibri" panose="020F0502020204030204" pitchFamily="34" charset="0"/>
+                <a:ea typeface="Calibri" panose="020F0502020204030204" pitchFamily="34" charset="0"/>
+                <a:cs typeface="Arial" panose="020B0604020202020204" pitchFamily="34" charset="0"/>
+              </a:rPr>
+              <a:t>- Implementing basic AI object recognition is the major goal that has had the most progress made on it, we will soon be able to see how effective the image recognition code works in tandem with the movement algorithm in actually informing good decisions for the robot. </a:t>
+            </a:r>
+          </a:p>
+          <a:p>
+            <a:pPr>
+              <a:lnSpc>
+                <a:spcPct val="107000"/>
+              </a:lnSpc>
+              <a:spcAft>
+                <a:spcPts val="800"/>
+              </a:spcAft>
+            </a:pPr>
+            <a:r>
+              <a:rPr lang="en-GB" sz="1800" dirty="0">
+                <a:effectLst/>
+                <a:latin typeface="Calibri" panose="020F0502020204030204" pitchFamily="34" charset="0"/>
+                <a:ea typeface="Calibri" panose="020F0502020204030204" pitchFamily="34" charset="0"/>
+                <a:cs typeface="Arial" panose="020B0604020202020204" pitchFamily="34" charset="0"/>
+              </a:rPr>
+              <a:t>-  housing all components as compactly as possible within the robot, this has not been done yet. A structure needs to be created or sourced to house the components to have a full product. This is the major goal that has had the least progress so far out of the three.</a:t>
+            </a:r>
+          </a:p>
+          <a:p>
+            <a:pPr marL="0" lvl="0" indent="0" algn="l" rtl="0">
+              <a:spcBef>
+                <a:spcPts val="0"/>
+              </a:spcBef>
+              <a:spcAft>
+                <a:spcPts val="0"/>
+              </a:spcAft>
+              <a:buNone/>
+            </a:pPr>
+            <a:endParaRPr dirty="0"/>
+          </a:p>
+        </p:txBody>
+      </p:sp>
+    </p:spTree>
+  </p:cSld>
+  <p:clrMapOvr>
+    <a:masterClrMapping/>
+  </p:clrMapOvr>
+</p:notes>
+</file>
+
 <file path=ppt/slideLayouts/slideLayout1.xml><?xml version="1.0" encoding="utf-8"?>
 <p:sldLayout xmlns:a="http://schemas.openxmlformats.org/drawingml/2006/main" xmlns:r="http://schemas.openxmlformats.org/officeDocument/2006/relationships" xmlns:p="http://schemas.openxmlformats.org/presentationml/2006/main" preserve="1" userDrawn="1">
   <p:cSld name="15_Custom Layout">
@@ -6507,6 +8217,247 @@
   <p:clrMapOvr>
     <a:masterClrMapping/>
   </p:clrMapOvr>
+</p:sldLayout>
+</file>
+
+<file path=ppt/slideLayouts/slideLayout28.xml><?xml version="1.0" encoding="utf-8"?>
+<p:sldLayout xmlns:a="http://schemas.openxmlformats.org/drawingml/2006/main" xmlns:r="http://schemas.openxmlformats.org/officeDocument/2006/relationships" xmlns:p="http://schemas.openxmlformats.org/presentationml/2006/main" type="title" preserve="1">
+  <p:cSld name="Title Slide">
+    <p:spTree>
+      <p:nvGrpSpPr>
+        <p:cNvPr id="1" name=""/>
+        <p:cNvGrpSpPr/>
+        <p:nvPr/>
+      </p:nvGrpSpPr>
+      <p:grpSpPr>
+        <a:xfrm>
+          <a:off x="0" y="0"/>
+          <a:ext cx="0" cy="0"/>
+          <a:chOff x="0" y="0"/>
+          <a:chExt cx="0" cy="0"/>
+        </a:xfrm>
+      </p:grpSpPr>
+      <p:sp>
+        <p:nvSpPr>
+          <p:cNvPr id="2" name="Title 1">
+            <a:extLst>
+              <a:ext uri="{FF2B5EF4-FFF2-40B4-BE49-F238E27FC236}">
+                <a16:creationId xmlns:a16="http://schemas.microsoft.com/office/drawing/2014/main" id="{22270137-4D3D-4CEC-9E1B-7C184F86C6E6}"/>
+              </a:ext>
+            </a:extLst>
+          </p:cNvPr>
+          <p:cNvSpPr>
+            <a:spLocks noGrp="1"/>
+          </p:cNvSpPr>
+          <p:nvPr>
+            <p:ph type="ctrTitle"/>
+          </p:nvPr>
+        </p:nvSpPr>
+        <p:spPr>
+          <a:xfrm>
+            <a:off x="1524000" y="1122363"/>
+            <a:ext cx="9144000" cy="2387600"/>
+          </a:xfrm>
+        </p:spPr>
+        <p:txBody>
+          <a:bodyPr anchor="b"/>
+          <a:lstStyle>
+            <a:lvl1pPr algn="ctr">
+              <a:defRPr sz="6000"/>
+            </a:lvl1pPr>
+          </a:lstStyle>
+          <a:p>
+            <a:r>
+              <a:rPr lang="en-US"/>
+              <a:t>Click to edit Master title style</a:t>
+            </a:r>
+            <a:endParaRPr lang="en-GB"/>
+          </a:p>
+        </p:txBody>
+      </p:sp>
+      <p:sp>
+        <p:nvSpPr>
+          <p:cNvPr id="3" name="Subtitle 2">
+            <a:extLst>
+              <a:ext uri="{FF2B5EF4-FFF2-40B4-BE49-F238E27FC236}">
+                <a16:creationId xmlns:a16="http://schemas.microsoft.com/office/drawing/2014/main" id="{B2D41F62-F861-4BCA-BABC-45DC550635FC}"/>
+              </a:ext>
+            </a:extLst>
+          </p:cNvPr>
+          <p:cNvSpPr>
+            <a:spLocks noGrp="1"/>
+          </p:cNvSpPr>
+          <p:nvPr>
+            <p:ph type="subTitle" idx="1"/>
+          </p:nvPr>
+        </p:nvSpPr>
+        <p:spPr>
+          <a:xfrm>
+            <a:off x="1524000" y="3602037"/>
+            <a:ext cx="9144000" cy="1655763"/>
+          </a:xfrm>
+        </p:spPr>
+        <p:txBody>
+          <a:bodyPr/>
+          <a:lstStyle>
+            <a:lvl1pPr marL="0" indent="0" algn="ctr">
+              <a:buNone/>
+              <a:defRPr sz="2400"/>
+            </a:lvl1pPr>
+            <a:lvl2pPr marL="457189" indent="0" algn="ctr">
+              <a:buNone/>
+              <a:defRPr sz="2000"/>
+            </a:lvl2pPr>
+            <a:lvl3pPr marL="914377" indent="0" algn="ctr">
+              <a:buNone/>
+              <a:defRPr sz="1800"/>
+            </a:lvl3pPr>
+            <a:lvl4pPr marL="1371566" indent="0" algn="ctr">
+              <a:buNone/>
+              <a:defRPr sz="1600"/>
+            </a:lvl4pPr>
+            <a:lvl5pPr marL="1828754" indent="0" algn="ctr">
+              <a:buNone/>
+              <a:defRPr sz="1600"/>
+            </a:lvl5pPr>
+            <a:lvl6pPr marL="2285943" indent="0" algn="ctr">
+              <a:buNone/>
+              <a:defRPr sz="1600"/>
+            </a:lvl6pPr>
+            <a:lvl7pPr marL="2743131" indent="0" algn="ctr">
+              <a:buNone/>
+              <a:defRPr sz="1600"/>
+            </a:lvl7pPr>
+            <a:lvl8pPr marL="3200320" indent="0" algn="ctr">
+              <a:buNone/>
+              <a:defRPr sz="1600"/>
+            </a:lvl8pPr>
+            <a:lvl9pPr marL="3657509" indent="0" algn="ctr">
+              <a:buNone/>
+              <a:defRPr sz="1600"/>
+            </a:lvl9pPr>
+          </a:lstStyle>
+          <a:p>
+            <a:r>
+              <a:rPr lang="en-US"/>
+              <a:t>Click to edit Master subtitle style</a:t>
+            </a:r>
+            <a:endParaRPr lang="en-GB"/>
+          </a:p>
+        </p:txBody>
+      </p:sp>
+      <p:sp>
+        <p:nvSpPr>
+          <p:cNvPr id="4" name="Date Placeholder 3">
+            <a:extLst>
+              <a:ext uri="{FF2B5EF4-FFF2-40B4-BE49-F238E27FC236}">
+                <a16:creationId xmlns:a16="http://schemas.microsoft.com/office/drawing/2014/main" id="{4829EBF7-2DB7-402D-93C4-CB3C7B8CA2F8}"/>
+              </a:ext>
+            </a:extLst>
+          </p:cNvPr>
+          <p:cNvSpPr>
+            <a:spLocks noGrp="1"/>
+          </p:cNvSpPr>
+          <p:nvPr>
+            <p:ph type="dt" sz="half" idx="10"/>
+          </p:nvPr>
+        </p:nvSpPr>
+        <p:spPr/>
+        <p:txBody>
+          <a:bodyPr/>
+          <a:lstStyle/>
+          <a:p>
+            <a:fld id="{6AD6EE87-EBD5-4F12-A48A-63ACA297AC8F}" type="datetimeFigureOut">
+              <a:rPr lang="en-US" smtClean="0"/>
+              <a:t>1/7/2021</a:t>
+            </a:fld>
+            <a:endParaRPr lang="en-US" dirty="0"/>
+          </a:p>
+        </p:txBody>
+      </p:sp>
+      <p:sp>
+        <p:nvSpPr>
+          <p:cNvPr id="5" name="Footer Placeholder 4">
+            <a:extLst>
+              <a:ext uri="{FF2B5EF4-FFF2-40B4-BE49-F238E27FC236}">
+                <a16:creationId xmlns:a16="http://schemas.microsoft.com/office/drawing/2014/main" id="{F589CB1D-98FF-4B5E-A238-1BBAD7757BF3}"/>
+              </a:ext>
+            </a:extLst>
+          </p:cNvPr>
+          <p:cNvSpPr>
+            <a:spLocks noGrp="1"/>
+          </p:cNvSpPr>
+          <p:nvPr>
+            <p:ph type="ftr" sz="quarter" idx="11"/>
+          </p:nvPr>
+        </p:nvSpPr>
+        <p:spPr/>
+        <p:txBody>
+          <a:bodyPr/>
+          <a:lstStyle/>
+          <a:p>
+            <a:endParaRPr lang="en-US" dirty="0"/>
+          </a:p>
+        </p:txBody>
+      </p:sp>
+      <p:sp>
+        <p:nvSpPr>
+          <p:cNvPr id="6" name="Slide Number Placeholder 5">
+            <a:extLst>
+              <a:ext uri="{FF2B5EF4-FFF2-40B4-BE49-F238E27FC236}">
+                <a16:creationId xmlns:a16="http://schemas.microsoft.com/office/drawing/2014/main" id="{5E99D26F-4363-425D-8703-187E6B7E3461}"/>
+              </a:ext>
+            </a:extLst>
+          </p:cNvPr>
+          <p:cNvSpPr>
+            <a:spLocks noGrp="1"/>
+          </p:cNvSpPr>
+          <p:nvPr>
+            <p:ph type="sldNum" sz="quarter" idx="12"/>
+          </p:nvPr>
+        </p:nvSpPr>
+        <p:spPr/>
+        <p:txBody>
+          <a:bodyPr/>
+          <a:lstStyle/>
+          <a:p>
+            <a:pPr marL="0" lvl="0" indent="0" algn="r" rtl="0">
+              <a:spcBef>
+                <a:spcPts val="0"/>
+              </a:spcBef>
+              <a:spcAft>
+                <a:spcPts val="0"/>
+              </a:spcAft>
+              <a:buNone/>
+            </a:pPr>
+            <a:fld id="{00000000-1234-1234-1234-123412341234}" type="slidenum">
+              <a:rPr lang="en" smtClean="0"/>
+              <a:pPr marL="0" lvl="0" indent="0" algn="r" rtl="0">
+                <a:spcBef>
+                  <a:spcPts val="0"/>
+                </a:spcBef>
+                <a:spcAft>
+                  <a:spcPts val="0"/>
+                </a:spcAft>
+                <a:buNone/>
+              </a:pPr>
+              <a:t>‹#›</a:t>
+            </a:fld>
+            <a:endParaRPr lang="en"/>
+          </a:p>
+        </p:txBody>
+      </p:sp>
+    </p:spTree>
+    <p:extLst>
+      <p:ext uri="{BB962C8B-B14F-4D97-AF65-F5344CB8AC3E}">
+        <p14:creationId xmlns:p14="http://schemas.microsoft.com/office/powerpoint/2010/main" val="4060127427"/>
+      </p:ext>
+    </p:extLst>
+  </p:cSld>
+  <p:clrMapOvr>
+    <a:masterClrMapping/>
+  </p:clrMapOvr>
+  <p:hf sldNum="0" hdr="0" ftr="0" dt="0"/>
 </p:sldLayout>
 </file>
 
@@ -8325,6 +10276,586 @@
 </p:sldMaster>
 </file>
 
+<file path=ppt/slideMasters/slideMaster2.xml><?xml version="1.0" encoding="utf-8"?>
+<p:sldMaster xmlns:a="http://schemas.openxmlformats.org/drawingml/2006/main" xmlns:r="http://schemas.openxmlformats.org/officeDocument/2006/relationships" xmlns:p="http://schemas.openxmlformats.org/presentationml/2006/main">
+  <p:cSld>
+    <p:bg>
+      <p:bgRef idx="1001">
+        <a:schemeClr val="bg1"/>
+      </p:bgRef>
+    </p:bg>
+    <p:spTree>
+      <p:nvGrpSpPr>
+        <p:cNvPr id="1" name=""/>
+        <p:cNvGrpSpPr/>
+        <p:nvPr/>
+      </p:nvGrpSpPr>
+      <p:grpSpPr>
+        <a:xfrm>
+          <a:off x="0" y="0"/>
+          <a:ext cx="0" cy="0"/>
+          <a:chOff x="0" y="0"/>
+          <a:chExt cx="0" cy="0"/>
+        </a:xfrm>
+      </p:grpSpPr>
+      <p:sp>
+        <p:nvSpPr>
+          <p:cNvPr id="2" name="Title Placeholder 1">
+            <a:extLst>
+              <a:ext uri="{FF2B5EF4-FFF2-40B4-BE49-F238E27FC236}">
+                <a16:creationId xmlns:a16="http://schemas.microsoft.com/office/drawing/2014/main" id="{44D845DC-4761-4BF3-B537-28F2EED32D89}"/>
+              </a:ext>
+            </a:extLst>
+          </p:cNvPr>
+          <p:cNvSpPr>
+            <a:spLocks noGrp="1"/>
+          </p:cNvSpPr>
+          <p:nvPr>
+            <p:ph type="title"/>
+          </p:nvPr>
+        </p:nvSpPr>
+        <p:spPr>
+          <a:xfrm>
+            <a:off x="838200" y="365125"/>
+            <a:ext cx="10515600" cy="1325563"/>
+          </a:xfrm>
+          <a:prstGeom prst="rect">
+            <a:avLst/>
+          </a:prstGeom>
+        </p:spPr>
+        <p:txBody>
+          <a:bodyPr vert="horz" lIns="91440" tIns="45720" rIns="91440" bIns="45720" rtlCol="0" anchor="ctr">
+            <a:normAutofit/>
+          </a:bodyPr>
+          <a:lstStyle/>
+          <a:p>
+            <a:r>
+              <a:rPr lang="en-US"/>
+              <a:t>Click to edit Master title style</a:t>
+            </a:r>
+            <a:endParaRPr lang="en-GB"/>
+          </a:p>
+        </p:txBody>
+      </p:sp>
+      <p:sp>
+        <p:nvSpPr>
+          <p:cNvPr id="3" name="Text Placeholder 2">
+            <a:extLst>
+              <a:ext uri="{FF2B5EF4-FFF2-40B4-BE49-F238E27FC236}">
+                <a16:creationId xmlns:a16="http://schemas.microsoft.com/office/drawing/2014/main" id="{54B49329-D285-44F2-A861-D6C7FDAAA4FA}"/>
+              </a:ext>
+            </a:extLst>
+          </p:cNvPr>
+          <p:cNvSpPr>
+            <a:spLocks noGrp="1"/>
+          </p:cNvSpPr>
+          <p:nvPr>
+            <p:ph type="body" idx="1"/>
+          </p:nvPr>
+        </p:nvSpPr>
+        <p:spPr>
+          <a:xfrm>
+            <a:off x="838200" y="1825625"/>
+            <a:ext cx="10515600" cy="4351339"/>
+          </a:xfrm>
+          <a:prstGeom prst="rect">
+            <a:avLst/>
+          </a:prstGeom>
+        </p:spPr>
+        <p:txBody>
+          <a:bodyPr vert="horz" lIns="91440" tIns="45720" rIns="91440" bIns="45720" rtlCol="0">
+            <a:normAutofit/>
+          </a:bodyPr>
+          <a:lstStyle/>
+          <a:p>
+            <a:pPr lvl="0"/>
+            <a:r>
+              <a:rPr lang="en-US"/>
+              <a:t>Edit Master text styles</a:t>
+            </a:r>
+          </a:p>
+          <a:p>
+            <a:pPr lvl="1"/>
+            <a:r>
+              <a:rPr lang="en-US"/>
+              <a:t>Second level</a:t>
+            </a:r>
+          </a:p>
+          <a:p>
+            <a:pPr lvl="2"/>
+            <a:r>
+              <a:rPr lang="en-US"/>
+              <a:t>Third level</a:t>
+            </a:r>
+          </a:p>
+          <a:p>
+            <a:pPr lvl="3"/>
+            <a:r>
+              <a:rPr lang="en-US"/>
+              <a:t>Fourth level</a:t>
+            </a:r>
+          </a:p>
+          <a:p>
+            <a:pPr lvl="4"/>
+            <a:r>
+              <a:rPr lang="en-US"/>
+              <a:t>Fifth level</a:t>
+            </a:r>
+            <a:endParaRPr lang="en-GB"/>
+          </a:p>
+        </p:txBody>
+      </p:sp>
+      <p:sp>
+        <p:nvSpPr>
+          <p:cNvPr id="4" name="Date Placeholder 3">
+            <a:extLst>
+              <a:ext uri="{FF2B5EF4-FFF2-40B4-BE49-F238E27FC236}">
+                <a16:creationId xmlns:a16="http://schemas.microsoft.com/office/drawing/2014/main" id="{ECA11469-366E-481F-AA60-B0375ECF5BF3}"/>
+              </a:ext>
+            </a:extLst>
+          </p:cNvPr>
+          <p:cNvSpPr>
+            <a:spLocks noGrp="1"/>
+          </p:cNvSpPr>
+          <p:nvPr>
+            <p:ph type="dt" sz="half" idx="2"/>
+          </p:nvPr>
+        </p:nvSpPr>
+        <p:spPr>
+          <a:xfrm>
+            <a:off x="838200" y="6356351"/>
+            <a:ext cx="2743200" cy="365125"/>
+          </a:xfrm>
+          <a:prstGeom prst="rect">
+            <a:avLst/>
+          </a:prstGeom>
+        </p:spPr>
+        <p:txBody>
+          <a:bodyPr vert="horz" lIns="91440" tIns="45720" rIns="91440" bIns="45720" rtlCol="0" anchor="ctr"/>
+          <a:lstStyle>
+            <a:lvl1pPr algn="l">
+              <a:defRPr sz="1200">
+                <a:solidFill>
+                  <a:schemeClr val="tx1">
+                    <a:tint val="75000"/>
+                  </a:schemeClr>
+                </a:solidFill>
+              </a:defRPr>
+            </a:lvl1pPr>
+          </a:lstStyle>
+          <a:p>
+            <a:fld id="{90298CD5-6C1E-4009-B41F-6DF62E31D3BE}" type="datetimeFigureOut">
+              <a:rPr lang="en-US" smtClean="0"/>
+              <a:pPr/>
+              <a:t>1/7/2021</a:t>
+            </a:fld>
+            <a:endParaRPr lang="en-US" dirty="0"/>
+          </a:p>
+        </p:txBody>
+      </p:sp>
+      <p:sp>
+        <p:nvSpPr>
+          <p:cNvPr id="5" name="Footer Placeholder 4">
+            <a:extLst>
+              <a:ext uri="{FF2B5EF4-FFF2-40B4-BE49-F238E27FC236}">
+                <a16:creationId xmlns:a16="http://schemas.microsoft.com/office/drawing/2014/main" id="{4049AD9C-4E99-4E0E-925A-8B493E1716D5}"/>
+              </a:ext>
+            </a:extLst>
+          </p:cNvPr>
+          <p:cNvSpPr>
+            <a:spLocks noGrp="1"/>
+          </p:cNvSpPr>
+          <p:nvPr>
+            <p:ph type="ftr" sz="quarter" idx="3"/>
+          </p:nvPr>
+        </p:nvSpPr>
+        <p:spPr>
+          <a:xfrm>
+            <a:off x="4038600" y="6356351"/>
+            <a:ext cx="4114800" cy="365125"/>
+          </a:xfrm>
+          <a:prstGeom prst="rect">
+            <a:avLst/>
+          </a:prstGeom>
+        </p:spPr>
+        <p:txBody>
+          <a:bodyPr vert="horz" lIns="91440" tIns="45720" rIns="91440" bIns="45720" rtlCol="0" anchor="ctr"/>
+          <a:lstStyle>
+            <a:lvl1pPr algn="ctr">
+              <a:defRPr sz="1200">
+                <a:solidFill>
+                  <a:schemeClr val="tx1">
+                    <a:tint val="75000"/>
+                  </a:schemeClr>
+                </a:solidFill>
+              </a:defRPr>
+            </a:lvl1pPr>
+          </a:lstStyle>
+          <a:p>
+            <a:endParaRPr lang="en-US" dirty="0"/>
+          </a:p>
+        </p:txBody>
+      </p:sp>
+      <p:sp>
+        <p:nvSpPr>
+          <p:cNvPr id="6" name="Slide Number Placeholder 5">
+            <a:extLst>
+              <a:ext uri="{FF2B5EF4-FFF2-40B4-BE49-F238E27FC236}">
+                <a16:creationId xmlns:a16="http://schemas.microsoft.com/office/drawing/2014/main" id="{0CBF0E16-E428-45C4-BFD8-0B5681447F57}"/>
+              </a:ext>
+            </a:extLst>
+          </p:cNvPr>
+          <p:cNvSpPr>
+            <a:spLocks noGrp="1"/>
+          </p:cNvSpPr>
+          <p:nvPr>
+            <p:ph type="sldNum" sz="quarter" idx="4"/>
+          </p:nvPr>
+        </p:nvSpPr>
+        <p:spPr>
+          <a:xfrm>
+            <a:off x="8610600" y="6356351"/>
+            <a:ext cx="2743200" cy="365125"/>
+          </a:xfrm>
+          <a:prstGeom prst="rect">
+            <a:avLst/>
+          </a:prstGeom>
+        </p:spPr>
+        <p:txBody>
+          <a:bodyPr vert="horz" lIns="91440" tIns="45720" rIns="91440" bIns="45720" rtlCol="0" anchor="ctr"/>
+          <a:lstStyle>
+            <a:lvl1pPr algn="r">
+              <a:defRPr sz="1200">
+                <a:solidFill>
+                  <a:schemeClr val="tx1">
+                    <a:tint val="75000"/>
+                  </a:schemeClr>
+                </a:solidFill>
+              </a:defRPr>
+            </a:lvl1pPr>
+          </a:lstStyle>
+          <a:p>
+            <a:pPr marL="0" lvl="0" indent="0" algn="r" rtl="0">
+              <a:spcBef>
+                <a:spcPts val="0"/>
+              </a:spcBef>
+              <a:spcAft>
+                <a:spcPts val="0"/>
+              </a:spcAft>
+              <a:buNone/>
+            </a:pPr>
+            <a:fld id="{00000000-1234-1234-1234-123412341234}" type="slidenum">
+              <a:rPr lang="en" smtClean="0"/>
+              <a:pPr marL="0" lvl="0" indent="0" algn="r" rtl="0">
+                <a:spcBef>
+                  <a:spcPts val="0"/>
+                </a:spcBef>
+                <a:spcAft>
+                  <a:spcPts val="0"/>
+                </a:spcAft>
+                <a:buNone/>
+              </a:pPr>
+              <a:t>‹#›</a:t>
+            </a:fld>
+            <a:endParaRPr lang="en"/>
+          </a:p>
+        </p:txBody>
+      </p:sp>
+    </p:spTree>
+    <p:extLst>
+      <p:ext uri="{BB962C8B-B14F-4D97-AF65-F5344CB8AC3E}">
+        <p14:creationId xmlns:p14="http://schemas.microsoft.com/office/powerpoint/2010/main" val="909397460"/>
+      </p:ext>
+    </p:extLst>
+  </p:cSld>
+  <p:clrMap bg1="lt1" tx1="dk1" bg2="lt2" tx2="dk2" accent1="accent1" accent2="accent2" accent3="accent3" accent4="accent4" accent5="accent5" accent6="accent6" hlink="hlink" folHlink="folHlink"/>
+  <p:sldLayoutIdLst>
+    <p:sldLayoutId id="2147483709" r:id="rId1"/>
+  </p:sldLayoutIdLst>
+  <p:hf sldNum="0" hdr="0" ftr="0" dt="0"/>
+  <p:txStyles>
+    <p:titleStyle>
+      <a:lvl1pPr algn="l" defTabSz="685800" rtl="0" eaLnBrk="1" latinLnBrk="0" hangingPunct="1">
+        <a:lnSpc>
+          <a:spcPct val="90000"/>
+        </a:lnSpc>
+        <a:spcBef>
+          <a:spcPct val="0"/>
+        </a:spcBef>
+        <a:buNone/>
+        <a:defRPr sz="3300" kern="1200">
+          <a:solidFill>
+            <a:schemeClr val="tx1"/>
+          </a:solidFill>
+          <a:latin typeface="+mj-lt"/>
+          <a:ea typeface="+mj-ea"/>
+          <a:cs typeface="+mj-cs"/>
+        </a:defRPr>
+      </a:lvl1pPr>
+    </p:titleStyle>
+    <p:bodyStyle>
+      <a:lvl1pPr marL="171450" indent="-171450" algn="l" defTabSz="685800" rtl="0" eaLnBrk="1" latinLnBrk="0" hangingPunct="1">
+        <a:lnSpc>
+          <a:spcPct val="90000"/>
+        </a:lnSpc>
+        <a:spcBef>
+          <a:spcPts val="750"/>
+        </a:spcBef>
+        <a:buFont typeface="Arial" panose="020B0604020202020204" pitchFamily="34" charset="0"/>
+        <a:buChar char="•"/>
+        <a:defRPr sz="2100" kern="1200">
+          <a:solidFill>
+            <a:schemeClr val="tx1"/>
+          </a:solidFill>
+          <a:latin typeface="+mn-lt"/>
+          <a:ea typeface="+mn-ea"/>
+          <a:cs typeface="+mn-cs"/>
+        </a:defRPr>
+      </a:lvl1pPr>
+      <a:lvl2pPr marL="514350" indent="-171450" algn="l" defTabSz="685800" rtl="0" eaLnBrk="1" latinLnBrk="0" hangingPunct="1">
+        <a:lnSpc>
+          <a:spcPct val="90000"/>
+        </a:lnSpc>
+        <a:spcBef>
+          <a:spcPts val="375"/>
+        </a:spcBef>
+        <a:buFont typeface="Arial" panose="020B0604020202020204" pitchFamily="34" charset="0"/>
+        <a:buChar char="•"/>
+        <a:defRPr sz="1800" kern="1200">
+          <a:solidFill>
+            <a:schemeClr val="tx1"/>
+          </a:solidFill>
+          <a:latin typeface="+mn-lt"/>
+          <a:ea typeface="+mn-ea"/>
+          <a:cs typeface="+mn-cs"/>
+        </a:defRPr>
+      </a:lvl2pPr>
+      <a:lvl3pPr marL="857250" indent="-171450" algn="l" defTabSz="685800" rtl="0" eaLnBrk="1" latinLnBrk="0" hangingPunct="1">
+        <a:lnSpc>
+          <a:spcPct val="90000"/>
+        </a:lnSpc>
+        <a:spcBef>
+          <a:spcPts val="375"/>
+        </a:spcBef>
+        <a:buFont typeface="Arial" panose="020B0604020202020204" pitchFamily="34" charset="0"/>
+        <a:buChar char="•"/>
+        <a:defRPr sz="1500" kern="1200">
+          <a:solidFill>
+            <a:schemeClr val="tx1"/>
+          </a:solidFill>
+          <a:latin typeface="+mn-lt"/>
+          <a:ea typeface="+mn-ea"/>
+          <a:cs typeface="+mn-cs"/>
+        </a:defRPr>
+      </a:lvl3pPr>
+      <a:lvl4pPr marL="1200150" indent="-171450" algn="l" defTabSz="685800" rtl="0" eaLnBrk="1" latinLnBrk="0" hangingPunct="1">
+        <a:lnSpc>
+          <a:spcPct val="90000"/>
+        </a:lnSpc>
+        <a:spcBef>
+          <a:spcPts val="375"/>
+        </a:spcBef>
+        <a:buFont typeface="Arial" panose="020B0604020202020204" pitchFamily="34" charset="0"/>
+        <a:buChar char="•"/>
+        <a:defRPr sz="1350" kern="1200">
+          <a:solidFill>
+            <a:schemeClr val="tx1"/>
+          </a:solidFill>
+          <a:latin typeface="+mn-lt"/>
+          <a:ea typeface="+mn-ea"/>
+          <a:cs typeface="+mn-cs"/>
+        </a:defRPr>
+      </a:lvl4pPr>
+      <a:lvl5pPr marL="1543050" indent="-171450" algn="l" defTabSz="685800" rtl="0" eaLnBrk="1" latinLnBrk="0" hangingPunct="1">
+        <a:lnSpc>
+          <a:spcPct val="90000"/>
+        </a:lnSpc>
+        <a:spcBef>
+          <a:spcPts val="375"/>
+        </a:spcBef>
+        <a:buFont typeface="Arial" panose="020B0604020202020204" pitchFamily="34" charset="0"/>
+        <a:buChar char="•"/>
+        <a:defRPr sz="1350" kern="1200">
+          <a:solidFill>
+            <a:schemeClr val="tx1"/>
+          </a:solidFill>
+          <a:latin typeface="+mn-lt"/>
+          <a:ea typeface="+mn-ea"/>
+          <a:cs typeface="+mn-cs"/>
+        </a:defRPr>
+      </a:lvl5pPr>
+      <a:lvl6pPr marL="1885950" indent="-171450" algn="l" defTabSz="685800" rtl="0" eaLnBrk="1" latinLnBrk="0" hangingPunct="1">
+        <a:lnSpc>
+          <a:spcPct val="90000"/>
+        </a:lnSpc>
+        <a:spcBef>
+          <a:spcPts val="375"/>
+        </a:spcBef>
+        <a:buFont typeface="Arial" panose="020B0604020202020204" pitchFamily="34" charset="0"/>
+        <a:buChar char="•"/>
+        <a:defRPr sz="1350" kern="1200">
+          <a:solidFill>
+            <a:schemeClr val="tx1"/>
+          </a:solidFill>
+          <a:latin typeface="+mn-lt"/>
+          <a:ea typeface="+mn-ea"/>
+          <a:cs typeface="+mn-cs"/>
+        </a:defRPr>
+      </a:lvl6pPr>
+      <a:lvl7pPr marL="2228850" indent="-171450" algn="l" defTabSz="685800" rtl="0" eaLnBrk="1" latinLnBrk="0" hangingPunct="1">
+        <a:lnSpc>
+          <a:spcPct val="90000"/>
+        </a:lnSpc>
+        <a:spcBef>
+          <a:spcPts val="375"/>
+        </a:spcBef>
+        <a:buFont typeface="Arial" panose="020B0604020202020204" pitchFamily="34" charset="0"/>
+        <a:buChar char="•"/>
+        <a:defRPr sz="1350" kern="1200">
+          <a:solidFill>
+            <a:schemeClr val="tx1"/>
+          </a:solidFill>
+          <a:latin typeface="+mn-lt"/>
+          <a:ea typeface="+mn-ea"/>
+          <a:cs typeface="+mn-cs"/>
+        </a:defRPr>
+      </a:lvl7pPr>
+      <a:lvl8pPr marL="2571750" indent="-171450" algn="l" defTabSz="685800" rtl="0" eaLnBrk="1" latinLnBrk="0" hangingPunct="1">
+        <a:lnSpc>
+          <a:spcPct val="90000"/>
+        </a:lnSpc>
+        <a:spcBef>
+          <a:spcPts val="375"/>
+        </a:spcBef>
+        <a:buFont typeface="Arial" panose="020B0604020202020204" pitchFamily="34" charset="0"/>
+        <a:buChar char="•"/>
+        <a:defRPr sz="1350" kern="1200">
+          <a:solidFill>
+            <a:schemeClr val="tx1"/>
+          </a:solidFill>
+          <a:latin typeface="+mn-lt"/>
+          <a:ea typeface="+mn-ea"/>
+          <a:cs typeface="+mn-cs"/>
+        </a:defRPr>
+      </a:lvl8pPr>
+      <a:lvl9pPr marL="2914650" indent="-171450" algn="l" defTabSz="685800" rtl="0" eaLnBrk="1" latinLnBrk="0" hangingPunct="1">
+        <a:lnSpc>
+          <a:spcPct val="90000"/>
+        </a:lnSpc>
+        <a:spcBef>
+          <a:spcPts val="375"/>
+        </a:spcBef>
+        <a:buFont typeface="Arial" panose="020B0604020202020204" pitchFamily="34" charset="0"/>
+        <a:buChar char="•"/>
+        <a:defRPr sz="1350" kern="1200">
+          <a:solidFill>
+            <a:schemeClr val="tx1"/>
+          </a:solidFill>
+          <a:latin typeface="+mn-lt"/>
+          <a:ea typeface="+mn-ea"/>
+          <a:cs typeface="+mn-cs"/>
+        </a:defRPr>
+      </a:lvl9pPr>
+    </p:bodyStyle>
+    <p:otherStyle>
+      <a:defPPr>
+        <a:defRPr lang="en-US"/>
+      </a:defPPr>
+      <a:lvl1pPr marL="0" algn="l" defTabSz="685800" rtl="0" eaLnBrk="1" latinLnBrk="0" hangingPunct="1">
+        <a:defRPr sz="1350" kern="1200">
+          <a:solidFill>
+            <a:schemeClr val="tx1"/>
+          </a:solidFill>
+          <a:latin typeface="+mn-lt"/>
+          <a:ea typeface="+mn-ea"/>
+          <a:cs typeface="+mn-cs"/>
+        </a:defRPr>
+      </a:lvl1pPr>
+      <a:lvl2pPr marL="342900" algn="l" defTabSz="685800" rtl="0" eaLnBrk="1" latinLnBrk="0" hangingPunct="1">
+        <a:defRPr sz="1350" kern="1200">
+          <a:solidFill>
+            <a:schemeClr val="tx1"/>
+          </a:solidFill>
+          <a:latin typeface="+mn-lt"/>
+          <a:ea typeface="+mn-ea"/>
+          <a:cs typeface="+mn-cs"/>
+        </a:defRPr>
+      </a:lvl2pPr>
+      <a:lvl3pPr marL="685800" algn="l" defTabSz="685800" rtl="0" eaLnBrk="1" latinLnBrk="0" hangingPunct="1">
+        <a:defRPr sz="1350" kern="1200">
+          <a:solidFill>
+            <a:schemeClr val="tx1"/>
+          </a:solidFill>
+          <a:latin typeface="+mn-lt"/>
+          <a:ea typeface="+mn-ea"/>
+          <a:cs typeface="+mn-cs"/>
+        </a:defRPr>
+      </a:lvl3pPr>
+      <a:lvl4pPr marL="1028700" algn="l" defTabSz="685800" rtl="0" eaLnBrk="1" latinLnBrk="0" hangingPunct="1">
+        <a:defRPr sz="1350" kern="1200">
+          <a:solidFill>
+            <a:schemeClr val="tx1"/>
+          </a:solidFill>
+          <a:latin typeface="+mn-lt"/>
+          <a:ea typeface="+mn-ea"/>
+          <a:cs typeface="+mn-cs"/>
+        </a:defRPr>
+      </a:lvl4pPr>
+      <a:lvl5pPr marL="1371600" algn="l" defTabSz="685800" rtl="0" eaLnBrk="1" latinLnBrk="0" hangingPunct="1">
+        <a:defRPr sz="1350" kern="1200">
+          <a:solidFill>
+            <a:schemeClr val="tx1"/>
+          </a:solidFill>
+          <a:latin typeface="+mn-lt"/>
+          <a:ea typeface="+mn-ea"/>
+          <a:cs typeface="+mn-cs"/>
+        </a:defRPr>
+      </a:lvl5pPr>
+      <a:lvl6pPr marL="1714500" algn="l" defTabSz="685800" rtl="0" eaLnBrk="1" latinLnBrk="0" hangingPunct="1">
+        <a:defRPr sz="1350" kern="1200">
+          <a:solidFill>
+            <a:schemeClr val="tx1"/>
+          </a:solidFill>
+          <a:latin typeface="+mn-lt"/>
+          <a:ea typeface="+mn-ea"/>
+          <a:cs typeface="+mn-cs"/>
+        </a:defRPr>
+      </a:lvl6pPr>
+      <a:lvl7pPr marL="2057400" algn="l" defTabSz="685800" rtl="0" eaLnBrk="1" latinLnBrk="0" hangingPunct="1">
+        <a:defRPr sz="1350" kern="1200">
+          <a:solidFill>
+            <a:schemeClr val="tx1"/>
+          </a:solidFill>
+          <a:latin typeface="+mn-lt"/>
+          <a:ea typeface="+mn-ea"/>
+          <a:cs typeface="+mn-cs"/>
+        </a:defRPr>
+      </a:lvl7pPr>
+      <a:lvl8pPr marL="2400300" algn="l" defTabSz="685800" rtl="0" eaLnBrk="1" latinLnBrk="0" hangingPunct="1">
+        <a:defRPr sz="1350" kern="1200">
+          <a:solidFill>
+            <a:schemeClr val="tx1"/>
+          </a:solidFill>
+          <a:latin typeface="+mn-lt"/>
+          <a:ea typeface="+mn-ea"/>
+          <a:cs typeface="+mn-cs"/>
+        </a:defRPr>
+      </a:lvl8pPr>
+      <a:lvl9pPr marL="2743200" algn="l" defTabSz="685800" rtl="0" eaLnBrk="1" latinLnBrk="0" hangingPunct="1">
+        <a:defRPr sz="1350" kern="1200">
+          <a:solidFill>
+            <a:schemeClr val="tx1"/>
+          </a:solidFill>
+          <a:latin typeface="+mn-lt"/>
+          <a:ea typeface="+mn-ea"/>
+          <a:cs typeface="+mn-cs"/>
+        </a:defRPr>
+      </a:lvl9pPr>
+    </p:otherStyle>
+  </p:txStyles>
+</p:sldMaster>
+</file>
+
 <file path=ppt/slides/slide1.xml><?xml version="1.0" encoding="utf-8"?>
 <p:sld xmlns:a="http://schemas.openxmlformats.org/drawingml/2006/main" xmlns:r="http://schemas.openxmlformats.org/officeDocument/2006/relationships" xmlns:p="http://schemas.openxmlformats.org/presentationml/2006/main">
   <p:cSld>
@@ -8357,7 +10888,7 @@
           <p:nvPr/>
         </p:nvPicPr>
         <p:blipFill>
-          <a:blip r:embed="rId2">
+          <a:blip r:embed="rId3">
             <a:extLst>
               <a:ext uri="{28A0092B-C50C-407E-A947-70E740481C1C}">
                 <a14:useLocalDpi xmlns:a14="http://schemas.microsoft.com/office/drawing/2010/main" val="0"/>
@@ -8428,42 +10959,6 @@
           <a:p>
             <a:pPr algn="ctr"/>
             <a:endParaRPr lang="en-US"/>
-          </a:p>
-        </p:txBody>
-      </p:sp>
-      <p:sp>
-        <p:nvSpPr>
-          <p:cNvPr id="2" name="Slide Number Placeholder 1"/>
-          <p:cNvSpPr>
-            <a:spLocks noGrp="1"/>
-          </p:cNvSpPr>
-          <p:nvPr>
-            <p:ph type="sldNum" sz="quarter" idx="10"/>
-          </p:nvPr>
-        </p:nvSpPr>
-        <p:spPr/>
-        <p:txBody>
-          <a:bodyPr/>
-          <a:lstStyle/>
-          <a:p>
-            <a:fld id="{D8D877B3-D348-4611-9BDB-C5374591D951}" type="slidenum">
-              <a:rPr lang="en-US" smtClean="0">
-                <a:solidFill>
-                  <a:schemeClr val="bg1">
-                    <a:alpha val="70000"/>
-                  </a:schemeClr>
-                </a:solidFill>
-              </a:rPr>
-              <a:pPr/>
-              <a:t>1</a:t>
-            </a:fld>
-            <a:endParaRPr lang="en-US" dirty="0">
-              <a:solidFill>
-                <a:schemeClr val="bg1">
-                  <a:alpha val="70000"/>
-                </a:schemeClr>
-              </a:solidFill>
-            </a:endParaRPr>
           </a:p>
         </p:txBody>
       </p:sp>
@@ -8552,7 +11047,7 @@
                   <a:schemeClr val="bg1"/>
                 </a:solidFill>
               </a:rPr>
-              <a:t>“Using AI and robotics to entertain cats”</a:t>
+              <a:t>Using AI and Robotics to Entertain Cats</a:t>
             </a:r>
           </a:p>
         </p:txBody>
@@ -8724,7 +11219,7 @@
           <p:nvPr/>
         </p:nvPicPr>
         <p:blipFill>
-          <a:blip r:embed="rId3">
+          <a:blip r:embed="rId4">
             <a:extLst>
               <a:ext uri="{28A0092B-C50C-407E-A947-70E740481C1C}">
                 <a14:useLocalDpi xmlns:a14="http://schemas.microsoft.com/office/drawing/2010/main" val="0"/>
@@ -8761,17 +11256,9 @@
 <file path=ppt/slides/slide2.xml><?xml version="1.0" encoding="utf-8"?>
 <p:sld xmlns:a="http://schemas.openxmlformats.org/drawingml/2006/main" xmlns:r="http://schemas.openxmlformats.org/officeDocument/2006/relationships" xmlns:p="http://schemas.openxmlformats.org/presentationml/2006/main">
   <p:cSld>
-    <p:bg>
-      <p:bgPr>
-        <a:solidFill>
-          <a:schemeClr val="bg2"/>
-        </a:solidFill>
-        <a:effectLst/>
-      </p:bgPr>
-    </p:bg>
     <p:spTree>
       <p:nvGrpSpPr>
-        <p:cNvPr id="1" name=""/>
+        <p:cNvPr id="1" name="Shape 53"/>
         <p:cNvGrpSpPr/>
         <p:nvPr/>
       </p:nvGrpSpPr>
@@ -8785,43 +11272,10 @@
       </p:grpSpPr>
       <p:sp>
         <p:nvSpPr>
-          <p:cNvPr id="3" name="Title 3">
+          <p:cNvPr id="9" name="TextBox 8">
             <a:extLst>
               <a:ext uri="{FF2B5EF4-FFF2-40B4-BE49-F238E27FC236}">
-                <a16:creationId xmlns:a16="http://schemas.microsoft.com/office/drawing/2014/main" id="{85765818-B9B8-437D-AF80-8FDD9B6F2C35}"/>
-              </a:ext>
-            </a:extLst>
-          </p:cNvPr>
-          <p:cNvSpPr>
-            <a:spLocks noGrp="1"/>
-          </p:cNvSpPr>
-          <p:nvPr>
-            <p:ph type="title"/>
-          </p:nvPr>
-        </p:nvSpPr>
-        <p:spPr>
-          <a:xfrm>
-            <a:off x="1448970" y="265264"/>
-            <a:ext cx="8856009" cy="1346637"/>
-          </a:xfrm>
-        </p:spPr>
-        <p:txBody>
-          <a:bodyPr/>
-          <a:lstStyle/>
-          <a:p>
-            <a:r>
-              <a:rPr lang="en-US" sz="4200" dirty="0"/>
-              <a:t>PROJECT DESCRIPTION</a:t>
-            </a:r>
-          </a:p>
-        </p:txBody>
-      </p:sp>
-      <p:sp>
-        <p:nvSpPr>
-          <p:cNvPr id="5" name="TextBox 4">
-            <a:extLst>
-              <a:ext uri="{FF2B5EF4-FFF2-40B4-BE49-F238E27FC236}">
-                <a16:creationId xmlns:a16="http://schemas.microsoft.com/office/drawing/2014/main" id="{A7D3C7C8-A89A-456F-B59E-9E71733F0FF4}"/>
+                <a16:creationId xmlns:a16="http://schemas.microsoft.com/office/drawing/2014/main" id="{3AAF71F4-B8F1-499B-B938-DCCB4245875E}"/>
               </a:ext>
             </a:extLst>
           </p:cNvPr>
@@ -8830,8 +11284,8 @@
         </p:nvSpPr>
         <p:spPr>
           <a:xfrm>
-            <a:off x="1377051" y="2182907"/>
-            <a:ext cx="5763489" cy="3416320"/>
+            <a:off x="729779" y="1210637"/>
+            <a:ext cx="6965564" cy="4031873"/>
           </a:xfrm>
           <a:prstGeom prst="rect">
             <a:avLst/>
@@ -8845,8 +11299,11 @@
           <a:lstStyle/>
           <a:p>
             <a:pPr marL="342900" indent="-342900">
-              <a:buFontTx/>
-              <a:buChar char="-"/>
+              <a:spcAft>
+                <a:spcPts val="1200"/>
+              </a:spcAft>
+              <a:buFont typeface="Arial" panose="020B0604020202020204" pitchFamily="34" charset="0"/>
+              <a:buChar char="•"/>
             </a:pPr>
             <a:r>
               <a:rPr lang="en-GB" sz="2400" dirty="0"/>
@@ -8855,18 +11312,24 @@
           </a:p>
           <a:p>
             <a:pPr marL="342900" indent="-342900">
-              <a:buFontTx/>
-              <a:buChar char="-"/>
+              <a:spcAft>
+                <a:spcPts val="1200"/>
+              </a:spcAft>
+              <a:buFont typeface="Arial" panose="020B0604020202020204" pitchFamily="34" charset="0"/>
+              <a:buChar char="•"/>
             </a:pPr>
             <a:r>
               <a:rPr lang="en-GB" sz="2400" dirty="0"/>
-              <a:t>Based on “catch the mouse” style toys available online</a:t>
+              <a:t>Based on “catch the mouse” style toys available on the market</a:t>
             </a:r>
           </a:p>
           <a:p>
             <a:pPr marL="342900" indent="-342900">
-              <a:buFontTx/>
-              <a:buChar char="-"/>
+              <a:spcAft>
+                <a:spcPts val="1200"/>
+              </a:spcAft>
+              <a:buFont typeface="Arial" panose="020B0604020202020204" pitchFamily="34" charset="0"/>
+              <a:buChar char="•"/>
             </a:pPr>
             <a:r>
               <a:rPr lang="en-GB" sz="2400" dirty="0"/>
@@ -8875,8 +11338,11 @@
           </a:p>
           <a:p>
             <a:pPr marL="342900" indent="-342900">
-              <a:buFontTx/>
-              <a:buChar char="-"/>
+              <a:spcAft>
+                <a:spcPts val="1200"/>
+              </a:spcAft>
+              <a:buFont typeface="Arial" panose="020B0604020202020204" pitchFamily="34" charset="0"/>
+              <a:buChar char="•"/>
             </a:pPr>
             <a:r>
               <a:rPr lang="en-GB" sz="2400" dirty="0"/>
@@ -8885,8 +11351,11 @@
           </a:p>
           <a:p>
             <a:pPr marL="342900" indent="-342900">
-              <a:buFontTx/>
-              <a:buChar char="-"/>
+              <a:spcAft>
+                <a:spcPts val="1200"/>
+              </a:spcAft>
+              <a:buFont typeface="Arial" panose="020B0604020202020204" pitchFamily="34" charset="0"/>
+              <a:buChar char="•"/>
             </a:pPr>
             <a:r>
               <a:rPr lang="en-GB" sz="2400" dirty="0"/>
@@ -8897,57 +11366,10 @@
       </p:sp>
       <p:pic>
         <p:nvPicPr>
-          <p:cNvPr id="2050" name="Picture 2" descr="ASAB Pet Cat Kitten Catch The Mouse Plush Motion Chase Toy Claw Care Moving  Play Scratching Pad Mat: Amazon.co.uk: Pet Supplies">
+          <p:cNvPr id="10" name="Picture 2" descr="ASAB Pet Cat Kitten Catch The Mouse Plush Motion Chase Toy Claw Care Moving  Play Scratching Pad Mat: Amazon.co.uk: Pet Supplies">
             <a:extLst>
               <a:ext uri="{FF2B5EF4-FFF2-40B4-BE49-F238E27FC236}">
-                <a16:creationId xmlns:a16="http://schemas.microsoft.com/office/drawing/2014/main" id="{A83A0931-65CF-47AC-9410-8E41362A7EB9}"/>
-              </a:ext>
-            </a:extLst>
-          </p:cNvPr>
-          <p:cNvPicPr>
-            <a:picLocks noChangeAspect="1" noChangeArrowheads="1"/>
-          </p:cNvPicPr>
-          <p:nvPr/>
-        </p:nvPicPr>
-        <p:blipFill>
-          <a:blip r:embed="rId2">
-            <a:extLst>
-              <a:ext uri="{28A0092B-C50C-407E-A947-70E740481C1C}">
-                <a14:useLocalDpi xmlns:a14="http://schemas.microsoft.com/office/drawing/2010/main" val="0"/>
-              </a:ext>
-            </a:extLst>
-          </a:blip>
-          <a:srcRect/>
-          <a:stretch>
-            <a:fillRect/>
-          </a:stretch>
-        </p:blipFill>
-        <p:spPr bwMode="auto">
-          <a:xfrm>
-            <a:off x="8177372" y="1303104"/>
-            <a:ext cx="2827963" cy="2827963"/>
-          </a:xfrm>
-          <a:prstGeom prst="rect">
-            <a:avLst/>
-          </a:prstGeom>
-          <a:noFill/>
-          <a:extLst>
-            <a:ext uri="{909E8E84-426E-40DD-AFC4-6F175D3DCCD1}">
-              <a14:hiddenFill xmlns:a14="http://schemas.microsoft.com/office/drawing/2010/main">
-                <a:solidFill>
-                  <a:srgbClr val="FFFFFF"/>
-                </a:solidFill>
-              </a14:hiddenFill>
-            </a:ext>
-          </a:extLst>
-        </p:spPr>
-      </p:pic>
-      <p:pic>
-        <p:nvPicPr>
-          <p:cNvPr id="2052" name="Picture 4" descr="Raspberry Pi Zero W – Pimoroni">
-            <a:extLst>
-              <a:ext uri="{FF2B5EF4-FFF2-40B4-BE49-F238E27FC236}">
-                <a16:creationId xmlns:a16="http://schemas.microsoft.com/office/drawing/2014/main" id="{7D0264C2-EE88-4EA2-8536-BE71A8CF6ACD}"/>
+                <a16:creationId xmlns:a16="http://schemas.microsoft.com/office/drawing/2014/main" id="{FCD6EF27-FC76-4D64-8065-66D6B9B46A1E}"/>
               </a:ext>
             </a:extLst>
           </p:cNvPr>
@@ -8971,8 +11393,8 @@
         </p:blipFill>
         <p:spPr bwMode="auto">
           <a:xfrm>
-            <a:off x="8177372" y="4131067"/>
-            <a:ext cx="2726933" cy="2726933"/>
+            <a:off x="8464305" y="1210637"/>
+            <a:ext cx="2827963" cy="2827963"/>
           </a:xfrm>
           <a:prstGeom prst="rect">
             <a:avLst/>
@@ -8989,194 +11411,59 @@
           </a:extLst>
         </p:spPr>
       </p:pic>
-    </p:spTree>
-    <p:extLst>
-      <p:ext uri="{BB962C8B-B14F-4D97-AF65-F5344CB8AC3E}">
-        <p14:creationId xmlns:p14="http://schemas.microsoft.com/office/powerpoint/2010/main" val="377480830"/>
-      </p:ext>
-    </p:extLst>
-  </p:cSld>
-  <p:clrMapOvr>
-    <a:masterClrMapping/>
-  </p:clrMapOvr>
-</p:sld>
-</file>
-
-<file path=ppt/slides/slide3.xml><?xml version="1.0" encoding="utf-8"?>
-<p:sld xmlns:a="http://schemas.openxmlformats.org/drawingml/2006/main" xmlns:r="http://schemas.openxmlformats.org/officeDocument/2006/relationships" xmlns:p="http://schemas.openxmlformats.org/presentationml/2006/main">
-  <p:cSld>
-    <p:spTree>
-      <p:nvGrpSpPr>
-        <p:cNvPr id="1" name=""/>
-        <p:cNvGrpSpPr/>
-        <p:nvPr/>
-      </p:nvGrpSpPr>
-      <p:grpSpPr>
-        <a:xfrm>
-          <a:off x="0" y="0"/>
-          <a:ext cx="0" cy="0"/>
-          <a:chOff x="0" y="0"/>
-          <a:chExt cx="0" cy="0"/>
-        </a:xfrm>
-      </p:grpSpPr>
-      <p:sp>
-        <p:nvSpPr>
-          <p:cNvPr id="2" name="Slide Number Placeholder 1">
+      <p:pic>
+        <p:nvPicPr>
+          <p:cNvPr id="11" name="Picture 4" descr="Raspberry Pi Zero W – Pimoroni">
             <a:extLst>
               <a:ext uri="{FF2B5EF4-FFF2-40B4-BE49-F238E27FC236}">
-                <a16:creationId xmlns:a16="http://schemas.microsoft.com/office/drawing/2014/main" id="{3E880399-3387-AC46-8D03-CBDD95393991}"/>
+                <a16:creationId xmlns:a16="http://schemas.microsoft.com/office/drawing/2014/main" id="{706F4550-EE59-41B9-9175-B0EE0E9A2C86}"/>
               </a:ext>
             </a:extLst>
           </p:cNvPr>
-          <p:cNvSpPr>
-            <a:spLocks noGrp="1"/>
-          </p:cNvSpPr>
-          <p:nvPr>
-            <p:ph type="sldNum" sz="quarter" idx="10"/>
-          </p:nvPr>
-        </p:nvSpPr>
-        <p:spPr/>
-        <p:txBody>
-          <a:bodyPr/>
-          <a:lstStyle/>
-          <a:p>
-            <a:fld id="{D8D877B3-D348-4611-9BDB-C5374591D951}" type="slidenum">
-              <a:rPr lang="en-US" smtClean="0"/>
-              <a:pPr/>
-              <a:t>3</a:t>
-            </a:fld>
-            <a:endParaRPr lang="en-US" dirty="0"/>
-          </a:p>
-        </p:txBody>
-      </p:sp>
-      <p:sp>
-        <p:nvSpPr>
-          <p:cNvPr id="7" name="TextBox 6">
+          <p:cNvPicPr>
+            <a:picLocks noChangeAspect="1" noChangeArrowheads="1"/>
+          </p:cNvPicPr>
+          <p:nvPr/>
+        </p:nvPicPr>
+        <p:blipFill>
+          <a:blip r:embed="rId4">
             <a:extLst>
-              <a:ext uri="{FF2B5EF4-FFF2-40B4-BE49-F238E27FC236}">
-                <a16:creationId xmlns:a16="http://schemas.microsoft.com/office/drawing/2014/main" id="{9CFD1F0D-51B7-4C4A-9FC0-84248ED54BBE}"/>
+              <a:ext uri="{28A0092B-C50C-407E-A947-70E740481C1C}">
+                <a14:useLocalDpi xmlns:a14="http://schemas.microsoft.com/office/drawing/2010/main" val="0"/>
               </a:ext>
             </a:extLst>
-          </p:cNvPr>
-          <p:cNvSpPr txBox="1"/>
-          <p:nvPr/>
-        </p:nvSpPr>
-        <p:spPr>
-          <a:xfrm>
-            <a:off x="1572259" y="1246156"/>
-            <a:ext cx="10130006" cy="4708981"/>
+          </a:blip>
+          <a:srcRect/>
+          <a:stretch>
+            <a:fillRect/>
+          </a:stretch>
+        </p:blipFill>
+        <p:spPr bwMode="auto">
+          <a:xfrm>
+            <a:off x="8514821" y="4043385"/>
+            <a:ext cx="2726933" cy="2726933"/>
           </a:xfrm>
           <a:prstGeom prst="rect">
             <a:avLst/>
           </a:prstGeom>
           <a:noFill/>
-        </p:spPr>
-        <p:txBody>
-          <a:bodyPr wrap="square" lIns="0" rIns="0" rtlCol="0">
-            <a:spAutoFit/>
-          </a:bodyPr>
-          <a:lstStyle/>
-          <a:p>
-            <a:r>
-              <a:rPr lang="en-GB" sz="2000" b="1" u="sng" dirty="0"/>
-              <a:t>MAJOR GOALS</a:t>
-            </a:r>
-          </a:p>
-          <a:p>
-            <a:endParaRPr lang="en-GB" sz="2000" b="1" dirty="0"/>
-          </a:p>
-          <a:p>
-            <a:pPr marL="285750" indent="-285750">
-              <a:buFont typeface="Arial" panose="020B0604020202020204" pitchFamily="34" charset="0"/>
-              <a:buChar char="•"/>
-            </a:pPr>
-            <a:r>
-              <a:rPr lang="en-GB" sz="2000" b="1" dirty="0"/>
-              <a:t>Implement movement of robot</a:t>
-            </a:r>
-          </a:p>
-          <a:p>
-            <a:pPr marL="285750" indent="-285750">
-              <a:buFont typeface="Arial" panose="020B0604020202020204" pitchFamily="34" charset="0"/>
-              <a:buChar char="•"/>
-            </a:pPr>
-            <a:r>
-              <a:rPr lang="en-GB" sz="2000" b="1" dirty="0"/>
-              <a:t>Implement basic AI object recognition</a:t>
-            </a:r>
-          </a:p>
-          <a:p>
-            <a:pPr marL="285750" indent="-285750">
-              <a:buFont typeface="Arial" panose="020B0604020202020204" pitchFamily="34" charset="0"/>
-              <a:buChar char="•"/>
-            </a:pPr>
-            <a:r>
-              <a:rPr lang="en-GB" sz="2000" b="1" dirty="0"/>
-              <a:t>House all components as compactly as possible within the robot</a:t>
-            </a:r>
-          </a:p>
-          <a:p>
-            <a:endParaRPr lang="en-GB" sz="2000" b="1" dirty="0"/>
-          </a:p>
-          <a:p>
-            <a:r>
-              <a:rPr lang="en-GB" sz="2000" b="1" u="sng" dirty="0"/>
-              <a:t>MINOR GOALS</a:t>
-            </a:r>
-          </a:p>
-          <a:p>
-            <a:endParaRPr lang="en-GB" sz="2000" b="1" dirty="0"/>
-          </a:p>
-          <a:p>
-            <a:pPr marL="285750" indent="-285750">
-              <a:buFont typeface="Arial" panose="020B0604020202020204" pitchFamily="34" charset="0"/>
-              <a:buChar char="•"/>
-            </a:pPr>
-            <a:r>
-              <a:rPr lang="en-GB" sz="2000" dirty="0"/>
-              <a:t>Implement more advanced object recognition algorithms to allow robot to adapt to its environment</a:t>
-            </a:r>
-          </a:p>
-          <a:p>
-            <a:pPr marL="285750" indent="-285750">
-              <a:buFont typeface="Arial" panose="020B0604020202020204" pitchFamily="34" charset="0"/>
-              <a:buChar char="•"/>
-            </a:pPr>
-            <a:r>
-              <a:rPr lang="en-GB" sz="2000" dirty="0"/>
-              <a:t>Create an aesthetically pleasing robot to the cat to increase cat engagement</a:t>
-            </a:r>
-          </a:p>
-          <a:p>
-            <a:endParaRPr lang="en-GB" sz="2000" b="1" dirty="0"/>
-          </a:p>
-          <a:p>
-            <a:r>
-              <a:rPr lang="en-GB" sz="2000" b="1" u="sng" dirty="0"/>
-              <a:t>OPTIONAL (STRETCH) GOAL</a:t>
-            </a:r>
-          </a:p>
-          <a:p>
-            <a:endParaRPr lang="en-GB" sz="2000" i="1" u="sng" dirty="0"/>
-          </a:p>
-          <a:p>
-            <a:pPr marL="285750" indent="-285750">
-              <a:buFont typeface="Arial" panose="020B0604020202020204" pitchFamily="34" charset="0"/>
-              <a:buChar char="•"/>
-            </a:pPr>
-            <a:r>
-              <a:rPr lang="en-GB" sz="2000" dirty="0"/>
-              <a:t>Incorporate machine learning techniques to allow robot to adapt to cat behaviour</a:t>
-            </a:r>
-          </a:p>
-        </p:txBody>
-      </p:sp>
-      <p:sp>
-        <p:nvSpPr>
-          <p:cNvPr id="8" name="Title 3">
+          <a:extLst>
+            <a:ext uri="{909E8E84-426E-40DD-AFC4-6F175D3DCCD1}">
+              <a14:hiddenFill xmlns:a14="http://schemas.microsoft.com/office/drawing/2010/main">
+                <a:solidFill>
+                  <a:srgbClr val="FFFFFF"/>
+                </a:solidFill>
+              </a14:hiddenFill>
+            </a:ext>
+          </a:extLst>
+        </p:spPr>
+      </p:pic>
+      <p:sp>
+        <p:nvSpPr>
+          <p:cNvPr id="13" name="Title 3">
             <a:extLst>
               <a:ext uri="{FF2B5EF4-FFF2-40B4-BE49-F238E27FC236}">
-                <a16:creationId xmlns:a16="http://schemas.microsoft.com/office/drawing/2014/main" id="{7D952E53-AB1F-4803-BC59-A1814DF4EEC5}"/>
+                <a16:creationId xmlns:a16="http://schemas.microsoft.com/office/drawing/2014/main" id="{CD5A7A72-F588-4EA0-9F24-FFA9E16800DF}"/>
               </a:ext>
             </a:extLst>
           </p:cNvPr>
@@ -9187,7 +11474,7 @@
         </p:nvSpPr>
         <p:spPr>
           <a:xfrm>
-            <a:off x="1448970" y="265264"/>
+            <a:off x="2385745" y="133821"/>
             <a:ext cx="8856009" cy="1346637"/>
           </a:xfrm>
           <a:prstGeom prst="rect">
@@ -9219,9 +11506,39 @@
             </a:lvl1pPr>
           </a:lstStyle>
           <a:p>
-            <a:r>
-              <a:rPr lang="en-US" sz="4200" dirty="0"/>
-              <a:t>AIMS AND OBJECTIVES</a:t>
+            <a:pPr marL="0" marR="0" lvl="0" indent="0" algn="l" defTabSz="914318" rtl="0" eaLnBrk="1" fontAlgn="auto" latinLnBrk="0" hangingPunct="1">
+              <a:lnSpc>
+                <a:spcPct val="80000"/>
+              </a:lnSpc>
+              <a:spcBef>
+                <a:spcPct val="0"/>
+              </a:spcBef>
+              <a:spcAft>
+                <a:spcPts val="0"/>
+              </a:spcAft>
+              <a:buClrTx/>
+              <a:buSzTx/>
+              <a:buFontTx/>
+              <a:buNone/>
+              <a:tabLst/>
+              <a:defRPr/>
+            </a:pPr>
+            <a:r>
+              <a:rPr kumimoji="0" lang="en-US" sz="4200" b="0" i="0" u="none" strike="noStrike" kern="1200" cap="none" spc="0" normalizeH="0" baseline="0" noProof="0" dirty="0">
+                <a:ln>
+                  <a:noFill/>
+                </a:ln>
+                <a:solidFill>
+                  <a:srgbClr val="2B2B2B"/>
+                </a:solidFill>
+                <a:effectLst/>
+                <a:uLnTx/>
+                <a:uFillTx/>
+                <a:latin typeface="Arial Black" panose="020B0A04020102020204"/>
+                <a:ea typeface="+mj-ea"/>
+                <a:cs typeface="+mj-cs"/>
+              </a:rPr>
+              <a:t>PROJECT DESCRIPTION</a:t>
             </a:r>
           </a:p>
         </p:txBody>
@@ -9229,7 +11546,304 @@
     </p:spTree>
     <p:extLst>
       <p:ext uri="{BB962C8B-B14F-4D97-AF65-F5344CB8AC3E}">
-        <p14:creationId xmlns:p14="http://schemas.microsoft.com/office/powerpoint/2010/main" val="384371188"/>
+        <p14:creationId xmlns:p14="http://schemas.microsoft.com/office/powerpoint/2010/main" val="2642498679"/>
+      </p:ext>
+    </p:extLst>
+  </p:cSld>
+  <p:clrMapOvr>
+    <a:masterClrMapping/>
+  </p:clrMapOvr>
+</p:sld>
+</file>
+
+<file path=ppt/slides/slide3.xml><?xml version="1.0" encoding="utf-8"?>
+<p:sld xmlns:a="http://schemas.openxmlformats.org/drawingml/2006/main" xmlns:r="http://schemas.openxmlformats.org/officeDocument/2006/relationships" xmlns:p="http://schemas.openxmlformats.org/presentationml/2006/main">
+  <p:cSld>
+    <p:spTree>
+      <p:nvGrpSpPr>
+        <p:cNvPr id="1" name="Shape 53"/>
+        <p:cNvGrpSpPr/>
+        <p:nvPr/>
+      </p:nvGrpSpPr>
+      <p:grpSpPr>
+        <a:xfrm>
+          <a:off x="0" y="0"/>
+          <a:ext cx="0" cy="0"/>
+          <a:chOff x="0" y="0"/>
+          <a:chExt cx="0" cy="0"/>
+        </a:xfrm>
+      </p:grpSpPr>
+      <p:sp>
+        <p:nvSpPr>
+          <p:cNvPr id="10" name="TextBox 9">
+            <a:extLst>
+              <a:ext uri="{FF2B5EF4-FFF2-40B4-BE49-F238E27FC236}">
+                <a16:creationId xmlns:a16="http://schemas.microsoft.com/office/drawing/2014/main" id="{ECB51298-74B6-4D25-A201-F59FFA5F231B}"/>
+              </a:ext>
+            </a:extLst>
+          </p:cNvPr>
+          <p:cNvSpPr txBox="1"/>
+          <p:nvPr/>
+        </p:nvSpPr>
+        <p:spPr>
+          <a:xfrm>
+            <a:off x="1030997" y="1053454"/>
+            <a:ext cx="10130006" cy="5478423"/>
+          </a:xfrm>
+          <a:prstGeom prst="rect">
+            <a:avLst/>
+          </a:prstGeom>
+          <a:noFill/>
+        </p:spPr>
+        <p:txBody>
+          <a:bodyPr wrap="square" lIns="0" rIns="0" rtlCol="0">
+            <a:spAutoFit/>
+          </a:bodyPr>
+          <a:lstStyle/>
+          <a:p>
+            <a:r>
+              <a:rPr lang="en-GB" sz="2000" b="1" u="sng" dirty="0">
+                <a:solidFill>
+                  <a:srgbClr val="2B2B2B"/>
+                </a:solidFill>
+                <a:latin typeface="Arial" panose="020B0604020202020204"/>
+              </a:rPr>
+              <a:t>MAJOR GOALS</a:t>
+            </a:r>
+          </a:p>
+          <a:p>
+            <a:endParaRPr lang="en-GB" sz="2000" b="1" dirty="0">
+              <a:solidFill>
+                <a:srgbClr val="2B2B2B"/>
+              </a:solidFill>
+              <a:latin typeface="Arial" panose="020B0604020202020204"/>
+            </a:endParaRPr>
+          </a:p>
+          <a:p>
+            <a:pPr marL="285750" indent="-285750">
+              <a:spcAft>
+                <a:spcPts val="1200"/>
+              </a:spcAft>
+              <a:buFont typeface="Arial" panose="020B0604020202020204" pitchFamily="34" charset="0"/>
+              <a:buChar char="•"/>
+            </a:pPr>
+            <a:r>
+              <a:rPr lang="en-GB" sz="2000" dirty="0">
+                <a:solidFill>
+                  <a:srgbClr val="2B2B2B"/>
+                </a:solidFill>
+                <a:latin typeface="Arial" panose="020B0604020202020204"/>
+              </a:rPr>
+              <a:t>Implement movement of robot</a:t>
+            </a:r>
+          </a:p>
+          <a:p>
+            <a:pPr marL="285750" indent="-285750">
+              <a:spcAft>
+                <a:spcPts val="1200"/>
+              </a:spcAft>
+              <a:buFont typeface="Arial" panose="020B0604020202020204" pitchFamily="34" charset="0"/>
+              <a:buChar char="•"/>
+            </a:pPr>
+            <a:r>
+              <a:rPr lang="en-GB" sz="2000" dirty="0">
+                <a:solidFill>
+                  <a:srgbClr val="2B2B2B"/>
+                </a:solidFill>
+                <a:latin typeface="Arial" panose="020B0604020202020204"/>
+              </a:rPr>
+              <a:t>Implement basic AI object recognition</a:t>
+            </a:r>
+          </a:p>
+          <a:p>
+            <a:pPr marL="285750" indent="-285750">
+              <a:spcAft>
+                <a:spcPts val="1200"/>
+              </a:spcAft>
+              <a:buFont typeface="Arial" panose="020B0604020202020204" pitchFamily="34" charset="0"/>
+              <a:buChar char="•"/>
+            </a:pPr>
+            <a:r>
+              <a:rPr lang="en-GB" sz="2000" dirty="0">
+                <a:solidFill>
+                  <a:srgbClr val="2B2B2B"/>
+                </a:solidFill>
+                <a:latin typeface="Arial" panose="020B0604020202020204"/>
+              </a:rPr>
+              <a:t>House all components as compactly as possible within the robot</a:t>
+            </a:r>
+          </a:p>
+          <a:p>
+            <a:endParaRPr lang="en-GB" sz="2000" b="1" dirty="0">
+              <a:solidFill>
+                <a:srgbClr val="2B2B2B"/>
+              </a:solidFill>
+              <a:latin typeface="Arial" panose="020B0604020202020204"/>
+            </a:endParaRPr>
+          </a:p>
+          <a:p>
+            <a:r>
+              <a:rPr lang="en-GB" sz="2000" b="1" u="sng" dirty="0">
+                <a:solidFill>
+                  <a:srgbClr val="2B2B2B"/>
+                </a:solidFill>
+                <a:latin typeface="Arial" panose="020B0604020202020204"/>
+              </a:rPr>
+              <a:t>MINOR GOALS</a:t>
+            </a:r>
+          </a:p>
+          <a:p>
+            <a:endParaRPr lang="en-GB" sz="2000" b="1" dirty="0">
+              <a:solidFill>
+                <a:srgbClr val="2B2B2B"/>
+              </a:solidFill>
+              <a:latin typeface="Arial" panose="020B0604020202020204"/>
+            </a:endParaRPr>
+          </a:p>
+          <a:p>
+            <a:pPr marL="285750" indent="-285750">
+              <a:spcAft>
+                <a:spcPts val="1200"/>
+              </a:spcAft>
+              <a:buFont typeface="Arial" panose="020B0604020202020204" pitchFamily="34" charset="0"/>
+              <a:buChar char="•"/>
+            </a:pPr>
+            <a:r>
+              <a:rPr lang="en-GB" sz="2000" dirty="0">
+                <a:solidFill>
+                  <a:srgbClr val="2B2B2B"/>
+                </a:solidFill>
+                <a:latin typeface="Arial" panose="020B0604020202020204"/>
+              </a:rPr>
+              <a:t>Implement more advanced object recognition algorithms to allow robot to adapt to its environment</a:t>
+            </a:r>
+          </a:p>
+          <a:p>
+            <a:pPr marL="285750" indent="-285750">
+              <a:spcAft>
+                <a:spcPts val="1200"/>
+              </a:spcAft>
+              <a:buFont typeface="Arial" panose="020B0604020202020204" pitchFamily="34" charset="0"/>
+              <a:buChar char="•"/>
+            </a:pPr>
+            <a:r>
+              <a:rPr lang="en-GB" sz="2000" dirty="0">
+                <a:solidFill>
+                  <a:srgbClr val="2B2B2B"/>
+                </a:solidFill>
+                <a:latin typeface="Arial" panose="020B0604020202020204"/>
+              </a:rPr>
+              <a:t>Create an aesthetically pleasing robot to the cat to increase cat engagement</a:t>
+            </a:r>
+          </a:p>
+          <a:p>
+            <a:endParaRPr lang="en-GB" sz="2000" b="1" dirty="0">
+              <a:solidFill>
+                <a:srgbClr val="2B2B2B"/>
+              </a:solidFill>
+              <a:latin typeface="Arial" panose="020B0604020202020204"/>
+            </a:endParaRPr>
+          </a:p>
+          <a:p>
+            <a:r>
+              <a:rPr lang="en-GB" sz="2000" b="1" u="sng" dirty="0">
+                <a:solidFill>
+                  <a:srgbClr val="2B2B2B"/>
+                </a:solidFill>
+                <a:latin typeface="Arial" panose="020B0604020202020204"/>
+              </a:rPr>
+              <a:t>STRETCH GOAL</a:t>
+            </a:r>
+          </a:p>
+          <a:p>
+            <a:endParaRPr lang="en-GB" sz="2000" i="1" u="sng" dirty="0">
+              <a:solidFill>
+                <a:srgbClr val="2B2B2B"/>
+              </a:solidFill>
+              <a:latin typeface="Arial" panose="020B0604020202020204"/>
+            </a:endParaRPr>
+          </a:p>
+          <a:p>
+            <a:pPr marL="285750" indent="-285750">
+              <a:buFont typeface="Arial" panose="020B0604020202020204" pitchFamily="34" charset="0"/>
+              <a:buChar char="•"/>
+            </a:pPr>
+            <a:r>
+              <a:rPr lang="en-GB" sz="2000" dirty="0">
+                <a:solidFill>
+                  <a:srgbClr val="2B2B2B"/>
+                </a:solidFill>
+                <a:latin typeface="Arial" panose="020B0604020202020204"/>
+              </a:rPr>
+              <a:t>Incorporate machine learning techniques to allow robot to adapt to cat behaviour</a:t>
+            </a:r>
+          </a:p>
+        </p:txBody>
+      </p:sp>
+      <p:sp>
+        <p:nvSpPr>
+          <p:cNvPr id="11" name="Title 3">
+            <a:extLst>
+              <a:ext uri="{FF2B5EF4-FFF2-40B4-BE49-F238E27FC236}">
+                <a16:creationId xmlns:a16="http://schemas.microsoft.com/office/drawing/2014/main" id="{DF4E98A8-C9CC-4937-BC82-03F18BE178A3}"/>
+              </a:ext>
+            </a:extLst>
+          </p:cNvPr>
+          <p:cNvSpPr txBox="1">
+            <a:spLocks/>
+          </p:cNvSpPr>
+          <p:nvPr/>
+        </p:nvSpPr>
+        <p:spPr>
+          <a:xfrm>
+            <a:off x="2630498" y="88740"/>
+            <a:ext cx="8856009" cy="1346637"/>
+          </a:xfrm>
+          <a:prstGeom prst="rect">
+            <a:avLst/>
+          </a:prstGeom>
+          <a:effectLst/>
+        </p:spPr>
+        <p:txBody>
+          <a:bodyPr vert="horz" lIns="0" tIns="192024" rIns="0" bIns="0" rtlCol="0" anchor="t" anchorCtr="0">
+            <a:noAutofit/>
+          </a:bodyPr>
+          <a:lstStyle>
+            <a:lvl1pPr algn="l" defTabSz="914318" rtl="0" eaLnBrk="1" latinLnBrk="0" hangingPunct="1">
+              <a:lnSpc>
+                <a:spcPct val="80000"/>
+              </a:lnSpc>
+              <a:spcBef>
+                <a:spcPct val="0"/>
+              </a:spcBef>
+              <a:buNone/>
+              <a:defRPr sz="3600" kern="1200" spc="0" baseline="0">
+                <a:solidFill>
+                  <a:schemeClr val="tx1"/>
+                </a:solidFill>
+                <a:latin typeface="+mj-lt"/>
+                <a:ea typeface="+mj-ea"/>
+                <a:cs typeface="+mj-cs"/>
+              </a:defRPr>
+            </a:lvl1pPr>
+          </a:lstStyle>
+          <a:p>
+            <a:r>
+              <a:rPr lang="en-US" sz="4200" dirty="0">
+                <a:solidFill>
+                  <a:srgbClr val="2B2B2B"/>
+                </a:solidFill>
+                <a:latin typeface="Arial Black" panose="020B0A04020102020204"/>
+              </a:rPr>
+              <a:t>AIMS AND OBJECTIVES</a:t>
+            </a:r>
+          </a:p>
+        </p:txBody>
+      </p:sp>
+    </p:spTree>
+    <p:extLst>
+      <p:ext uri="{BB962C8B-B14F-4D97-AF65-F5344CB8AC3E}">
+        <p14:creationId xmlns:p14="http://schemas.microsoft.com/office/powerpoint/2010/main" val="1948944603"/>
       </p:ext>
     </p:extLst>
   </p:cSld>
@@ -9240,6 +11854,1418 @@
 </file>
 
 <file path=ppt/slides/slide4.xml><?xml version="1.0" encoding="utf-8"?>
+<p:sld xmlns:a="http://schemas.openxmlformats.org/drawingml/2006/main" xmlns:r="http://schemas.openxmlformats.org/officeDocument/2006/relationships" xmlns:p="http://schemas.openxmlformats.org/presentationml/2006/main">
+  <p:cSld>
+    <p:spTree>
+      <p:nvGrpSpPr>
+        <p:cNvPr id="1" name="Shape 53"/>
+        <p:cNvGrpSpPr/>
+        <p:nvPr/>
+      </p:nvGrpSpPr>
+      <p:grpSpPr>
+        <a:xfrm>
+          <a:off x="0" y="0"/>
+          <a:ext cx="0" cy="0"/>
+          <a:chOff x="0" y="0"/>
+          <a:chExt cx="0" cy="0"/>
+        </a:xfrm>
+      </p:grpSpPr>
+      <p:sp>
+        <p:nvSpPr>
+          <p:cNvPr id="11" name="Title 3">
+            <a:extLst>
+              <a:ext uri="{FF2B5EF4-FFF2-40B4-BE49-F238E27FC236}">
+                <a16:creationId xmlns:a16="http://schemas.microsoft.com/office/drawing/2014/main" id="{6E799E37-7B2B-485B-B4A9-9A84943EEDBC}"/>
+              </a:ext>
+            </a:extLst>
+          </p:cNvPr>
+          <p:cNvSpPr txBox="1">
+            <a:spLocks/>
+          </p:cNvSpPr>
+          <p:nvPr/>
+        </p:nvSpPr>
+        <p:spPr>
+          <a:xfrm>
+            <a:off x="2442253" y="122285"/>
+            <a:ext cx="9075077" cy="757655"/>
+          </a:xfrm>
+          <a:prstGeom prst="rect">
+            <a:avLst/>
+          </a:prstGeom>
+          <a:effectLst/>
+        </p:spPr>
+        <p:txBody>
+          <a:bodyPr vert="horz" lIns="0" tIns="192024" rIns="0" bIns="0" rtlCol="0" anchor="t" anchorCtr="0">
+            <a:noAutofit/>
+          </a:bodyPr>
+          <a:lstStyle>
+            <a:lvl1pPr algn="l" defTabSz="914318" rtl="0" eaLnBrk="1" latinLnBrk="0" hangingPunct="1">
+              <a:lnSpc>
+                <a:spcPct val="80000"/>
+              </a:lnSpc>
+              <a:spcBef>
+                <a:spcPct val="0"/>
+              </a:spcBef>
+              <a:buNone/>
+              <a:defRPr sz="3600" kern="1200" spc="0" baseline="0">
+                <a:solidFill>
+                  <a:schemeClr val="tx1"/>
+                </a:solidFill>
+                <a:latin typeface="+mj-lt"/>
+                <a:ea typeface="+mj-ea"/>
+                <a:cs typeface="+mj-cs"/>
+              </a:defRPr>
+            </a:lvl1pPr>
+          </a:lstStyle>
+          <a:p>
+            <a:pPr marL="0" marR="0" lvl="0" indent="0" algn="l" defTabSz="914318" rtl="0" eaLnBrk="1" fontAlgn="auto" latinLnBrk="0" hangingPunct="1">
+              <a:lnSpc>
+                <a:spcPct val="80000"/>
+              </a:lnSpc>
+              <a:spcBef>
+                <a:spcPct val="0"/>
+              </a:spcBef>
+              <a:spcAft>
+                <a:spcPts val="0"/>
+              </a:spcAft>
+              <a:buClrTx/>
+              <a:buSzTx/>
+              <a:buFontTx/>
+              <a:buNone/>
+              <a:tabLst/>
+              <a:defRPr/>
+            </a:pPr>
+            <a:r>
+              <a:rPr kumimoji="0" lang="en-US" sz="4200" b="0" i="0" u="none" strike="noStrike" kern="1200" cap="none" spc="0" normalizeH="0" baseline="0" noProof="0" dirty="0">
+                <a:ln>
+                  <a:noFill/>
+                </a:ln>
+                <a:solidFill>
+                  <a:srgbClr val="2B2B2B"/>
+                </a:solidFill>
+                <a:effectLst/>
+                <a:uLnTx/>
+                <a:uFillTx/>
+                <a:latin typeface="Arial Black" panose="020B0A04020102020204"/>
+                <a:ea typeface="+mj-ea"/>
+                <a:cs typeface="+mj-cs"/>
+              </a:rPr>
+              <a:t>TECHNICAL OVERVIEW</a:t>
+            </a:r>
+          </a:p>
+        </p:txBody>
+      </p:sp>
+      <p:pic>
+        <p:nvPicPr>
+          <p:cNvPr id="12" name="Picture 11">
+            <a:extLst>
+              <a:ext uri="{FF2B5EF4-FFF2-40B4-BE49-F238E27FC236}">
+                <a16:creationId xmlns:a16="http://schemas.microsoft.com/office/drawing/2014/main" id="{7A693ADF-BCB0-4857-8B1D-2637DB761BD7}"/>
+              </a:ext>
+            </a:extLst>
+          </p:cNvPr>
+          <p:cNvPicPr/>
+          <p:nvPr/>
+        </p:nvPicPr>
+        <p:blipFill rotWithShape="1">
+          <a:blip r:embed="rId3"/>
+          <a:srcRect l="384" t="20485" r="44271" b="26728"/>
+          <a:stretch/>
+        </p:blipFill>
+        <p:spPr bwMode="auto">
+          <a:xfrm>
+            <a:off x="1661417" y="941585"/>
+            <a:ext cx="8188503" cy="4332889"/>
+          </a:xfrm>
+          <a:prstGeom prst="rect">
+            <a:avLst/>
+          </a:prstGeom>
+          <a:ln>
+            <a:noFill/>
+          </a:ln>
+          <a:extLst>
+            <a:ext uri="{53640926-AAD7-44D8-BBD7-CCE9431645EC}">
+              <a14:shadowObscured xmlns:a14="http://schemas.microsoft.com/office/drawing/2010/main"/>
+            </a:ext>
+          </a:extLst>
+        </p:spPr>
+      </p:pic>
+      <p:sp>
+        <p:nvSpPr>
+          <p:cNvPr id="13" name="TextBox 12">
+            <a:extLst>
+              <a:ext uri="{FF2B5EF4-FFF2-40B4-BE49-F238E27FC236}">
+                <a16:creationId xmlns:a16="http://schemas.microsoft.com/office/drawing/2014/main" id="{C97094B2-C538-415F-876F-E4FA1528E97D}"/>
+              </a:ext>
+            </a:extLst>
+          </p:cNvPr>
+          <p:cNvSpPr txBox="1"/>
+          <p:nvPr/>
+        </p:nvSpPr>
+        <p:spPr>
+          <a:xfrm>
+            <a:off x="1192116" y="5336119"/>
+            <a:ext cx="10764011" cy="1323439"/>
+          </a:xfrm>
+          <a:prstGeom prst="rect">
+            <a:avLst/>
+          </a:prstGeom>
+          <a:noFill/>
+        </p:spPr>
+        <p:txBody>
+          <a:bodyPr wrap="square" lIns="0" rIns="0" rtlCol="0">
+            <a:spAutoFit/>
+          </a:bodyPr>
+          <a:lstStyle/>
+          <a:p>
+            <a:pPr marL="342900" indent="-342900">
+              <a:spcAft>
+                <a:spcPts val="1200"/>
+              </a:spcAft>
+              <a:buFont typeface="Arial" panose="020B0604020202020204" pitchFamily="34" charset="0"/>
+              <a:buChar char="•"/>
+            </a:pPr>
+            <a:r>
+              <a:rPr lang="en-GB" sz="2000" dirty="0" err="1">
+                <a:solidFill>
+                  <a:srgbClr val="2B2B2B"/>
+                </a:solidFill>
+                <a:latin typeface="Arial" panose="020B0604020202020204"/>
+              </a:rPr>
+              <a:t>GpioZero</a:t>
+            </a:r>
+            <a:r>
+              <a:rPr lang="en-GB" sz="2000" dirty="0">
+                <a:solidFill>
+                  <a:srgbClr val="2B2B2B"/>
+                </a:solidFill>
+                <a:latin typeface="Arial" panose="020B0604020202020204"/>
+              </a:rPr>
+              <a:t> Python library used to work with motors for robot movement</a:t>
+            </a:r>
+          </a:p>
+          <a:p>
+            <a:pPr marL="342900" indent="-342900">
+              <a:spcAft>
+                <a:spcPts val="1200"/>
+              </a:spcAft>
+              <a:buFont typeface="Arial" panose="020B0604020202020204" pitchFamily="34" charset="0"/>
+              <a:buChar char="•"/>
+            </a:pPr>
+            <a:r>
+              <a:rPr lang="en-GB" sz="2000" dirty="0" err="1">
+                <a:solidFill>
+                  <a:srgbClr val="2B2B2B"/>
+                </a:solidFill>
+                <a:latin typeface="Arial" panose="020B0604020202020204"/>
+              </a:rPr>
+              <a:t>PiCamera</a:t>
+            </a:r>
+            <a:r>
+              <a:rPr lang="en-GB" sz="2000" dirty="0">
+                <a:solidFill>
+                  <a:srgbClr val="2B2B2B"/>
+                </a:solidFill>
+                <a:latin typeface="Arial" panose="020B0604020202020204"/>
+              </a:rPr>
+              <a:t> Python library used for camera to capture visual input</a:t>
+            </a:r>
+          </a:p>
+          <a:p>
+            <a:pPr marL="342900" indent="-342900">
+              <a:spcAft>
+                <a:spcPts val="1200"/>
+              </a:spcAft>
+              <a:buFont typeface="Arial" panose="020B0604020202020204" pitchFamily="34" charset="0"/>
+              <a:buChar char="•"/>
+            </a:pPr>
+            <a:r>
+              <a:rPr lang="en-GB" sz="2000" dirty="0">
+                <a:solidFill>
+                  <a:srgbClr val="2B2B2B"/>
+                </a:solidFill>
+                <a:latin typeface="Arial" panose="020B0604020202020204"/>
+              </a:rPr>
+              <a:t>Image recognition provided by OpenCV real-time object detection </a:t>
+            </a:r>
+          </a:p>
+        </p:txBody>
+      </p:sp>
+      <p:sp>
+        <p:nvSpPr>
+          <p:cNvPr id="2" name="TextBox 1">
+            <a:extLst>
+              <a:ext uri="{FF2B5EF4-FFF2-40B4-BE49-F238E27FC236}">
+                <a16:creationId xmlns:a16="http://schemas.microsoft.com/office/drawing/2014/main" id="{5A3B1254-36DA-4EDF-991D-C8DA008A521F}"/>
+              </a:ext>
+            </a:extLst>
+          </p:cNvPr>
+          <p:cNvSpPr txBox="1"/>
+          <p:nvPr/>
+        </p:nvSpPr>
+        <p:spPr>
+          <a:xfrm>
+            <a:off x="1928545" y="1306347"/>
+            <a:ext cx="1397285" cy="276999"/>
+          </a:xfrm>
+          <a:prstGeom prst="rect">
+            <a:avLst/>
+          </a:prstGeom>
+          <a:noFill/>
+          <a:ln>
+            <a:noFill/>
+          </a:ln>
+        </p:spPr>
+        <p:txBody>
+          <a:bodyPr wrap="square" rtlCol="0">
+            <a:spAutoFit/>
+          </a:bodyPr>
+          <a:lstStyle/>
+          <a:p>
+            <a:r>
+              <a:rPr lang="en-GB" sz="1200" dirty="0">
+                <a:latin typeface="Arial Black" panose="020B0A04020102020204" pitchFamily="34" charset="0"/>
+              </a:rPr>
+              <a:t>GPIO Pins</a:t>
+            </a:r>
+          </a:p>
+        </p:txBody>
+      </p:sp>
+      <p:sp>
+        <p:nvSpPr>
+          <p:cNvPr id="6" name="TextBox 5">
+            <a:extLst>
+              <a:ext uri="{FF2B5EF4-FFF2-40B4-BE49-F238E27FC236}">
+                <a16:creationId xmlns:a16="http://schemas.microsoft.com/office/drawing/2014/main" id="{9AAFC7FA-63A6-424D-B413-04BE9F9215F7}"/>
+              </a:ext>
+            </a:extLst>
+          </p:cNvPr>
+          <p:cNvSpPr txBox="1"/>
+          <p:nvPr/>
+        </p:nvSpPr>
+        <p:spPr>
+          <a:xfrm>
+            <a:off x="8276262" y="4787574"/>
+            <a:ext cx="1397285" cy="276999"/>
+          </a:xfrm>
+          <a:prstGeom prst="rect">
+            <a:avLst/>
+          </a:prstGeom>
+          <a:noFill/>
+          <a:ln>
+            <a:noFill/>
+          </a:ln>
+        </p:spPr>
+        <p:txBody>
+          <a:bodyPr wrap="square" rtlCol="0">
+            <a:spAutoFit/>
+          </a:bodyPr>
+          <a:lstStyle/>
+          <a:p>
+            <a:r>
+              <a:rPr lang="en-GB" sz="1200" dirty="0">
+                <a:latin typeface="Arial Black" panose="020B0A04020102020204" pitchFamily="34" charset="0"/>
+              </a:rPr>
+              <a:t>Motors</a:t>
+            </a:r>
+          </a:p>
+        </p:txBody>
+      </p:sp>
+      <p:pic>
+        <p:nvPicPr>
+          <p:cNvPr id="1028" name="Picture 4" descr="TNTOR 2500mAh Portable Power Bank-4mm Thinnest Smallest Lightest Power  Card, Built-in with iPhone Cable, Wallet &amp; Pocket Sized Powercore (for  iPhone Only): Amazon.co.uk: Electronics">
+            <a:extLst>
+              <a:ext uri="{FF2B5EF4-FFF2-40B4-BE49-F238E27FC236}">
+                <a16:creationId xmlns:a16="http://schemas.microsoft.com/office/drawing/2014/main" id="{6568141A-BB0E-41EF-8314-B32CEAB2B1B3}"/>
+              </a:ext>
+            </a:extLst>
+          </p:cNvPr>
+          <p:cNvPicPr>
+            <a:picLocks noChangeAspect="1" noChangeArrowheads="1"/>
+          </p:cNvPicPr>
+          <p:nvPr/>
+        </p:nvPicPr>
+        <p:blipFill rotWithShape="1">
+          <a:blip r:embed="rId4">
+            <a:extLst>
+              <a:ext uri="{28A0092B-C50C-407E-A947-70E740481C1C}">
+                <a14:useLocalDpi xmlns:a14="http://schemas.microsoft.com/office/drawing/2010/main" val="0"/>
+              </a:ext>
+            </a:extLst>
+          </a:blip>
+          <a:srcRect t="38352" r="34880" b="26151"/>
+          <a:stretch/>
+        </p:blipFill>
+        <p:spPr bwMode="auto">
+          <a:xfrm>
+            <a:off x="2342080" y="3429000"/>
+            <a:ext cx="1786811" cy="986319"/>
+          </a:xfrm>
+          <a:prstGeom prst="rect">
+            <a:avLst/>
+          </a:prstGeom>
+          <a:noFill/>
+          <a:extLst>
+            <a:ext uri="{909E8E84-426E-40DD-AFC4-6F175D3DCCD1}">
+              <a14:hiddenFill xmlns:a14="http://schemas.microsoft.com/office/drawing/2010/main">
+                <a:solidFill>
+                  <a:srgbClr val="FFFFFF"/>
+                </a:solidFill>
+              </a14:hiddenFill>
+            </a:ext>
+          </a:extLst>
+        </p:spPr>
+      </p:pic>
+      <mc:AlternateContent xmlns:mc="http://schemas.openxmlformats.org/markup-compatibility/2006" xmlns:p14="http://schemas.microsoft.com/office/powerpoint/2010/main">
+        <mc:Choice Requires="p14">
+          <p:contentPart p14:bwMode="auto" r:id="rId5">
+            <p14:nvContentPartPr>
+              <p14:cNvPr id="3" name="Ink 2">
+                <a:extLst>
+                  <a:ext uri="{FF2B5EF4-FFF2-40B4-BE49-F238E27FC236}">
+                    <a16:creationId xmlns:a16="http://schemas.microsoft.com/office/drawing/2014/main" id="{5A0F6EE4-E14B-4B03-B1DB-DCEAC0F16462}"/>
+                  </a:ext>
+                </a:extLst>
+              </p14:cNvPr>
+              <p14:cNvContentPartPr/>
+              <p14:nvPr/>
+            </p14:nvContentPartPr>
+            <p14:xfrm>
+              <a:off x="2650158" y="2287962"/>
+              <a:ext cx="1215000" cy="1091880"/>
+            </p14:xfrm>
+          </p:contentPart>
+        </mc:Choice>
+        <mc:Fallback xmlns="">
+          <p:pic>
+            <p:nvPicPr>
+              <p:cNvPr id="3" name="Ink 2">
+                <a:extLst>
+                  <a:ext uri="{FF2B5EF4-FFF2-40B4-BE49-F238E27FC236}">
+                    <a16:creationId xmlns:a16="http://schemas.microsoft.com/office/drawing/2014/main" id="{5A0F6EE4-E14B-4B03-B1DB-DCEAC0F16462}"/>
+                  </a:ext>
+                </a:extLst>
+              </p:cNvPr>
+              <p:cNvPicPr/>
+              <p:nvPr/>
+            </p:nvPicPr>
+            <p:blipFill>
+              <a:blip r:embed="rId6"/>
+              <a:stretch>
+                <a:fillRect/>
+              </a:stretch>
+            </p:blipFill>
+            <p:spPr>
+              <a:xfrm>
+                <a:off x="2641518" y="2279322"/>
+                <a:ext cx="1232640" cy="1109520"/>
+              </a:xfrm>
+              <a:prstGeom prst="rect">
+                <a:avLst/>
+              </a:prstGeom>
+            </p:spPr>
+          </p:pic>
+        </mc:Fallback>
+      </mc:AlternateContent>
+      <mc:AlternateContent xmlns:mc="http://schemas.openxmlformats.org/markup-compatibility/2006" xmlns:p14="http://schemas.microsoft.com/office/powerpoint/2010/main">
+        <mc:Choice Requires="p14">
+          <p:contentPart p14:bwMode="auto" r:id="rId7">
+            <p14:nvContentPartPr>
+              <p14:cNvPr id="4" name="Ink 3">
+                <a:extLst>
+                  <a:ext uri="{FF2B5EF4-FFF2-40B4-BE49-F238E27FC236}">
+                    <a16:creationId xmlns:a16="http://schemas.microsoft.com/office/drawing/2014/main" id="{DFC52B9E-B3FC-4D1F-9256-126A279EBEA9}"/>
+                  </a:ext>
+                </a:extLst>
+              </p14:cNvPr>
+              <p14:cNvContentPartPr/>
+              <p14:nvPr/>
+            </p14:nvContentPartPr>
+            <p14:xfrm>
+              <a:off x="8660718" y="5003082"/>
+              <a:ext cx="360" cy="360"/>
+            </p14:xfrm>
+          </p:contentPart>
+        </mc:Choice>
+        <mc:Fallback xmlns="">
+          <p:pic>
+            <p:nvPicPr>
+              <p:cNvPr id="4" name="Ink 3">
+                <a:extLst>
+                  <a:ext uri="{FF2B5EF4-FFF2-40B4-BE49-F238E27FC236}">
+                    <a16:creationId xmlns:a16="http://schemas.microsoft.com/office/drawing/2014/main" id="{DFC52B9E-B3FC-4D1F-9256-126A279EBEA9}"/>
+                  </a:ext>
+                </a:extLst>
+              </p:cNvPr>
+              <p:cNvPicPr/>
+              <p:nvPr/>
+            </p:nvPicPr>
+            <p:blipFill>
+              <a:blip r:embed="rId8"/>
+              <a:stretch>
+                <a:fillRect/>
+              </a:stretch>
+            </p:blipFill>
+            <p:spPr>
+              <a:xfrm>
+                <a:off x="8652078" y="4994442"/>
+                <a:ext cx="18000" cy="18000"/>
+              </a:xfrm>
+              <a:prstGeom prst="rect">
+                <a:avLst/>
+              </a:prstGeom>
+            </p:spPr>
+          </p:pic>
+        </mc:Fallback>
+      </mc:AlternateContent>
+      <mc:AlternateContent xmlns:mc="http://schemas.openxmlformats.org/markup-compatibility/2006" xmlns:p14="http://schemas.microsoft.com/office/powerpoint/2010/main">
+        <mc:Choice Requires="p14">
+          <p:contentPart p14:bwMode="auto" r:id="rId9">
+            <p14:nvContentPartPr>
+              <p14:cNvPr id="5" name="Ink 4">
+                <a:extLst>
+                  <a:ext uri="{FF2B5EF4-FFF2-40B4-BE49-F238E27FC236}">
+                    <a16:creationId xmlns:a16="http://schemas.microsoft.com/office/drawing/2014/main" id="{EEB29C35-D733-45A3-B2D0-8ED38D4FF30C}"/>
+                  </a:ext>
+                </a:extLst>
+              </p14:cNvPr>
+              <p14:cNvContentPartPr/>
+              <p14:nvPr/>
+            </p14:nvContentPartPr>
+            <p14:xfrm>
+              <a:off x="8558478" y="4869882"/>
+              <a:ext cx="360" cy="360"/>
+            </p14:xfrm>
+          </p:contentPart>
+        </mc:Choice>
+        <mc:Fallback xmlns="">
+          <p:pic>
+            <p:nvPicPr>
+              <p:cNvPr id="5" name="Ink 4">
+                <a:extLst>
+                  <a:ext uri="{FF2B5EF4-FFF2-40B4-BE49-F238E27FC236}">
+                    <a16:creationId xmlns:a16="http://schemas.microsoft.com/office/drawing/2014/main" id="{EEB29C35-D733-45A3-B2D0-8ED38D4FF30C}"/>
+                  </a:ext>
+                </a:extLst>
+              </p:cNvPr>
+              <p:cNvPicPr/>
+              <p:nvPr/>
+            </p:nvPicPr>
+            <p:blipFill>
+              <a:blip r:embed="rId8"/>
+              <a:stretch>
+                <a:fillRect/>
+              </a:stretch>
+            </p:blipFill>
+            <p:spPr>
+              <a:xfrm>
+                <a:off x="8549478" y="4860882"/>
+                <a:ext cx="18000" cy="18000"/>
+              </a:xfrm>
+              <a:prstGeom prst="rect">
+                <a:avLst/>
+              </a:prstGeom>
+            </p:spPr>
+          </p:pic>
+        </mc:Fallback>
+      </mc:AlternateContent>
+      <mc:AlternateContent xmlns:mc="http://schemas.openxmlformats.org/markup-compatibility/2006" xmlns:p14="http://schemas.microsoft.com/office/powerpoint/2010/main">
+        <mc:Choice Requires="p14">
+          <p:contentPart p14:bwMode="auto" r:id="rId10">
+            <p14:nvContentPartPr>
+              <p14:cNvPr id="7" name="Ink 6">
+                <a:extLst>
+                  <a:ext uri="{FF2B5EF4-FFF2-40B4-BE49-F238E27FC236}">
+                    <a16:creationId xmlns:a16="http://schemas.microsoft.com/office/drawing/2014/main" id="{A7708F35-4658-4B46-994E-8CECCAA92601}"/>
+                  </a:ext>
+                </a:extLst>
+              </p14:cNvPr>
+              <p14:cNvContentPartPr/>
+              <p14:nvPr/>
+            </p14:nvContentPartPr>
+            <p14:xfrm>
+              <a:off x="8558478" y="4890042"/>
+              <a:ext cx="360" cy="360"/>
+            </p14:xfrm>
+          </p:contentPart>
+        </mc:Choice>
+        <mc:Fallback xmlns="">
+          <p:pic>
+            <p:nvPicPr>
+              <p:cNvPr id="7" name="Ink 6">
+                <a:extLst>
+                  <a:ext uri="{FF2B5EF4-FFF2-40B4-BE49-F238E27FC236}">
+                    <a16:creationId xmlns:a16="http://schemas.microsoft.com/office/drawing/2014/main" id="{A7708F35-4658-4B46-994E-8CECCAA92601}"/>
+                  </a:ext>
+                </a:extLst>
+              </p:cNvPr>
+              <p:cNvPicPr/>
+              <p:nvPr/>
+            </p:nvPicPr>
+            <p:blipFill>
+              <a:blip r:embed="rId8"/>
+              <a:stretch>
+                <a:fillRect/>
+              </a:stretch>
+            </p:blipFill>
+            <p:spPr>
+              <a:xfrm>
+                <a:off x="8549478" y="4881402"/>
+                <a:ext cx="18000" cy="18000"/>
+              </a:xfrm>
+              <a:prstGeom prst="rect">
+                <a:avLst/>
+              </a:prstGeom>
+            </p:spPr>
+          </p:pic>
+        </mc:Fallback>
+      </mc:AlternateContent>
+      <p:grpSp>
+        <p:nvGrpSpPr>
+          <p:cNvPr id="10" name="Group 9">
+            <a:extLst>
+              <a:ext uri="{FF2B5EF4-FFF2-40B4-BE49-F238E27FC236}">
+                <a16:creationId xmlns:a16="http://schemas.microsoft.com/office/drawing/2014/main" id="{ECEA38EE-AA92-4665-9526-740CFE48778A}"/>
+              </a:ext>
+            </a:extLst>
+          </p:cNvPr>
+          <p:cNvGrpSpPr/>
+          <p:nvPr/>
+        </p:nvGrpSpPr>
+        <p:grpSpPr>
+          <a:xfrm>
+            <a:off x="8691678" y="4930722"/>
+            <a:ext cx="20880" cy="11160"/>
+            <a:chOff x="8691678" y="4930722"/>
+            <a:chExt cx="20880" cy="11160"/>
+          </a:xfrm>
+        </p:grpSpPr>
+        <mc:AlternateContent xmlns:mc="http://schemas.openxmlformats.org/markup-compatibility/2006" xmlns:p14="http://schemas.microsoft.com/office/powerpoint/2010/main">
+          <mc:Choice Requires="p14">
+            <p:contentPart p14:bwMode="auto" r:id="rId11">
+              <p14:nvContentPartPr>
+                <p14:cNvPr id="8" name="Ink 7">
+                  <a:extLst>
+                    <a:ext uri="{FF2B5EF4-FFF2-40B4-BE49-F238E27FC236}">
+                      <a16:creationId xmlns:a16="http://schemas.microsoft.com/office/drawing/2014/main" id="{51B341B8-B9B3-407C-B08F-9DECBD78CE09}"/>
+                    </a:ext>
+                  </a:extLst>
+                </p14:cNvPr>
+                <p14:cNvContentPartPr/>
+                <p14:nvPr/>
+              </p14:nvContentPartPr>
+              <p14:xfrm>
+                <a:off x="8712198" y="4941522"/>
+                <a:ext cx="360" cy="360"/>
+              </p14:xfrm>
+            </p:contentPart>
+          </mc:Choice>
+          <mc:Fallback xmlns="">
+            <p:pic>
+              <p:nvPicPr>
+                <p:cNvPr id="8" name="Ink 7">
+                  <a:extLst>
+                    <a:ext uri="{FF2B5EF4-FFF2-40B4-BE49-F238E27FC236}">
+                      <a16:creationId xmlns:a16="http://schemas.microsoft.com/office/drawing/2014/main" id="{51B341B8-B9B3-407C-B08F-9DECBD78CE09}"/>
+                    </a:ext>
+                  </a:extLst>
+                </p:cNvPr>
+                <p:cNvPicPr/>
+                <p:nvPr/>
+              </p:nvPicPr>
+              <p:blipFill>
+                <a:blip r:embed="rId8"/>
+                <a:stretch>
+                  <a:fillRect/>
+                </a:stretch>
+              </p:blipFill>
+              <p:spPr>
+                <a:xfrm>
+                  <a:off x="8703198" y="4932522"/>
+                  <a:ext cx="18000" cy="18000"/>
+                </a:xfrm>
+                <a:prstGeom prst="rect">
+                  <a:avLst/>
+                </a:prstGeom>
+              </p:spPr>
+            </p:pic>
+          </mc:Fallback>
+        </mc:AlternateContent>
+        <mc:AlternateContent xmlns:mc="http://schemas.openxmlformats.org/markup-compatibility/2006" xmlns:p14="http://schemas.microsoft.com/office/powerpoint/2010/main">
+          <mc:Choice Requires="p14">
+            <p:contentPart p14:bwMode="auto" r:id="rId12">
+              <p14:nvContentPartPr>
+                <p14:cNvPr id="9" name="Ink 8">
+                  <a:extLst>
+                    <a:ext uri="{FF2B5EF4-FFF2-40B4-BE49-F238E27FC236}">
+                      <a16:creationId xmlns:a16="http://schemas.microsoft.com/office/drawing/2014/main" id="{CA550C41-1426-4BBF-964C-A2C0FBEB8141}"/>
+                    </a:ext>
+                  </a:extLst>
+                </p14:cNvPr>
+                <p14:cNvContentPartPr/>
+                <p14:nvPr/>
+              </p14:nvContentPartPr>
+              <p14:xfrm>
+                <a:off x="8691678" y="4930722"/>
+                <a:ext cx="360" cy="360"/>
+              </p14:xfrm>
+            </p:contentPart>
+          </mc:Choice>
+          <mc:Fallback xmlns="">
+            <p:pic>
+              <p:nvPicPr>
+                <p:cNvPr id="9" name="Ink 8">
+                  <a:extLst>
+                    <a:ext uri="{FF2B5EF4-FFF2-40B4-BE49-F238E27FC236}">
+                      <a16:creationId xmlns:a16="http://schemas.microsoft.com/office/drawing/2014/main" id="{CA550C41-1426-4BBF-964C-A2C0FBEB8141}"/>
+                    </a:ext>
+                  </a:extLst>
+                </p:cNvPr>
+                <p:cNvPicPr/>
+                <p:nvPr/>
+              </p:nvPicPr>
+              <p:blipFill>
+                <a:blip r:embed="rId8"/>
+                <a:stretch>
+                  <a:fillRect/>
+                </a:stretch>
+              </p:blipFill>
+              <p:spPr>
+                <a:xfrm>
+                  <a:off x="8683038" y="4922082"/>
+                  <a:ext cx="18000" cy="18000"/>
+                </a:xfrm>
+                <a:prstGeom prst="rect">
+                  <a:avLst/>
+                </a:prstGeom>
+              </p:spPr>
+            </p:pic>
+          </mc:Fallback>
+        </mc:AlternateContent>
+      </p:grpSp>
+      <mc:AlternateContent xmlns:mc="http://schemas.openxmlformats.org/markup-compatibility/2006" xmlns:p14="http://schemas.microsoft.com/office/powerpoint/2010/main">
+        <mc:Choice Requires="p14">
+          <p:contentPart p14:bwMode="auto" r:id="rId13">
+            <p14:nvContentPartPr>
+              <p14:cNvPr id="14" name="Ink 13">
+                <a:extLst>
+                  <a:ext uri="{FF2B5EF4-FFF2-40B4-BE49-F238E27FC236}">
+                    <a16:creationId xmlns:a16="http://schemas.microsoft.com/office/drawing/2014/main" id="{663F11F6-DF19-47B5-A1BE-A24AB6B0DC37}"/>
+                  </a:ext>
+                </a:extLst>
+              </p14:cNvPr>
+              <p14:cNvContentPartPr/>
+              <p14:nvPr/>
+            </p14:nvContentPartPr>
+            <p14:xfrm>
+              <a:off x="13068558" y="6225642"/>
+              <a:ext cx="360" cy="360"/>
+            </p14:xfrm>
+          </p:contentPart>
+        </mc:Choice>
+        <mc:Fallback xmlns="">
+          <p:pic>
+            <p:nvPicPr>
+              <p:cNvPr id="14" name="Ink 13">
+                <a:extLst>
+                  <a:ext uri="{FF2B5EF4-FFF2-40B4-BE49-F238E27FC236}">
+                    <a16:creationId xmlns:a16="http://schemas.microsoft.com/office/drawing/2014/main" id="{663F11F6-DF19-47B5-A1BE-A24AB6B0DC37}"/>
+                  </a:ext>
+                </a:extLst>
+              </p:cNvPr>
+              <p:cNvPicPr/>
+              <p:nvPr/>
+            </p:nvPicPr>
+            <p:blipFill>
+              <a:blip r:embed="rId8"/>
+              <a:stretch>
+                <a:fillRect/>
+              </a:stretch>
+            </p:blipFill>
+            <p:spPr>
+              <a:xfrm>
+                <a:off x="13059558" y="6217002"/>
+                <a:ext cx="18000" cy="18000"/>
+              </a:xfrm>
+              <a:prstGeom prst="rect">
+                <a:avLst/>
+              </a:prstGeom>
+            </p:spPr>
+          </p:pic>
+        </mc:Fallback>
+      </mc:AlternateContent>
+      <p:sp>
+        <p:nvSpPr>
+          <p:cNvPr id="17" name="TextBox 16">
+            <a:extLst>
+              <a:ext uri="{FF2B5EF4-FFF2-40B4-BE49-F238E27FC236}">
+                <a16:creationId xmlns:a16="http://schemas.microsoft.com/office/drawing/2014/main" id="{0B53D23C-A284-443E-A4E6-E8C6DD0B4252}"/>
+              </a:ext>
+            </a:extLst>
+          </p:cNvPr>
+          <p:cNvSpPr txBox="1"/>
+          <p:nvPr/>
+        </p:nvSpPr>
+        <p:spPr>
+          <a:xfrm>
+            <a:off x="2872912" y="4510575"/>
+            <a:ext cx="1397285" cy="276999"/>
+          </a:xfrm>
+          <a:prstGeom prst="rect">
+            <a:avLst/>
+          </a:prstGeom>
+          <a:noFill/>
+          <a:ln>
+            <a:noFill/>
+          </a:ln>
+        </p:spPr>
+        <p:txBody>
+          <a:bodyPr wrap="square" rtlCol="0">
+            <a:spAutoFit/>
+          </a:bodyPr>
+          <a:lstStyle/>
+          <a:p>
+            <a:r>
+              <a:rPr lang="en-GB" sz="1200" dirty="0">
+                <a:latin typeface="Arial Black" panose="020B0A04020102020204" pitchFamily="34" charset="0"/>
+              </a:rPr>
+              <a:t>Power Pack</a:t>
+            </a:r>
+          </a:p>
+        </p:txBody>
+      </p:sp>
+    </p:spTree>
+    <p:extLst>
+      <p:ext uri="{BB962C8B-B14F-4D97-AF65-F5344CB8AC3E}">
+        <p14:creationId xmlns:p14="http://schemas.microsoft.com/office/powerpoint/2010/main" val="3115272912"/>
+      </p:ext>
+    </p:extLst>
+  </p:cSld>
+  <p:clrMapOvr>
+    <a:masterClrMapping/>
+  </p:clrMapOvr>
+</p:sld>
+</file>
+
+<file path=ppt/slides/slide5.xml><?xml version="1.0" encoding="utf-8"?>
+<p:sld xmlns:a="http://schemas.openxmlformats.org/drawingml/2006/main" xmlns:r="http://schemas.openxmlformats.org/officeDocument/2006/relationships" xmlns:p="http://schemas.openxmlformats.org/presentationml/2006/main">
+  <p:cSld>
+    <p:spTree>
+      <p:nvGrpSpPr>
+        <p:cNvPr id="1" name="Shape 53"/>
+        <p:cNvGrpSpPr/>
+        <p:nvPr/>
+      </p:nvGrpSpPr>
+      <p:grpSpPr>
+        <a:xfrm>
+          <a:off x="0" y="0"/>
+          <a:ext cx="0" cy="0"/>
+          <a:chOff x="0" y="0"/>
+          <a:chExt cx="0" cy="0"/>
+        </a:xfrm>
+      </p:grpSpPr>
+      <p:sp>
+        <p:nvSpPr>
+          <p:cNvPr id="9" name="Title 3">
+            <a:extLst>
+              <a:ext uri="{FF2B5EF4-FFF2-40B4-BE49-F238E27FC236}">
+                <a16:creationId xmlns:a16="http://schemas.microsoft.com/office/drawing/2014/main" id="{98AE80D5-70AA-45F9-AF66-5CED42BE1298}"/>
+              </a:ext>
+            </a:extLst>
+          </p:cNvPr>
+          <p:cNvSpPr txBox="1">
+            <a:spLocks/>
+          </p:cNvSpPr>
+          <p:nvPr/>
+        </p:nvSpPr>
+        <p:spPr>
+          <a:xfrm>
+            <a:off x="2760753" y="193200"/>
+            <a:ext cx="9075077" cy="757655"/>
+          </a:xfrm>
+          <a:prstGeom prst="rect">
+            <a:avLst/>
+          </a:prstGeom>
+          <a:effectLst/>
+        </p:spPr>
+        <p:txBody>
+          <a:bodyPr vert="horz" lIns="0" tIns="192024" rIns="0" bIns="0" rtlCol="0" anchor="t" anchorCtr="0">
+            <a:noAutofit/>
+          </a:bodyPr>
+          <a:lstStyle>
+            <a:lvl1pPr algn="l" defTabSz="914318" rtl="0" eaLnBrk="1" latinLnBrk="0" hangingPunct="1">
+              <a:lnSpc>
+                <a:spcPct val="80000"/>
+              </a:lnSpc>
+              <a:spcBef>
+                <a:spcPct val="0"/>
+              </a:spcBef>
+              <a:buNone/>
+              <a:defRPr sz="3600" kern="1200" spc="-151" baseline="0">
+                <a:solidFill>
+                  <a:schemeClr val="tx1"/>
+                </a:solidFill>
+                <a:latin typeface="+mj-lt"/>
+                <a:ea typeface="+mj-ea"/>
+                <a:cs typeface="+mj-cs"/>
+              </a:defRPr>
+            </a:lvl1pPr>
+          </a:lstStyle>
+          <a:p>
+            <a:pPr marL="0" marR="0" lvl="0" indent="0" algn="l" defTabSz="914318" rtl="0" eaLnBrk="1" fontAlgn="auto" latinLnBrk="0" hangingPunct="1">
+              <a:lnSpc>
+                <a:spcPct val="80000"/>
+              </a:lnSpc>
+              <a:spcBef>
+                <a:spcPct val="0"/>
+              </a:spcBef>
+              <a:spcAft>
+                <a:spcPts val="0"/>
+              </a:spcAft>
+              <a:buClrTx/>
+              <a:buSzTx/>
+              <a:buFontTx/>
+              <a:buNone/>
+              <a:tabLst/>
+              <a:defRPr/>
+            </a:pPr>
+            <a:r>
+              <a:rPr kumimoji="0" lang="en-US" sz="4200" b="0" i="0" u="none" strike="noStrike" kern="1200" cap="none" spc="-151" normalizeH="0" baseline="0" noProof="0" dirty="0">
+                <a:ln>
+                  <a:noFill/>
+                </a:ln>
+                <a:solidFill>
+                  <a:srgbClr val="2B2B2B"/>
+                </a:solidFill>
+                <a:effectLst/>
+                <a:uLnTx/>
+                <a:uFillTx/>
+                <a:latin typeface="Arial Black" panose="020B0A04020102020204"/>
+                <a:ea typeface="+mj-ea"/>
+                <a:cs typeface="+mj-cs"/>
+              </a:rPr>
+              <a:t>CURRENT PROGRESS</a:t>
+            </a:r>
+          </a:p>
+        </p:txBody>
+      </p:sp>
+      <p:pic>
+        <p:nvPicPr>
+          <p:cNvPr id="7" name="Picture 6">
+            <a:extLst>
+              <a:ext uri="{FF2B5EF4-FFF2-40B4-BE49-F238E27FC236}">
+                <a16:creationId xmlns:a16="http://schemas.microsoft.com/office/drawing/2014/main" id="{CA47633D-8879-4EA5-8967-740BB5E047C5}"/>
+              </a:ext>
+            </a:extLst>
+          </p:cNvPr>
+          <p:cNvPicPr>
+            <a:picLocks noChangeAspect="1"/>
+          </p:cNvPicPr>
+          <p:nvPr/>
+        </p:nvPicPr>
+        <p:blipFill>
+          <a:blip r:embed="rId3"/>
+          <a:stretch>
+            <a:fillRect/>
+          </a:stretch>
+        </p:blipFill>
+        <p:spPr>
+          <a:xfrm>
+            <a:off x="6373424" y="1205662"/>
+            <a:ext cx="5685011" cy="2315806"/>
+          </a:xfrm>
+          <a:prstGeom prst="rect">
+            <a:avLst/>
+          </a:prstGeom>
+        </p:spPr>
+      </p:pic>
+      <p:pic>
+        <p:nvPicPr>
+          <p:cNvPr id="11" name="Picture 10">
+            <a:extLst>
+              <a:ext uri="{FF2B5EF4-FFF2-40B4-BE49-F238E27FC236}">
+                <a16:creationId xmlns:a16="http://schemas.microsoft.com/office/drawing/2014/main" id="{A29C4175-882E-40C3-8DD6-B5188E5F6999}"/>
+              </a:ext>
+            </a:extLst>
+          </p:cNvPr>
+          <p:cNvPicPr>
+            <a:picLocks noChangeAspect="1"/>
+          </p:cNvPicPr>
+          <p:nvPr/>
+        </p:nvPicPr>
+        <p:blipFill>
+          <a:blip r:embed="rId4"/>
+          <a:stretch>
+            <a:fillRect/>
+          </a:stretch>
+        </p:blipFill>
+        <p:spPr>
+          <a:xfrm>
+            <a:off x="7162277" y="3831765"/>
+            <a:ext cx="3582445" cy="2944042"/>
+          </a:xfrm>
+          <a:prstGeom prst="rect">
+            <a:avLst/>
+          </a:prstGeom>
+        </p:spPr>
+      </p:pic>
+      <p:sp>
+        <p:nvSpPr>
+          <p:cNvPr id="14" name="TextBox 13">
+            <a:extLst>
+              <a:ext uri="{FF2B5EF4-FFF2-40B4-BE49-F238E27FC236}">
+                <a16:creationId xmlns:a16="http://schemas.microsoft.com/office/drawing/2014/main" id="{EE485B69-6A64-433F-A460-8F94D0381BF4}"/>
+              </a:ext>
+            </a:extLst>
+          </p:cNvPr>
+          <p:cNvSpPr txBox="1"/>
+          <p:nvPr/>
+        </p:nvSpPr>
+        <p:spPr>
+          <a:xfrm>
+            <a:off x="410991" y="1990532"/>
+            <a:ext cx="5685010" cy="2708434"/>
+          </a:xfrm>
+          <a:prstGeom prst="rect">
+            <a:avLst/>
+          </a:prstGeom>
+          <a:noFill/>
+        </p:spPr>
+        <p:txBody>
+          <a:bodyPr wrap="square" lIns="0" rIns="0" rtlCol="0">
+            <a:spAutoFit/>
+          </a:bodyPr>
+          <a:lstStyle/>
+          <a:p>
+            <a:pPr marL="457200" indent="-457200">
+              <a:spcAft>
+                <a:spcPts val="1200"/>
+              </a:spcAft>
+              <a:buFont typeface="Arial" panose="020B0604020202020204" pitchFamily="34" charset="0"/>
+              <a:buChar char="•"/>
+            </a:pPr>
+            <a:r>
+              <a:rPr lang="en-GB" sz="2800" dirty="0"/>
+              <a:t>Components sourced</a:t>
+            </a:r>
+          </a:p>
+          <a:p>
+            <a:pPr marL="457200" indent="-457200">
+              <a:spcAft>
+                <a:spcPts val="1200"/>
+              </a:spcAft>
+              <a:buFont typeface="Arial" panose="020B0604020202020204" pitchFamily="34" charset="0"/>
+              <a:buChar char="•"/>
+            </a:pPr>
+            <a:r>
+              <a:rPr lang="en-GB" sz="2800" dirty="0"/>
+              <a:t>Individual component tests written and performed</a:t>
+            </a:r>
+          </a:p>
+          <a:p>
+            <a:pPr marL="457200" indent="-457200">
+              <a:spcAft>
+                <a:spcPts val="1200"/>
+              </a:spcAft>
+              <a:buFont typeface="Arial" panose="020B0604020202020204" pitchFamily="34" charset="0"/>
+              <a:buChar char="•"/>
+            </a:pPr>
+            <a:r>
+              <a:rPr lang="en-GB" sz="2800" dirty="0"/>
+              <a:t>High level Python structure in place</a:t>
+            </a:r>
+          </a:p>
+          <a:p>
+            <a:pPr marL="457200" indent="-457200">
+              <a:spcAft>
+                <a:spcPts val="1200"/>
+              </a:spcAft>
+              <a:buFont typeface="Arial" panose="020B0604020202020204" pitchFamily="34" charset="0"/>
+              <a:buChar char="•"/>
+            </a:pPr>
+            <a:r>
+              <a:rPr lang="en-GB" sz="2800" dirty="0"/>
+              <a:t>Corrupt SD Card halted progress</a:t>
+            </a:r>
+          </a:p>
+        </p:txBody>
+      </p:sp>
+    </p:spTree>
+    <p:extLst>
+      <p:ext uri="{BB962C8B-B14F-4D97-AF65-F5344CB8AC3E}">
+        <p14:creationId xmlns:p14="http://schemas.microsoft.com/office/powerpoint/2010/main" val="3617958757"/>
+      </p:ext>
+    </p:extLst>
+  </p:cSld>
+  <p:clrMapOvr>
+    <a:masterClrMapping/>
+  </p:clrMapOvr>
+</p:sld>
+</file>
+
+<file path=ppt/slides/slide6.xml><?xml version="1.0" encoding="utf-8"?>
+<p:sld xmlns:a="http://schemas.openxmlformats.org/drawingml/2006/main" xmlns:r="http://schemas.openxmlformats.org/officeDocument/2006/relationships" xmlns:p="http://schemas.openxmlformats.org/presentationml/2006/main">
+  <p:cSld>
+    <p:spTree>
+      <p:nvGrpSpPr>
+        <p:cNvPr id="1" name="Shape 53"/>
+        <p:cNvGrpSpPr/>
+        <p:nvPr/>
+      </p:nvGrpSpPr>
+      <p:grpSpPr>
+        <a:xfrm>
+          <a:off x="0" y="0"/>
+          <a:ext cx="0" cy="0"/>
+          <a:chOff x="0" y="0"/>
+          <a:chExt cx="0" cy="0"/>
+        </a:xfrm>
+      </p:grpSpPr>
+      <p:sp>
+        <p:nvSpPr>
+          <p:cNvPr id="9" name="Title 3">
+            <a:extLst>
+              <a:ext uri="{FF2B5EF4-FFF2-40B4-BE49-F238E27FC236}">
+                <a16:creationId xmlns:a16="http://schemas.microsoft.com/office/drawing/2014/main" id="{94E6B742-F2F6-4567-A34A-5CAEF6E24FD8}"/>
+              </a:ext>
+            </a:extLst>
+          </p:cNvPr>
+          <p:cNvSpPr txBox="1">
+            <a:spLocks/>
+          </p:cNvSpPr>
+          <p:nvPr/>
+        </p:nvSpPr>
+        <p:spPr>
+          <a:xfrm>
+            <a:off x="3901184" y="211115"/>
+            <a:ext cx="9075077" cy="757655"/>
+          </a:xfrm>
+          <a:prstGeom prst="rect">
+            <a:avLst/>
+          </a:prstGeom>
+          <a:effectLst/>
+        </p:spPr>
+        <p:txBody>
+          <a:bodyPr vert="horz" lIns="0" tIns="192024" rIns="0" bIns="0" rtlCol="0" anchor="t" anchorCtr="0">
+            <a:noAutofit/>
+          </a:bodyPr>
+          <a:lstStyle>
+            <a:lvl1pPr algn="l" defTabSz="914318" rtl="0" eaLnBrk="1" latinLnBrk="0" hangingPunct="1">
+              <a:lnSpc>
+                <a:spcPct val="80000"/>
+              </a:lnSpc>
+              <a:spcBef>
+                <a:spcPct val="0"/>
+              </a:spcBef>
+              <a:buNone/>
+              <a:defRPr sz="3600" kern="1200" spc="0" baseline="0">
+                <a:solidFill>
+                  <a:schemeClr val="tx1"/>
+                </a:solidFill>
+                <a:latin typeface="+mj-lt"/>
+                <a:ea typeface="+mj-ea"/>
+                <a:cs typeface="+mj-cs"/>
+              </a:defRPr>
+            </a:lvl1pPr>
+          </a:lstStyle>
+          <a:p>
+            <a:pPr marL="0" marR="0" lvl="0" indent="0" algn="l" defTabSz="914318" rtl="0" eaLnBrk="1" fontAlgn="auto" latinLnBrk="0" hangingPunct="1">
+              <a:lnSpc>
+                <a:spcPct val="80000"/>
+              </a:lnSpc>
+              <a:spcBef>
+                <a:spcPct val="0"/>
+              </a:spcBef>
+              <a:spcAft>
+                <a:spcPts val="0"/>
+              </a:spcAft>
+              <a:buClrTx/>
+              <a:buSzTx/>
+              <a:buFontTx/>
+              <a:buNone/>
+              <a:tabLst/>
+              <a:defRPr/>
+            </a:pPr>
+            <a:r>
+              <a:rPr kumimoji="0" lang="en-US" sz="4200" b="0" i="0" u="none" strike="noStrike" kern="1200" cap="none" spc="0" normalizeH="0" baseline="0" noProof="0" dirty="0">
+                <a:ln>
+                  <a:noFill/>
+                </a:ln>
+                <a:solidFill>
+                  <a:srgbClr val="2B2B2B"/>
+                </a:solidFill>
+                <a:effectLst/>
+                <a:uLnTx/>
+                <a:uFillTx/>
+                <a:latin typeface="Arial Black" panose="020B0A04020102020204"/>
+                <a:ea typeface="+mj-ea"/>
+                <a:cs typeface="+mj-cs"/>
+              </a:rPr>
+              <a:t>NEXT STEPS</a:t>
+            </a:r>
+          </a:p>
+        </p:txBody>
+      </p:sp>
+      <p:sp>
+        <p:nvSpPr>
+          <p:cNvPr id="11" name="TextBox 10">
+            <a:extLst>
+              <a:ext uri="{FF2B5EF4-FFF2-40B4-BE49-F238E27FC236}">
+                <a16:creationId xmlns:a16="http://schemas.microsoft.com/office/drawing/2014/main" id="{DA1E051E-D260-459C-9676-9F7BD541D429}"/>
+              </a:ext>
+            </a:extLst>
+          </p:cNvPr>
+          <p:cNvSpPr txBox="1"/>
+          <p:nvPr/>
+        </p:nvSpPr>
+        <p:spPr>
+          <a:xfrm>
+            <a:off x="719215" y="1353535"/>
+            <a:ext cx="10839211" cy="7294305"/>
+          </a:xfrm>
+          <a:prstGeom prst="rect">
+            <a:avLst/>
+          </a:prstGeom>
+          <a:noFill/>
+        </p:spPr>
+        <p:txBody>
+          <a:bodyPr wrap="square" lIns="0" rIns="0" rtlCol="0">
+            <a:spAutoFit/>
+          </a:bodyPr>
+          <a:lstStyle/>
+          <a:p>
+            <a:endParaRPr lang="en-GB" sz="2000" dirty="0"/>
+          </a:p>
+          <a:p>
+            <a:r>
+              <a:rPr lang="en-GB" sz="2000" b="1" u="sng" dirty="0">
+                <a:solidFill>
+                  <a:srgbClr val="2B2B2B"/>
+                </a:solidFill>
+                <a:latin typeface="Arial" panose="020B0604020202020204"/>
+              </a:rPr>
+              <a:t>Implement movement of robot</a:t>
+            </a:r>
+          </a:p>
+          <a:p>
+            <a:pPr marL="285750" indent="-285750">
+              <a:buFont typeface="Arial" panose="020B0604020202020204" pitchFamily="34" charset="0"/>
+              <a:buChar char="•"/>
+            </a:pPr>
+            <a:endParaRPr lang="en-GB" sz="2000" dirty="0">
+              <a:solidFill>
+                <a:srgbClr val="2B2B2B"/>
+              </a:solidFill>
+              <a:latin typeface="Arial" panose="020B0604020202020204"/>
+            </a:endParaRPr>
+          </a:p>
+          <a:p>
+            <a:pPr marL="285750" indent="-285750">
+              <a:spcAft>
+                <a:spcPts val="1200"/>
+              </a:spcAft>
+              <a:buFont typeface="Arial" panose="020B0604020202020204" pitchFamily="34" charset="0"/>
+              <a:buChar char="•"/>
+            </a:pPr>
+            <a:r>
+              <a:rPr lang="en-GB" sz="2000" dirty="0">
+                <a:solidFill>
+                  <a:srgbClr val="2B2B2B"/>
+                </a:solidFill>
+                <a:latin typeface="Arial" panose="020B0604020202020204"/>
+              </a:rPr>
+              <a:t>Solder required components in lab</a:t>
+            </a:r>
+          </a:p>
+          <a:p>
+            <a:pPr marL="285750" indent="-285750">
+              <a:spcAft>
+                <a:spcPts val="1200"/>
+              </a:spcAft>
+              <a:buFont typeface="Arial" panose="020B0604020202020204" pitchFamily="34" charset="0"/>
+              <a:buChar char="•"/>
+            </a:pPr>
+            <a:r>
+              <a:rPr lang="en-GB" sz="2000" dirty="0">
+                <a:solidFill>
+                  <a:srgbClr val="2B2B2B"/>
+                </a:solidFill>
+                <a:latin typeface="Arial" panose="020B0604020202020204"/>
+              </a:rPr>
+              <a:t>Advance movement tests into interactive movement</a:t>
+            </a:r>
+          </a:p>
+          <a:p>
+            <a:pPr marL="285750" indent="-285750">
+              <a:buFont typeface="Arial" panose="020B0604020202020204" pitchFamily="34" charset="0"/>
+              <a:buChar char="•"/>
+            </a:pPr>
+            <a:endParaRPr lang="en-GB" sz="2000" dirty="0">
+              <a:solidFill>
+                <a:srgbClr val="2B2B2B"/>
+              </a:solidFill>
+              <a:latin typeface="Arial" panose="020B0604020202020204"/>
+            </a:endParaRPr>
+          </a:p>
+          <a:p>
+            <a:r>
+              <a:rPr lang="en-GB" sz="2000" b="1" u="sng" dirty="0">
+                <a:solidFill>
+                  <a:srgbClr val="2B2B2B"/>
+                </a:solidFill>
+                <a:latin typeface="Arial" panose="020B0604020202020204"/>
+              </a:rPr>
+              <a:t>Implement basic AI object recognition</a:t>
+            </a:r>
+          </a:p>
+          <a:p>
+            <a:pPr marL="285750" indent="-285750">
+              <a:buFont typeface="Arial" panose="020B0604020202020204" pitchFamily="34" charset="0"/>
+              <a:buChar char="•"/>
+            </a:pPr>
+            <a:endParaRPr lang="en-GB" sz="2000" b="1" u="sng" dirty="0">
+              <a:solidFill>
+                <a:srgbClr val="2B2B2B"/>
+              </a:solidFill>
+              <a:latin typeface="Arial" panose="020B0604020202020204"/>
+            </a:endParaRPr>
+          </a:p>
+          <a:p>
+            <a:pPr marL="285750" indent="-285750">
+              <a:buFont typeface="Arial" panose="020B0604020202020204" pitchFamily="34" charset="0"/>
+              <a:buChar char="•"/>
+            </a:pPr>
+            <a:r>
+              <a:rPr lang="en-GB" sz="2000" dirty="0">
+                <a:solidFill>
+                  <a:srgbClr val="2B2B2B"/>
+                </a:solidFill>
+                <a:latin typeface="Arial" panose="020B0604020202020204"/>
+              </a:rPr>
+              <a:t>Improve operation of image recognition with movement algorithm </a:t>
+            </a:r>
+          </a:p>
+          <a:p>
+            <a:pPr marL="285750" indent="-285750">
+              <a:buFont typeface="Arial" panose="020B0604020202020204" pitchFamily="34" charset="0"/>
+              <a:buChar char="•"/>
+            </a:pPr>
+            <a:endParaRPr lang="en-GB" sz="2000" b="1" u="sng" dirty="0">
+              <a:solidFill>
+                <a:srgbClr val="2B2B2B"/>
+              </a:solidFill>
+              <a:latin typeface="Arial" panose="020B0604020202020204"/>
+            </a:endParaRPr>
+          </a:p>
+          <a:p>
+            <a:pPr marL="285750" indent="-285750">
+              <a:buFont typeface="Arial" panose="020B0604020202020204" pitchFamily="34" charset="0"/>
+              <a:buChar char="•"/>
+            </a:pPr>
+            <a:endParaRPr lang="en-GB" sz="2000" b="1" u="sng" dirty="0">
+              <a:solidFill>
+                <a:srgbClr val="2B2B2B"/>
+              </a:solidFill>
+              <a:latin typeface="Arial" panose="020B0604020202020204"/>
+            </a:endParaRPr>
+          </a:p>
+          <a:p>
+            <a:r>
+              <a:rPr lang="en-GB" sz="2000" b="1" u="sng" dirty="0">
+                <a:solidFill>
+                  <a:srgbClr val="2B2B2B"/>
+                </a:solidFill>
+                <a:latin typeface="Arial" panose="020B0604020202020204"/>
+              </a:rPr>
+              <a:t>House all components as compactly as possible within the robot</a:t>
+            </a:r>
+          </a:p>
+          <a:p>
+            <a:pPr marL="285750" indent="-285750">
+              <a:buFont typeface="Arial" panose="020B0604020202020204" pitchFamily="34" charset="0"/>
+              <a:buChar char="•"/>
+            </a:pPr>
+            <a:endParaRPr lang="en-GB" sz="2000" b="1" u="sng" dirty="0">
+              <a:solidFill>
+                <a:srgbClr val="2B2B2B"/>
+              </a:solidFill>
+              <a:latin typeface="Arial" panose="020B0604020202020204"/>
+            </a:endParaRPr>
+          </a:p>
+          <a:p>
+            <a:pPr marL="285750" indent="-285750">
+              <a:buFont typeface="Arial" panose="020B0604020202020204" pitchFamily="34" charset="0"/>
+              <a:buChar char="•"/>
+            </a:pPr>
+            <a:r>
+              <a:rPr lang="en-GB" sz="2000" dirty="0">
+                <a:solidFill>
+                  <a:srgbClr val="2B2B2B"/>
+                </a:solidFill>
+                <a:latin typeface="Arial" panose="020B0604020202020204"/>
+              </a:rPr>
+              <a:t>Create way of structuring components together</a:t>
+            </a:r>
+          </a:p>
+          <a:p>
+            <a:endParaRPr lang="en-GB" sz="2800" b="1" u="sng" dirty="0">
+              <a:solidFill>
+                <a:srgbClr val="2B2B2B"/>
+              </a:solidFill>
+              <a:latin typeface="Arial" panose="020B0604020202020204"/>
+            </a:endParaRPr>
+          </a:p>
+          <a:p>
+            <a:endParaRPr lang="en-GB" sz="2800" dirty="0">
+              <a:solidFill>
+                <a:srgbClr val="2B2B2B"/>
+              </a:solidFill>
+              <a:latin typeface="Arial" panose="020B0604020202020204"/>
+            </a:endParaRPr>
+          </a:p>
+          <a:p>
+            <a:pPr marL="457200" indent="-457200">
+              <a:buFontTx/>
+              <a:buChar char="-"/>
+            </a:pPr>
+            <a:endParaRPr lang="en-GB" sz="2800" dirty="0"/>
+          </a:p>
+          <a:p>
+            <a:pPr marL="457200" indent="-457200">
+              <a:buFontTx/>
+              <a:buChar char="-"/>
+            </a:pPr>
+            <a:endParaRPr lang="en-GB" sz="2800" dirty="0"/>
+          </a:p>
+          <a:p>
+            <a:pPr marL="457200" indent="-457200">
+              <a:buFontTx/>
+              <a:buChar char="-"/>
+            </a:pPr>
+            <a:endParaRPr lang="en-GB" sz="2800" dirty="0"/>
+          </a:p>
+          <a:p>
+            <a:pPr marL="457200" indent="-457200">
+              <a:buFontTx/>
+              <a:buChar char="-"/>
+            </a:pPr>
+            <a:endParaRPr lang="en-GB" sz="2800" dirty="0"/>
+          </a:p>
+        </p:txBody>
+      </p:sp>
+    </p:spTree>
+    <p:extLst>
+      <p:ext uri="{BB962C8B-B14F-4D97-AF65-F5344CB8AC3E}">
+        <p14:creationId xmlns:p14="http://schemas.microsoft.com/office/powerpoint/2010/main" val="1532568522"/>
+      </p:ext>
+    </p:extLst>
+  </p:cSld>
+  <p:clrMapOvr>
+    <a:masterClrMapping/>
+  </p:clrMapOvr>
+</p:sld>
+</file>
+
+<file path=ppt/slides/slide7.xml><?xml version="1.0" encoding="utf-8"?>
 <p:sld xmlns:a="http://schemas.openxmlformats.org/drawingml/2006/main" xmlns:r="http://schemas.openxmlformats.org/officeDocument/2006/relationships" xmlns:p="http://schemas.openxmlformats.org/presentationml/2006/main">
   <p:cSld>
     <p:spTree>
@@ -9258,108 +13284,10 @@
       </p:grpSpPr>
       <p:sp>
         <p:nvSpPr>
-          <p:cNvPr id="2" name="Slide Number Placeholder 1">
+          <p:cNvPr id="5" name="TextBox 4">
             <a:extLst>
               <a:ext uri="{FF2B5EF4-FFF2-40B4-BE49-F238E27FC236}">
-                <a16:creationId xmlns:a16="http://schemas.microsoft.com/office/drawing/2014/main" id="{3E880399-3387-AC46-8D03-CBDD95393991}"/>
-              </a:ext>
-            </a:extLst>
-          </p:cNvPr>
-          <p:cNvSpPr>
-            <a:spLocks noGrp="1"/>
-          </p:cNvSpPr>
-          <p:nvPr>
-            <p:ph type="sldNum" sz="quarter" idx="10"/>
-          </p:nvPr>
-        </p:nvSpPr>
-        <p:spPr/>
-        <p:txBody>
-          <a:bodyPr/>
-          <a:lstStyle/>
-          <a:p>
-            <a:fld id="{D8D877B3-D348-4611-9BDB-C5374591D951}" type="slidenum">
-              <a:rPr lang="en-US" smtClean="0"/>
-              <a:pPr/>
-              <a:t>4</a:t>
-            </a:fld>
-            <a:endParaRPr lang="en-US" dirty="0"/>
-          </a:p>
-        </p:txBody>
-      </p:sp>
-      <p:sp>
-        <p:nvSpPr>
-          <p:cNvPr id="4" name="Title 3">
-            <a:extLst>
-              <a:ext uri="{FF2B5EF4-FFF2-40B4-BE49-F238E27FC236}">
-                <a16:creationId xmlns:a16="http://schemas.microsoft.com/office/drawing/2014/main" id="{42EFF295-846C-9148-BA76-18A1DC922713}"/>
-              </a:ext>
-            </a:extLst>
-          </p:cNvPr>
-          <p:cNvSpPr>
-            <a:spLocks noGrp="1"/>
-          </p:cNvSpPr>
-          <p:nvPr>
-            <p:ph type="title"/>
-          </p:nvPr>
-        </p:nvSpPr>
-        <p:spPr>
-          <a:xfrm>
-            <a:off x="1661417" y="122285"/>
-            <a:ext cx="9075077" cy="757655"/>
-          </a:xfrm>
-        </p:spPr>
-        <p:txBody>
-          <a:bodyPr/>
-          <a:lstStyle/>
-          <a:p>
-            <a:r>
-              <a:rPr lang="en-US" sz="4200" dirty="0"/>
-              <a:t>TECHNICAL OVERVIEW</a:t>
-            </a:r>
-          </a:p>
-        </p:txBody>
-      </p:sp>
-      <p:pic>
-        <p:nvPicPr>
-          <p:cNvPr id="6" name="Picture 5">
-            <a:extLst>
-              <a:ext uri="{FF2B5EF4-FFF2-40B4-BE49-F238E27FC236}">
-                <a16:creationId xmlns:a16="http://schemas.microsoft.com/office/drawing/2014/main" id="{604D74E1-54B4-4D2C-B98E-B22F9B2B7243}"/>
-              </a:ext>
-            </a:extLst>
-          </p:cNvPr>
-          <p:cNvPicPr/>
-          <p:nvPr/>
-        </p:nvPicPr>
-        <p:blipFill rotWithShape="1">
-          <a:blip r:embed="rId2"/>
-          <a:srcRect l="384" t="20485" r="44271" b="26728"/>
-          <a:stretch/>
-        </p:blipFill>
-        <p:spPr bwMode="auto">
-          <a:xfrm>
-            <a:off x="1661417" y="941585"/>
-            <a:ext cx="8188503" cy="4332889"/>
-          </a:xfrm>
-          <a:prstGeom prst="rect">
-            <a:avLst/>
-          </a:prstGeom>
-          <a:ln>
-            <a:noFill/>
-          </a:ln>
-          <a:extLst>
-            <a:ext uri="{53640926-AAD7-44D8-BBD7-CCE9431645EC}">
-              <a14:shadowObscured xmlns:a14="http://schemas.microsoft.com/office/drawing/2010/main"/>
-            </a:ext>
-          </a:extLst>
-        </p:spPr>
-      </p:pic>
-      <p:sp>
-        <p:nvSpPr>
-          <p:cNvPr id="8" name="TextBox 7">
-            <a:extLst>
-              <a:ext uri="{FF2B5EF4-FFF2-40B4-BE49-F238E27FC236}">
-                <a16:creationId xmlns:a16="http://schemas.microsoft.com/office/drawing/2014/main" id="{6561C3CC-8C95-49B2-BFFB-DBA59A5C36D0}"/>
+                <a16:creationId xmlns:a16="http://schemas.microsoft.com/office/drawing/2014/main" id="{251B79AE-E594-43B5-96A9-FDC0735652D7}"/>
               </a:ext>
             </a:extLst>
           </p:cNvPr>
@@ -9368,8 +13296,8 @@
         </p:nvSpPr>
         <p:spPr>
           <a:xfrm>
-            <a:off x="1192116" y="5336119"/>
-            <a:ext cx="10764011" cy="1200329"/>
+            <a:off x="4027470" y="2116477"/>
+            <a:ext cx="11650893" cy="4001095"/>
           </a:xfrm>
           <a:prstGeom prst="rect">
             <a:avLst/>
@@ -9382,272 +13310,86 @@
           </a:bodyPr>
           <a:lstStyle/>
           <a:p>
-            <a:pPr marL="342900" indent="-342900">
+            <a:endParaRPr lang="en-GB" sz="2000" dirty="0"/>
+          </a:p>
+          <a:p>
+            <a:pPr marL="285750" indent="-285750">
+              <a:buFont typeface="Arial" panose="020B0604020202020204" pitchFamily="34" charset="0"/>
+              <a:buChar char="•"/>
+            </a:pPr>
+            <a:endParaRPr lang="en-GB" sz="2000" dirty="0">
+              <a:solidFill>
+                <a:srgbClr val="2B2B2B"/>
+              </a:solidFill>
+              <a:latin typeface="Arial" panose="020B0604020202020204"/>
+            </a:endParaRPr>
+          </a:p>
+          <a:p>
+            <a:pPr>
+              <a:spcAft>
+                <a:spcPts val="1200"/>
+              </a:spcAft>
+            </a:pPr>
+            <a:r>
+              <a:rPr lang="en-GB" sz="3600" dirty="0">
+                <a:solidFill>
+                  <a:srgbClr val="2B2B2B"/>
+                </a:solidFill>
+                <a:latin typeface="Arial" panose="020B0604020202020204"/>
+              </a:rPr>
+              <a:t>Thanks for listening</a:t>
+            </a:r>
+          </a:p>
+          <a:p>
+            <a:endParaRPr lang="en-GB" sz="2800" b="1" u="sng" dirty="0">
+              <a:solidFill>
+                <a:srgbClr val="2B2B2B"/>
+              </a:solidFill>
+              <a:latin typeface="Arial" panose="020B0604020202020204"/>
+            </a:endParaRPr>
+          </a:p>
+          <a:p>
+            <a:endParaRPr lang="en-GB" sz="2800" dirty="0">
+              <a:solidFill>
+                <a:srgbClr val="2B2B2B"/>
+              </a:solidFill>
+              <a:latin typeface="Arial" panose="020B0604020202020204"/>
+            </a:endParaRPr>
+          </a:p>
+          <a:p>
+            <a:pPr marL="457200" indent="-457200">
               <a:buFontTx/>
               <a:buChar char="-"/>
             </a:pPr>
-            <a:r>
-              <a:rPr lang="en-GB" sz="2400" dirty="0"/>
-              <a:t>Power provided to RPi and out to rest of system by external power pack</a:t>
-            </a:r>
-          </a:p>
-          <a:p>
-            <a:pPr marL="342900" indent="-342900">
+            <a:endParaRPr lang="en-GB" sz="2800" dirty="0"/>
+          </a:p>
+          <a:p>
+            <a:pPr marL="457200" indent="-457200">
               <a:buFontTx/>
               <a:buChar char="-"/>
             </a:pPr>
-            <a:r>
-              <a:rPr lang="en-GB" sz="2400" dirty="0" err="1"/>
-              <a:t>picamera</a:t>
-            </a:r>
-            <a:r>
-              <a:rPr lang="en-GB" sz="2400" dirty="0"/>
-              <a:t> and </a:t>
-            </a:r>
-            <a:r>
-              <a:rPr lang="en-GB" sz="2400" dirty="0" err="1"/>
-              <a:t>gpiozero</a:t>
-            </a:r>
-            <a:r>
-              <a:rPr lang="en-GB" sz="2400" dirty="0"/>
-              <a:t> are pre-defined Python libraries for RPi/</a:t>
-            </a:r>
-            <a:r>
-              <a:rPr lang="en-GB" sz="2400" dirty="0" err="1"/>
-              <a:t>PiCamera</a:t>
-            </a:r>
-            <a:endParaRPr lang="en-GB" sz="2400" dirty="0"/>
-          </a:p>
-          <a:p>
-            <a:pPr marL="342900" indent="-342900">
+            <a:endParaRPr lang="en-GB" sz="2800" dirty="0"/>
+          </a:p>
+          <a:p>
+            <a:pPr marL="457200" indent="-457200">
               <a:buFontTx/>
               <a:buChar char="-"/>
             </a:pPr>
-            <a:r>
-              <a:rPr lang="en-GB" sz="2400" dirty="0"/>
-              <a:t>Image recognition provided by OpenCV real-time object detection </a:t>
-            </a:r>
+            <a:endParaRPr lang="en-GB" sz="2800" dirty="0"/>
+          </a:p>
+          <a:p>
+            <a:pPr marL="457200" indent="-457200">
+              <a:buFontTx/>
+              <a:buChar char="-"/>
+            </a:pPr>
+            <a:endParaRPr lang="en-GB" sz="2800" dirty="0"/>
           </a:p>
         </p:txBody>
       </p:sp>
     </p:spTree>
     <p:extLst>
       <p:ext uri="{BB962C8B-B14F-4D97-AF65-F5344CB8AC3E}">
-        <p14:creationId xmlns:p14="http://schemas.microsoft.com/office/powerpoint/2010/main" val="1765187564"/>
-      </p:ext>
-    </p:extLst>
-  </p:cSld>
-  <p:clrMapOvr>
-    <a:masterClrMapping/>
-  </p:clrMapOvr>
-</p:sld>
-</file>
-
-<file path=ppt/slides/slide5.xml><?xml version="1.0" encoding="utf-8"?>
-<p:sld xmlns:a="http://schemas.openxmlformats.org/drawingml/2006/main" xmlns:r="http://schemas.openxmlformats.org/officeDocument/2006/relationships" xmlns:p="http://schemas.openxmlformats.org/presentationml/2006/main">
-  <p:cSld>
-    <p:spTree>
-      <p:nvGrpSpPr>
-        <p:cNvPr id="1" name=""/>
-        <p:cNvGrpSpPr/>
-        <p:nvPr/>
-      </p:nvGrpSpPr>
-      <p:grpSpPr>
-        <a:xfrm>
-          <a:off x="0" y="0"/>
-          <a:ext cx="0" cy="0"/>
-          <a:chOff x="0" y="0"/>
-          <a:chExt cx="0" cy="0"/>
-        </a:xfrm>
-      </p:grpSpPr>
-      <p:sp>
-        <p:nvSpPr>
-          <p:cNvPr id="9" name="Slide Number Placeholder 1">
-            <a:extLst>
-              <a:ext uri="{FF2B5EF4-FFF2-40B4-BE49-F238E27FC236}">
-                <a16:creationId xmlns:a16="http://schemas.microsoft.com/office/drawing/2014/main" id="{51E89716-4F1F-454B-AD56-07FE1DAF4D0C}"/>
-              </a:ext>
-            </a:extLst>
-          </p:cNvPr>
-          <p:cNvSpPr>
-            <a:spLocks noGrp="1"/>
-          </p:cNvSpPr>
-          <p:nvPr>
-            <p:ph type="sldNum" sz="quarter" idx="10"/>
-          </p:nvPr>
-        </p:nvSpPr>
-        <p:spPr/>
-        <p:txBody>
-          <a:bodyPr/>
-          <a:lstStyle/>
-          <a:p>
-            <a:fld id="{D8D877B3-D348-4611-9BDB-C5374591D951}" type="slidenum">
-              <a:rPr lang="en-US" smtClean="0"/>
-              <a:pPr/>
-              <a:t>5</a:t>
-            </a:fld>
-            <a:endParaRPr lang="en-US" dirty="0"/>
-          </a:p>
-        </p:txBody>
-      </p:sp>
-      <p:sp>
-        <p:nvSpPr>
-          <p:cNvPr id="7" name="Title 3">
-            <a:extLst>
-              <a:ext uri="{FF2B5EF4-FFF2-40B4-BE49-F238E27FC236}">
-                <a16:creationId xmlns:a16="http://schemas.microsoft.com/office/drawing/2014/main" id="{6FAAC2FE-E07A-4109-8A9A-F4ED3548FD94}"/>
-              </a:ext>
-            </a:extLst>
-          </p:cNvPr>
-          <p:cNvSpPr>
-            <a:spLocks noGrp="1"/>
-          </p:cNvSpPr>
-          <p:nvPr>
-            <p:ph type="title"/>
-          </p:nvPr>
-        </p:nvSpPr>
-        <p:spPr>
-          <a:xfrm>
-            <a:off x="1661417" y="245575"/>
-            <a:ext cx="9075077" cy="757655"/>
-          </a:xfrm>
-        </p:spPr>
-        <p:txBody>
-          <a:bodyPr/>
-          <a:lstStyle/>
-          <a:p>
-            <a:r>
-              <a:rPr lang="en-US" sz="4200" dirty="0"/>
-              <a:t>CURRENT PROGRESS</a:t>
-            </a:r>
-          </a:p>
-        </p:txBody>
-      </p:sp>
-    </p:spTree>
-    <p:extLst>
-      <p:ext uri="{BB962C8B-B14F-4D97-AF65-F5344CB8AC3E}">
-        <p14:creationId xmlns:p14="http://schemas.microsoft.com/office/powerpoint/2010/main" val="149825300"/>
-      </p:ext>
-    </p:extLst>
-  </p:cSld>
-  <p:clrMapOvr>
-    <a:masterClrMapping/>
-  </p:clrMapOvr>
-</p:sld>
-</file>
-
-<file path=ppt/slides/slide6.xml><?xml version="1.0" encoding="utf-8"?>
-<p:sld xmlns:a="http://schemas.openxmlformats.org/drawingml/2006/main" xmlns:r="http://schemas.openxmlformats.org/officeDocument/2006/relationships" xmlns:p="http://schemas.openxmlformats.org/presentationml/2006/main">
-  <p:cSld>
-    <p:bg>
-      <p:bgPr>
-        <a:solidFill>
-          <a:schemeClr val="bg2"/>
-        </a:solidFill>
-        <a:effectLst/>
-      </p:bgPr>
-    </p:bg>
-    <p:spTree>
-      <p:nvGrpSpPr>
-        <p:cNvPr id="1" name=""/>
-        <p:cNvGrpSpPr/>
-        <p:nvPr/>
-      </p:nvGrpSpPr>
-      <p:grpSpPr>
-        <a:xfrm>
-          <a:off x="0" y="0"/>
-          <a:ext cx="0" cy="0"/>
-          <a:chOff x="0" y="0"/>
-          <a:chExt cx="0" cy="0"/>
-        </a:xfrm>
-      </p:grpSpPr>
-      <p:sp>
-        <p:nvSpPr>
-          <p:cNvPr id="9" name="Slide Number Placeholder 1">
-            <a:extLst>
-              <a:ext uri="{FF2B5EF4-FFF2-40B4-BE49-F238E27FC236}">
-                <a16:creationId xmlns:a16="http://schemas.microsoft.com/office/drawing/2014/main" id="{51E89716-4F1F-454B-AD56-07FE1DAF4D0C}"/>
-              </a:ext>
-            </a:extLst>
-          </p:cNvPr>
-          <p:cNvSpPr>
-            <a:spLocks noGrp="1"/>
-          </p:cNvSpPr>
-          <p:nvPr>
-            <p:ph type="sldNum" sz="quarter" idx="10"/>
-          </p:nvPr>
-        </p:nvSpPr>
-        <p:spPr>
-          <a:xfrm>
-            <a:off x="235873" y="6418877"/>
-            <a:ext cx="513735" cy="227164"/>
-          </a:xfrm>
-          <a:prstGeom prst="rect">
-            <a:avLst/>
-          </a:prstGeom>
-          <a:noFill/>
-        </p:spPr>
-        <p:txBody>
-          <a:bodyPr vert="horz" lIns="0" tIns="0" rIns="0" bIns="0" rtlCol="0" anchor="ctr">
-            <a:normAutofit/>
-          </a:bodyPr>
-          <a:lstStyle/>
-          <a:p>
-            <a:pPr>
-              <a:spcAft>
-                <a:spcPts val="600"/>
-              </a:spcAft>
-            </a:pPr>
-            <a:fld id="{D8D877B3-D348-4611-9BDB-C5374591D951}" type="slidenum">
-              <a:rPr lang="en-US" smtClean="0"/>
-              <a:pPr>
-                <a:spcAft>
-                  <a:spcPts val="600"/>
-                </a:spcAft>
-              </a:pPr>
-              <a:t>6</a:t>
-            </a:fld>
-            <a:endParaRPr lang="en-US"/>
-          </a:p>
-        </p:txBody>
-      </p:sp>
-      <p:sp>
-        <p:nvSpPr>
-          <p:cNvPr id="7" name="Title 3">
-            <a:extLst>
-              <a:ext uri="{FF2B5EF4-FFF2-40B4-BE49-F238E27FC236}">
-                <a16:creationId xmlns:a16="http://schemas.microsoft.com/office/drawing/2014/main" id="{C62149A3-F0D9-4935-99B2-F17837946AC2}"/>
-              </a:ext>
-            </a:extLst>
-          </p:cNvPr>
-          <p:cNvSpPr>
-            <a:spLocks noGrp="1"/>
-          </p:cNvSpPr>
-          <p:nvPr>
-            <p:ph type="title"/>
-          </p:nvPr>
-        </p:nvSpPr>
-        <p:spPr>
-          <a:xfrm>
-            <a:off x="1661417" y="245575"/>
-            <a:ext cx="9075077" cy="757655"/>
-          </a:xfrm>
-        </p:spPr>
-        <p:txBody>
-          <a:bodyPr/>
-          <a:lstStyle/>
-          <a:p>
-            <a:r>
-              <a:rPr lang="en-US" sz="4200" dirty="0"/>
-              <a:t>NEXT STEPS</a:t>
-            </a:r>
-          </a:p>
-        </p:txBody>
-      </p:sp>
-    </p:spTree>
-    <p:extLst>
-      <p:ext uri="{BB962C8B-B14F-4D97-AF65-F5344CB8AC3E}">
-        <p14:creationId xmlns:p14="http://schemas.microsoft.com/office/powerpoint/2010/main" val="3778966850"/>
+        <p14:creationId xmlns:p14="http://schemas.microsoft.com/office/powerpoint/2010/main" val="4203014742"/>
       </p:ext>
     </p:extLst>
   </p:cSld>
@@ -9968,7 +13710,7 @@
         <a:srgbClr val="E7E6E6"/>
       </a:lt2>
       <a:accent1>
-        <a:srgbClr val="5B9BD5"/>
+        <a:srgbClr val="4472C4"/>
       </a:accent1>
       <a:accent2>
         <a:srgbClr val="ED7D31"/>
@@ -9980,7 +13722,7 @@
         <a:srgbClr val="FFC000"/>
       </a:accent4>
       <a:accent5>
-        <a:srgbClr val="4472C4"/>
+        <a:srgbClr val="5B9BD5"/>
       </a:accent5>
       <a:accent6>
         <a:srgbClr val="70AD47"/>
@@ -9997,9 +13739,9 @@
         <a:latin typeface="Calibri Light" panose="020F0302020204030204"/>
         <a:ea typeface=""/>
         <a:cs typeface=""/>
-        <a:font script="Jpan" typeface="Yu Gothic Light"/>
+        <a:font script="Jpan" typeface="游ゴシック Light"/>
         <a:font script="Hang" typeface="맑은 고딕"/>
-        <a:font script="Hans" typeface="DengXian Light"/>
+        <a:font script="Hans" typeface="等线 Light"/>
         <a:font script="Hant" typeface="新細明體"/>
         <a:font script="Arab" typeface="Times New Roman"/>
         <a:font script="Hebr" typeface="Times New Roman"/>
@@ -10027,14 +13769,31 @@
         <a:font script="Viet" typeface="Times New Roman"/>
         <a:font script="Uigh" typeface="Microsoft Uighur"/>
         <a:font script="Geor" typeface="Sylfaen"/>
+        <a:font script="Armn" typeface="Arial"/>
+        <a:font script="Bugi" typeface="Leelawadee UI"/>
+        <a:font script="Bopo" typeface="Microsoft JhengHei"/>
+        <a:font script="Java" typeface="Javanese Text"/>
+        <a:font script="Lisu" typeface="Segoe UI"/>
+        <a:font script="Mymr" typeface="Myanmar Text"/>
+        <a:font script="Nkoo" typeface="Ebrima"/>
+        <a:font script="Olck" typeface="Nirmala UI"/>
+        <a:font script="Osma" typeface="Ebrima"/>
+        <a:font script="Phag" typeface="Phagspa"/>
+        <a:font script="Syrn" typeface="Estrangelo Edessa"/>
+        <a:font script="Syrj" typeface="Estrangelo Edessa"/>
+        <a:font script="Syre" typeface="Estrangelo Edessa"/>
+        <a:font script="Sora" typeface="Nirmala UI"/>
+        <a:font script="Tale" typeface="Microsoft Tai Le"/>
+        <a:font script="Talu" typeface="Microsoft New Tai Lue"/>
+        <a:font script="Tfng" typeface="Ebrima"/>
       </a:majorFont>
       <a:minorFont>
         <a:latin typeface="Calibri" panose="020F0502020204030204"/>
         <a:ea typeface=""/>
         <a:cs typeface=""/>
-        <a:font script="Jpan" typeface="Yu Gothic"/>
+        <a:font script="Jpan" typeface="游ゴシック"/>
         <a:font script="Hang" typeface="맑은 고딕"/>
-        <a:font script="Hans" typeface="DengXian"/>
+        <a:font script="Hans" typeface="等线"/>
         <a:font script="Hant" typeface="新細明體"/>
         <a:font script="Arab" typeface="Arial"/>
         <a:font script="Hebr" typeface="Arial"/>
@@ -10062,6 +13821,23 @@
         <a:font script="Viet" typeface="Arial"/>
         <a:font script="Uigh" typeface="Microsoft Uighur"/>
         <a:font script="Geor" typeface="Sylfaen"/>
+        <a:font script="Armn" typeface="Arial"/>
+        <a:font script="Bugi" typeface="Leelawadee UI"/>
+        <a:font script="Bopo" typeface="Microsoft JhengHei"/>
+        <a:font script="Java" typeface="Javanese Text"/>
+        <a:font script="Lisu" typeface="Segoe UI"/>
+        <a:font script="Mymr" typeface="Myanmar Text"/>
+        <a:font script="Nkoo" typeface="Ebrima"/>
+        <a:font script="Olck" typeface="Nirmala UI"/>
+        <a:font script="Osma" typeface="Ebrima"/>
+        <a:font script="Phag" typeface="Phagspa"/>
+        <a:font script="Syrn" typeface="Estrangelo Edessa"/>
+        <a:font script="Syrj" typeface="Estrangelo Edessa"/>
+        <a:font script="Syre" typeface="Estrangelo Edessa"/>
+        <a:font script="Sora" typeface="Nirmala UI"/>
+        <a:font script="Tale" typeface="Microsoft Tai Le"/>
+        <a:font script="Talu" typeface="Microsoft New Tai Lue"/>
+        <a:font script="Tfng" typeface="Ebrima"/>
       </a:minorFont>
     </a:fontScheme>
     <a:fmtScheme name="Office">
@@ -10471,4 +14247,265 @@
     </a:ext>
   </a:extLst>
 </a:theme>
+</file>
+
+<file path=ppt/theme/theme4.xml><?xml version="1.0" encoding="utf-8"?>
+<a:theme xmlns:a="http://schemas.openxmlformats.org/drawingml/2006/main" name="Office Theme">
+  <a:themeElements>
+    <a:clrScheme name="Office">
+      <a:dk1>
+        <a:sysClr val="windowText" lastClr="000000"/>
+      </a:dk1>
+      <a:lt1>
+        <a:sysClr val="window" lastClr="FFFFFF"/>
+      </a:lt1>
+      <a:dk2>
+        <a:srgbClr val="44546A"/>
+      </a:dk2>
+      <a:lt2>
+        <a:srgbClr val="E7E6E6"/>
+      </a:lt2>
+      <a:accent1>
+        <a:srgbClr val="5B9BD5"/>
+      </a:accent1>
+      <a:accent2>
+        <a:srgbClr val="ED7D31"/>
+      </a:accent2>
+      <a:accent3>
+        <a:srgbClr val="A5A5A5"/>
+      </a:accent3>
+      <a:accent4>
+        <a:srgbClr val="FFC000"/>
+      </a:accent4>
+      <a:accent5>
+        <a:srgbClr val="4472C4"/>
+      </a:accent5>
+      <a:accent6>
+        <a:srgbClr val="70AD47"/>
+      </a:accent6>
+      <a:hlink>
+        <a:srgbClr val="0563C1"/>
+      </a:hlink>
+      <a:folHlink>
+        <a:srgbClr val="954F72"/>
+      </a:folHlink>
+    </a:clrScheme>
+    <a:fontScheme name="Office">
+      <a:majorFont>
+        <a:latin typeface="Calibri Light" panose="020F0302020204030204"/>
+        <a:ea typeface=""/>
+        <a:cs typeface=""/>
+        <a:font script="Jpan" typeface="Yu Gothic Light"/>
+        <a:font script="Hang" typeface="맑은 고딕"/>
+        <a:font script="Hans" typeface="DengXian Light"/>
+        <a:font script="Hant" typeface="新細明體"/>
+        <a:font script="Arab" typeface="Times New Roman"/>
+        <a:font script="Hebr" typeface="Times New Roman"/>
+        <a:font script="Thai" typeface="Angsana New"/>
+        <a:font script="Ethi" typeface="Nyala"/>
+        <a:font script="Beng" typeface="Vrinda"/>
+        <a:font script="Gujr" typeface="Shruti"/>
+        <a:font script="Khmr" typeface="MoolBoran"/>
+        <a:font script="Knda" typeface="Tunga"/>
+        <a:font script="Guru" typeface="Raavi"/>
+        <a:font script="Cans" typeface="Euphemia"/>
+        <a:font script="Cher" typeface="Plantagenet Cherokee"/>
+        <a:font script="Yiii" typeface="Microsoft Yi Baiti"/>
+        <a:font script="Tibt" typeface="Microsoft Himalaya"/>
+        <a:font script="Thaa" typeface="MV Boli"/>
+        <a:font script="Deva" typeface="Mangal"/>
+        <a:font script="Telu" typeface="Gautami"/>
+        <a:font script="Taml" typeface="Latha"/>
+        <a:font script="Syrc" typeface="Estrangelo Edessa"/>
+        <a:font script="Orya" typeface="Kalinga"/>
+        <a:font script="Mlym" typeface="Kartika"/>
+        <a:font script="Laoo" typeface="DokChampa"/>
+        <a:font script="Sinh" typeface="Iskoola Pota"/>
+        <a:font script="Mong" typeface="Mongolian Baiti"/>
+        <a:font script="Viet" typeface="Times New Roman"/>
+        <a:font script="Uigh" typeface="Microsoft Uighur"/>
+        <a:font script="Geor" typeface="Sylfaen"/>
+      </a:majorFont>
+      <a:minorFont>
+        <a:latin typeface="Calibri" panose="020F0502020204030204"/>
+        <a:ea typeface=""/>
+        <a:cs typeface=""/>
+        <a:font script="Jpan" typeface="Yu Gothic"/>
+        <a:font script="Hang" typeface="맑은 고딕"/>
+        <a:font script="Hans" typeface="DengXian"/>
+        <a:font script="Hant" typeface="新細明體"/>
+        <a:font script="Arab" typeface="Arial"/>
+        <a:font script="Hebr" typeface="Arial"/>
+        <a:font script="Thai" typeface="Cordia New"/>
+        <a:font script="Ethi" typeface="Nyala"/>
+        <a:font script="Beng" typeface="Vrinda"/>
+        <a:font script="Gujr" typeface="Shruti"/>
+        <a:font script="Khmr" typeface="DaunPenh"/>
+        <a:font script="Knda" typeface="Tunga"/>
+        <a:font script="Guru" typeface="Raavi"/>
+        <a:font script="Cans" typeface="Euphemia"/>
+        <a:font script="Cher" typeface="Plantagenet Cherokee"/>
+        <a:font script="Yiii" typeface="Microsoft Yi Baiti"/>
+        <a:font script="Tibt" typeface="Microsoft Himalaya"/>
+        <a:font script="Thaa" typeface="MV Boli"/>
+        <a:font script="Deva" typeface="Mangal"/>
+        <a:font script="Telu" typeface="Gautami"/>
+        <a:font script="Taml" typeface="Latha"/>
+        <a:font script="Syrc" typeface="Estrangelo Edessa"/>
+        <a:font script="Orya" typeface="Kalinga"/>
+        <a:font script="Mlym" typeface="Kartika"/>
+        <a:font script="Laoo" typeface="DokChampa"/>
+        <a:font script="Sinh" typeface="Iskoola Pota"/>
+        <a:font script="Mong" typeface="Mongolian Baiti"/>
+        <a:font script="Viet" typeface="Arial"/>
+        <a:font script="Uigh" typeface="Microsoft Uighur"/>
+        <a:font script="Geor" typeface="Sylfaen"/>
+      </a:minorFont>
+    </a:fontScheme>
+    <a:fmtScheme name="Office">
+      <a:fillStyleLst>
+        <a:solidFill>
+          <a:schemeClr val="phClr"/>
+        </a:solidFill>
+        <a:gradFill rotWithShape="1">
+          <a:gsLst>
+            <a:gs pos="0">
+              <a:schemeClr val="phClr">
+                <a:lumMod val="110000"/>
+                <a:satMod val="105000"/>
+                <a:tint val="67000"/>
+              </a:schemeClr>
+            </a:gs>
+            <a:gs pos="50000">
+              <a:schemeClr val="phClr">
+                <a:lumMod val="105000"/>
+                <a:satMod val="103000"/>
+                <a:tint val="73000"/>
+              </a:schemeClr>
+            </a:gs>
+            <a:gs pos="100000">
+              <a:schemeClr val="phClr">
+                <a:lumMod val="105000"/>
+                <a:satMod val="109000"/>
+                <a:tint val="81000"/>
+              </a:schemeClr>
+            </a:gs>
+          </a:gsLst>
+          <a:lin ang="5400000" scaled="0"/>
+        </a:gradFill>
+        <a:gradFill rotWithShape="1">
+          <a:gsLst>
+            <a:gs pos="0">
+              <a:schemeClr val="phClr">
+                <a:satMod val="103000"/>
+                <a:lumMod val="102000"/>
+                <a:tint val="94000"/>
+              </a:schemeClr>
+            </a:gs>
+            <a:gs pos="50000">
+              <a:schemeClr val="phClr">
+                <a:satMod val="110000"/>
+                <a:lumMod val="100000"/>
+                <a:shade val="100000"/>
+              </a:schemeClr>
+            </a:gs>
+            <a:gs pos="100000">
+              <a:schemeClr val="phClr">
+                <a:lumMod val="99000"/>
+                <a:satMod val="120000"/>
+                <a:shade val="78000"/>
+              </a:schemeClr>
+            </a:gs>
+          </a:gsLst>
+          <a:lin ang="5400000" scaled="0"/>
+        </a:gradFill>
+      </a:fillStyleLst>
+      <a:lnStyleLst>
+        <a:ln w="6350" cap="flat" cmpd="sng" algn="ctr">
+          <a:solidFill>
+            <a:schemeClr val="phClr"/>
+          </a:solidFill>
+          <a:prstDash val="solid"/>
+          <a:miter lim="800000"/>
+        </a:ln>
+        <a:ln w="12700" cap="flat" cmpd="sng" algn="ctr">
+          <a:solidFill>
+            <a:schemeClr val="phClr"/>
+          </a:solidFill>
+          <a:prstDash val="solid"/>
+          <a:miter lim="800000"/>
+        </a:ln>
+        <a:ln w="19050" cap="flat" cmpd="sng" algn="ctr">
+          <a:solidFill>
+            <a:schemeClr val="phClr"/>
+          </a:solidFill>
+          <a:prstDash val="solid"/>
+          <a:miter lim="800000"/>
+        </a:ln>
+      </a:lnStyleLst>
+      <a:effectStyleLst>
+        <a:effectStyle>
+          <a:effectLst/>
+        </a:effectStyle>
+        <a:effectStyle>
+          <a:effectLst/>
+        </a:effectStyle>
+        <a:effectStyle>
+          <a:effectLst>
+            <a:outerShdw blurRad="57150" dist="19050" dir="5400000" algn="ctr" rotWithShape="0">
+              <a:srgbClr val="000000">
+                <a:alpha val="63000"/>
+              </a:srgbClr>
+            </a:outerShdw>
+          </a:effectLst>
+        </a:effectStyle>
+      </a:effectStyleLst>
+      <a:bgFillStyleLst>
+        <a:solidFill>
+          <a:schemeClr val="phClr"/>
+        </a:solidFill>
+        <a:solidFill>
+          <a:schemeClr val="phClr">
+            <a:tint val="95000"/>
+            <a:satMod val="170000"/>
+          </a:schemeClr>
+        </a:solidFill>
+        <a:gradFill rotWithShape="1">
+          <a:gsLst>
+            <a:gs pos="0">
+              <a:schemeClr val="phClr">
+                <a:tint val="93000"/>
+                <a:satMod val="150000"/>
+                <a:shade val="98000"/>
+                <a:lumMod val="102000"/>
+              </a:schemeClr>
+            </a:gs>
+            <a:gs pos="50000">
+              <a:schemeClr val="phClr">
+                <a:tint val="98000"/>
+                <a:satMod val="130000"/>
+                <a:shade val="90000"/>
+                <a:lumMod val="103000"/>
+              </a:schemeClr>
+            </a:gs>
+            <a:gs pos="100000">
+              <a:schemeClr val="phClr">
+                <a:shade val="63000"/>
+                <a:satMod val="120000"/>
+              </a:schemeClr>
+            </a:gs>
+          </a:gsLst>
+          <a:lin ang="5400000" scaled="0"/>
+        </a:gradFill>
+      </a:bgFillStyleLst>
+    </a:fmtScheme>
+  </a:themeElements>
+  <a:objectDefaults/>
+  <a:extraClrSchemeLst/>
+  <a:extLst>
+    <a:ext uri="{05A4C25C-085E-4340-85A3-A5531E510DB2}">
+      <thm15:themeFamily xmlns:thm15="http://schemas.microsoft.com/office/thememl/2012/main" name="Office Theme" id="{62F939B6-93AF-4DB8-9C6B-D6C7DFDC589F}" vid="{4A3C46E8-61CC-4603-A589-7422A47A8E4A}"/>
+    </a:ext>
+  </a:extLst>
+</a:theme>
 </file>